--- a/20230605_RPC/311.pptx
+++ b/20230605_RPC/311.pptx
@@ -104,6 +104,11 @@
       </a:defRPr>
     </a:lvl9pPr>
   </p:defaultTextStyle>
+  <p:extLst>
+    <p:ext uri="{EFAFB233-063F-42B5-8137-9DF3F51BA10A}">
+      <p15:sldGuideLst xmlns:p15="http://schemas.microsoft.com/office/powerpoint/2012/main"/>
+    </p:ext>
+  </p:extLst>
 </p:presentation>
 </file>
 
@@ -254,7 +259,7 @@
           <a:p>
             <a:fld id="{4FEBA6AC-5978-4E1E-A589-145AE2C55CF9}" type="datetimeFigureOut">
               <a:rPr kumimoji="1" lang="ja-JP" altLang="en-US" smtClean="0"/>
-              <a:t>2023/6/5</a:t>
+              <a:t>2023/6/11</a:t>
             </a:fld>
             <a:endParaRPr kumimoji="1" lang="ja-JP" altLang="en-US"/>
           </a:p>
@@ -484,7 +489,7 @@
           <a:p>
             <a:fld id="{4FEBA6AC-5978-4E1E-A589-145AE2C55CF9}" type="datetimeFigureOut">
               <a:rPr kumimoji="1" lang="ja-JP" altLang="en-US" smtClean="0"/>
-              <a:t>2023/6/5</a:t>
+              <a:t>2023/6/11</a:t>
             </a:fld>
             <a:endParaRPr kumimoji="1" lang="ja-JP" altLang="en-US"/>
           </a:p>
@@ -724,7 +729,7 @@
           <a:p>
             <a:fld id="{4FEBA6AC-5978-4E1E-A589-145AE2C55CF9}" type="datetimeFigureOut">
               <a:rPr kumimoji="1" lang="ja-JP" altLang="en-US" smtClean="0"/>
-              <a:t>2023/6/5</a:t>
+              <a:t>2023/6/11</a:t>
             </a:fld>
             <a:endParaRPr kumimoji="1" lang="ja-JP" altLang="en-US"/>
           </a:p>
@@ -954,7 +959,7 @@
           <a:p>
             <a:fld id="{4FEBA6AC-5978-4E1E-A589-145AE2C55CF9}" type="datetimeFigureOut">
               <a:rPr kumimoji="1" lang="ja-JP" altLang="en-US" smtClean="0"/>
-              <a:t>2023/6/5</a:t>
+              <a:t>2023/6/11</a:t>
             </a:fld>
             <a:endParaRPr kumimoji="1" lang="ja-JP" altLang="en-US"/>
           </a:p>
@@ -1229,7 +1234,7 @@
           <a:p>
             <a:fld id="{4FEBA6AC-5978-4E1E-A589-145AE2C55CF9}" type="datetimeFigureOut">
               <a:rPr kumimoji="1" lang="ja-JP" altLang="en-US" smtClean="0"/>
-              <a:t>2023/6/5</a:t>
+              <a:t>2023/6/11</a:t>
             </a:fld>
             <a:endParaRPr kumimoji="1" lang="ja-JP" altLang="en-US"/>
           </a:p>
@@ -1558,7 +1563,7 @@
           <a:p>
             <a:fld id="{4FEBA6AC-5978-4E1E-A589-145AE2C55CF9}" type="datetimeFigureOut">
               <a:rPr kumimoji="1" lang="ja-JP" altLang="en-US" smtClean="0"/>
-              <a:t>2023/6/5</a:t>
+              <a:t>2023/6/11</a:t>
             </a:fld>
             <a:endParaRPr kumimoji="1" lang="ja-JP" altLang="en-US"/>
           </a:p>
@@ -2034,7 +2039,7 @@
           <a:p>
             <a:fld id="{4FEBA6AC-5978-4E1E-A589-145AE2C55CF9}" type="datetimeFigureOut">
               <a:rPr kumimoji="1" lang="ja-JP" altLang="en-US" smtClean="0"/>
-              <a:t>2023/6/5</a:t>
+              <a:t>2023/6/11</a:t>
             </a:fld>
             <a:endParaRPr kumimoji="1" lang="ja-JP" altLang="en-US"/>
           </a:p>
@@ -2175,7 +2180,7 @@
           <a:p>
             <a:fld id="{4FEBA6AC-5978-4E1E-A589-145AE2C55CF9}" type="datetimeFigureOut">
               <a:rPr kumimoji="1" lang="ja-JP" altLang="en-US" smtClean="0"/>
-              <a:t>2023/6/5</a:t>
+              <a:t>2023/6/11</a:t>
             </a:fld>
             <a:endParaRPr kumimoji="1" lang="ja-JP" altLang="en-US"/>
           </a:p>
@@ -2288,7 +2293,7 @@
           <a:p>
             <a:fld id="{4FEBA6AC-5978-4E1E-A589-145AE2C55CF9}" type="datetimeFigureOut">
               <a:rPr kumimoji="1" lang="ja-JP" altLang="en-US" smtClean="0"/>
-              <a:t>2023/6/5</a:t>
+              <a:t>2023/6/11</a:t>
             </a:fld>
             <a:endParaRPr kumimoji="1" lang="ja-JP" altLang="en-US"/>
           </a:p>
@@ -2631,7 +2636,7 @@
           <a:p>
             <a:fld id="{4FEBA6AC-5978-4E1E-A589-145AE2C55CF9}" type="datetimeFigureOut">
               <a:rPr kumimoji="1" lang="ja-JP" altLang="en-US" smtClean="0"/>
-              <a:t>2023/6/5</a:t>
+              <a:t>2023/6/11</a:t>
             </a:fld>
             <a:endParaRPr kumimoji="1" lang="ja-JP" altLang="en-US"/>
           </a:p>
@@ -2919,7 +2924,7 @@
           <a:p>
             <a:fld id="{4FEBA6AC-5978-4E1E-A589-145AE2C55CF9}" type="datetimeFigureOut">
               <a:rPr kumimoji="1" lang="ja-JP" altLang="en-US" smtClean="0"/>
-              <a:t>2023/6/5</a:t>
+              <a:t>2023/6/11</a:t>
             </a:fld>
             <a:endParaRPr kumimoji="1" lang="ja-JP" altLang="en-US"/>
           </a:p>
@@ -3192,7 +3197,7 @@
           <a:p>
             <a:fld id="{4FEBA6AC-5978-4E1E-A589-145AE2C55CF9}" type="datetimeFigureOut">
               <a:rPr kumimoji="1" lang="ja-JP" altLang="en-US" smtClean="0"/>
-              <a:t>2023/6/5</a:t>
+              <a:t>2023/6/11</a:t>
             </a:fld>
             <a:endParaRPr kumimoji="1" lang="ja-JP" altLang="en-US"/>
           </a:p>
@@ -3623,475 +3628,8 @@
         </p:nvSpPr>
         <p:spPr>
           <a:xfrm>
-            <a:off x="828675" y="745239"/>
-            <a:ext cx="1368000" cy="396000"/>
-          </a:xfrm>
-          <a:prstGeom prst="rect">
-            <a:avLst/>
-          </a:prstGeom>
-          <a:solidFill>
-            <a:schemeClr val="bg1"/>
-          </a:solidFill>
-        </p:spPr>
-        <p:style>
-          <a:lnRef idx="2">
-            <a:schemeClr val="accent1">
-              <a:shade val="50000"/>
-            </a:schemeClr>
-          </a:lnRef>
-          <a:fillRef idx="1">
-            <a:schemeClr val="accent1"/>
-          </a:fillRef>
-          <a:effectRef idx="0">
-            <a:schemeClr val="accent1"/>
-          </a:effectRef>
-          <a:fontRef idx="minor">
-            <a:schemeClr val="lt1"/>
-          </a:fontRef>
-        </p:style>
-        <p:txBody>
-          <a:bodyPr rtlCol="0" anchor="ctr"/>
-          <a:lstStyle/>
-          <a:p>
-            <a:pPr algn="ctr"/>
-            <a:r>
-              <a:rPr kumimoji="1" lang="en-US" altLang="ja-JP" sz="1000" err="1">
-                <a:solidFill>
-                  <a:schemeClr val="tx1"/>
-                </a:solidFill>
-              </a:rPr>
-              <a:t>ping_client</a:t>
-            </a:r>
-            <a:r>
-              <a:rPr lang="en-US" altLang="ja-JP" sz="1000" err="1">
-                <a:solidFill>
-                  <a:schemeClr val="tx1"/>
-                </a:solidFill>
-              </a:rPr>
-              <a:t>.c</a:t>
-            </a:r>
-            <a:endParaRPr kumimoji="1" lang="ja-JP" altLang="en-US" sz="1000">
-              <a:solidFill>
-                <a:schemeClr val="tx1"/>
-              </a:solidFill>
-            </a:endParaRPr>
-          </a:p>
-        </p:txBody>
-      </p:sp>
-      <p:sp>
-        <p:nvSpPr>
-          <p:cNvPr id="7" name="正方形/長方形 6">
-            <a:extLst>
-              <a:ext uri="{FF2B5EF4-FFF2-40B4-BE49-F238E27FC236}">
-                <a16:creationId xmlns:a16="http://schemas.microsoft.com/office/drawing/2014/main" id="{02A56745-48A0-6281-8E9E-E93FC012182C}"/>
-              </a:ext>
-            </a:extLst>
-          </p:cNvPr>
-          <p:cNvSpPr/>
-          <p:nvPr/>
-        </p:nvSpPr>
-        <p:spPr>
-          <a:xfrm>
-            <a:off x="828675" y="2033264"/>
-            <a:ext cx="1368000" cy="396000"/>
-          </a:xfrm>
-          <a:prstGeom prst="rect">
-            <a:avLst/>
-          </a:prstGeom>
-          <a:solidFill>
-            <a:schemeClr val="bg1"/>
-          </a:solidFill>
-        </p:spPr>
-        <p:style>
-          <a:lnRef idx="2">
-            <a:schemeClr val="accent1">
-              <a:shade val="50000"/>
-            </a:schemeClr>
-          </a:lnRef>
-          <a:fillRef idx="1">
-            <a:schemeClr val="accent1"/>
-          </a:fillRef>
-          <a:effectRef idx="0">
-            <a:schemeClr val="accent1"/>
-          </a:effectRef>
-          <a:fontRef idx="minor">
-            <a:schemeClr val="lt1"/>
-          </a:fontRef>
-        </p:style>
-        <p:txBody>
-          <a:bodyPr rtlCol="0" anchor="ctr"/>
-          <a:lstStyle/>
-          <a:p>
-            <a:pPr algn="ctr"/>
-            <a:r>
-              <a:rPr kumimoji="1" lang="en-US" altLang="ja-JP" sz="1000" err="1">
-                <a:solidFill>
-                  <a:schemeClr val="tx1"/>
-                </a:solidFill>
-              </a:rPr>
-              <a:t>ping.x</a:t>
-            </a:r>
-            <a:endParaRPr kumimoji="1" lang="ja-JP" altLang="en-US" sz="1000">
-              <a:solidFill>
-                <a:schemeClr val="tx1"/>
-              </a:solidFill>
-            </a:endParaRPr>
-          </a:p>
-        </p:txBody>
-      </p:sp>
-      <p:sp>
-        <p:nvSpPr>
-          <p:cNvPr id="8" name="正方形/長方形 7">
-            <a:extLst>
-              <a:ext uri="{FF2B5EF4-FFF2-40B4-BE49-F238E27FC236}">
-                <a16:creationId xmlns:a16="http://schemas.microsoft.com/office/drawing/2014/main" id="{D0E51817-028D-5C97-8478-D7FACDCA2921}"/>
-              </a:ext>
-            </a:extLst>
-          </p:cNvPr>
-          <p:cNvSpPr/>
-          <p:nvPr/>
-        </p:nvSpPr>
-        <p:spPr>
-          <a:xfrm>
-            <a:off x="828675" y="3556873"/>
-            <a:ext cx="1368000" cy="396000"/>
-          </a:xfrm>
-          <a:prstGeom prst="rect">
-            <a:avLst/>
-          </a:prstGeom>
-          <a:solidFill>
-            <a:schemeClr val="bg1"/>
-          </a:solidFill>
-        </p:spPr>
-        <p:style>
-          <a:lnRef idx="2">
-            <a:schemeClr val="accent1">
-              <a:shade val="50000"/>
-            </a:schemeClr>
-          </a:lnRef>
-          <a:fillRef idx="1">
-            <a:schemeClr val="accent1"/>
-          </a:fillRef>
-          <a:effectRef idx="0">
-            <a:schemeClr val="accent1"/>
-          </a:effectRef>
-          <a:fontRef idx="minor">
-            <a:schemeClr val="lt1"/>
-          </a:fontRef>
-        </p:style>
-        <p:txBody>
-          <a:bodyPr rtlCol="0" anchor="ctr"/>
-          <a:lstStyle/>
-          <a:p>
-            <a:pPr algn="ctr"/>
-            <a:r>
-              <a:rPr kumimoji="1" lang="en-US" altLang="ja-JP" sz="1000" err="1">
-                <a:solidFill>
-                  <a:schemeClr val="tx1"/>
-                </a:solidFill>
-              </a:rPr>
-              <a:t>ping_server.c</a:t>
-            </a:r>
-            <a:endParaRPr kumimoji="1" lang="ja-JP" altLang="en-US" sz="1000">
-              <a:solidFill>
-                <a:schemeClr val="tx1"/>
-              </a:solidFill>
-            </a:endParaRPr>
-          </a:p>
-        </p:txBody>
-      </p:sp>
-      <p:sp>
-        <p:nvSpPr>
-          <p:cNvPr id="9" name="正方形/長方形 8">
-            <a:extLst>
-              <a:ext uri="{FF2B5EF4-FFF2-40B4-BE49-F238E27FC236}">
-                <a16:creationId xmlns:a16="http://schemas.microsoft.com/office/drawing/2014/main" id="{72CFE8B7-9E22-9A3E-ECBD-2DEE7DE5B103}"/>
-              </a:ext>
-            </a:extLst>
-          </p:cNvPr>
-          <p:cNvSpPr/>
-          <p:nvPr/>
-        </p:nvSpPr>
-        <p:spPr>
-          <a:xfrm>
-            <a:off x="3446309" y="1894115"/>
-            <a:ext cx="1368000" cy="396000"/>
-          </a:xfrm>
-          <a:prstGeom prst="rect">
-            <a:avLst/>
-          </a:prstGeom>
-          <a:solidFill>
-            <a:schemeClr val="bg1"/>
-          </a:solidFill>
-        </p:spPr>
-        <p:style>
-          <a:lnRef idx="2">
-            <a:schemeClr val="accent1">
-              <a:shade val="50000"/>
-            </a:schemeClr>
-          </a:lnRef>
-          <a:fillRef idx="1">
-            <a:schemeClr val="accent1"/>
-          </a:fillRef>
-          <a:effectRef idx="0">
-            <a:schemeClr val="accent1"/>
-          </a:effectRef>
-          <a:fontRef idx="minor">
-            <a:schemeClr val="lt1"/>
-          </a:fontRef>
-        </p:style>
-        <p:txBody>
-          <a:bodyPr rtlCol="0" anchor="ctr"/>
-          <a:lstStyle/>
-          <a:p>
-            <a:pPr algn="ctr"/>
-            <a:r>
-              <a:rPr lang="en-US" altLang="ja-JP" sz="1000" err="1">
-                <a:solidFill>
-                  <a:sysClr val="windowText" lastClr="000000"/>
-                </a:solidFill>
-              </a:rPr>
-              <a:t>p</a:t>
-            </a:r>
-            <a:r>
-              <a:rPr kumimoji="1" lang="en-US" altLang="ja-JP" sz="1000" err="1">
-                <a:solidFill>
-                  <a:sysClr val="windowText" lastClr="000000"/>
-                </a:solidFill>
-              </a:rPr>
-              <a:t>ing.h</a:t>
-            </a:r>
-            <a:endParaRPr kumimoji="1" lang="ja-JP" altLang="en-US" sz="1000">
-              <a:solidFill>
-                <a:sysClr val="windowText" lastClr="000000"/>
-              </a:solidFill>
-            </a:endParaRPr>
-          </a:p>
-        </p:txBody>
-      </p:sp>
-      <p:sp>
-        <p:nvSpPr>
-          <p:cNvPr id="10" name="正方形/長方形 9">
-            <a:extLst>
-              <a:ext uri="{FF2B5EF4-FFF2-40B4-BE49-F238E27FC236}">
-                <a16:creationId xmlns:a16="http://schemas.microsoft.com/office/drawing/2014/main" id="{1B65D98C-2D67-AE0A-D018-D9BD68A96B2E}"/>
-              </a:ext>
-            </a:extLst>
-          </p:cNvPr>
-          <p:cNvSpPr/>
-          <p:nvPr/>
-        </p:nvSpPr>
-        <p:spPr>
-          <a:xfrm>
-            <a:off x="3446309" y="1306152"/>
-            <a:ext cx="1368000" cy="396000"/>
-          </a:xfrm>
-          <a:prstGeom prst="rect">
-            <a:avLst/>
-          </a:prstGeom>
-          <a:solidFill>
-            <a:schemeClr val="bg1"/>
-          </a:solidFill>
-        </p:spPr>
-        <p:style>
-          <a:lnRef idx="2">
-            <a:schemeClr val="accent1">
-              <a:shade val="50000"/>
-            </a:schemeClr>
-          </a:lnRef>
-          <a:fillRef idx="1">
-            <a:schemeClr val="accent1"/>
-          </a:fillRef>
-          <a:effectRef idx="0">
-            <a:schemeClr val="accent1"/>
-          </a:effectRef>
-          <a:fontRef idx="minor">
-            <a:schemeClr val="lt1"/>
-          </a:fontRef>
-        </p:style>
-        <p:txBody>
-          <a:bodyPr rtlCol="0" anchor="ctr"/>
-          <a:lstStyle/>
-          <a:p>
-            <a:pPr algn="ctr"/>
-            <a:r>
-              <a:rPr lang="en-US" altLang="ja-JP" sz="1000" err="1">
-                <a:solidFill>
-                  <a:sysClr val="windowText" lastClr="000000"/>
-                </a:solidFill>
-              </a:rPr>
-              <a:t>p</a:t>
-            </a:r>
-            <a:r>
-              <a:rPr kumimoji="1" lang="en-US" altLang="ja-JP" sz="1000" err="1">
-                <a:solidFill>
-                  <a:sysClr val="windowText" lastClr="000000"/>
-                </a:solidFill>
-              </a:rPr>
-              <a:t>ing_clnt.c</a:t>
-            </a:r>
-            <a:endParaRPr kumimoji="1" lang="ja-JP" altLang="en-US" sz="1000">
-              <a:solidFill>
-                <a:sysClr val="windowText" lastClr="000000"/>
-              </a:solidFill>
-            </a:endParaRPr>
-          </a:p>
-        </p:txBody>
-      </p:sp>
-      <p:sp>
-        <p:nvSpPr>
-          <p:cNvPr id="11" name="正方形/長方形 10">
-            <a:extLst>
-              <a:ext uri="{FF2B5EF4-FFF2-40B4-BE49-F238E27FC236}">
-                <a16:creationId xmlns:a16="http://schemas.microsoft.com/office/drawing/2014/main" id="{4EF3BF12-4FFD-7CFA-50CC-8EA809EA512A}"/>
-              </a:ext>
-            </a:extLst>
-          </p:cNvPr>
-          <p:cNvSpPr/>
-          <p:nvPr/>
-        </p:nvSpPr>
-        <p:spPr>
-          <a:xfrm>
-            <a:off x="3446309" y="2439424"/>
-            <a:ext cx="1368000" cy="396000"/>
-          </a:xfrm>
-          <a:prstGeom prst="rect">
-            <a:avLst/>
-          </a:prstGeom>
-          <a:solidFill>
-            <a:schemeClr val="bg1"/>
-          </a:solidFill>
-        </p:spPr>
-        <p:style>
-          <a:lnRef idx="2">
-            <a:schemeClr val="accent1">
-              <a:shade val="50000"/>
-            </a:schemeClr>
-          </a:lnRef>
-          <a:fillRef idx="1">
-            <a:schemeClr val="accent1"/>
-          </a:fillRef>
-          <a:effectRef idx="0">
-            <a:schemeClr val="accent1"/>
-          </a:effectRef>
-          <a:fontRef idx="minor">
-            <a:schemeClr val="lt1"/>
-          </a:fontRef>
-        </p:style>
-        <p:txBody>
-          <a:bodyPr rtlCol="0" anchor="ctr"/>
-          <a:lstStyle/>
-          <a:p>
-            <a:pPr algn="ctr"/>
-            <a:r>
-              <a:rPr lang="en-US" altLang="ja-JP" sz="1000" err="1">
-                <a:solidFill>
-                  <a:sysClr val="windowText" lastClr="000000"/>
-                </a:solidFill>
-              </a:rPr>
-              <a:t>p</a:t>
-            </a:r>
-            <a:r>
-              <a:rPr kumimoji="1" lang="en-US" altLang="ja-JP" sz="1000" err="1">
-                <a:solidFill>
-                  <a:sysClr val="windowText" lastClr="000000"/>
-                </a:solidFill>
-              </a:rPr>
-              <a:t>ing_xdr.c</a:t>
-            </a:r>
-            <a:endParaRPr kumimoji="1" lang="ja-JP" altLang="en-US" sz="1000">
-              <a:solidFill>
-                <a:sysClr val="windowText" lastClr="000000"/>
-              </a:solidFill>
-            </a:endParaRPr>
-          </a:p>
-        </p:txBody>
-      </p:sp>
-      <p:sp>
-        <p:nvSpPr>
-          <p:cNvPr id="12" name="正方形/長方形 11">
-            <a:extLst>
-              <a:ext uri="{FF2B5EF4-FFF2-40B4-BE49-F238E27FC236}">
-                <a16:creationId xmlns:a16="http://schemas.microsoft.com/office/drawing/2014/main" id="{B479DCF8-8AED-AA75-7B00-98B08DFCEDD5}"/>
-              </a:ext>
-            </a:extLst>
-          </p:cNvPr>
-          <p:cNvSpPr/>
-          <p:nvPr/>
-        </p:nvSpPr>
-        <p:spPr>
-          <a:xfrm>
-            <a:off x="3446309" y="2989736"/>
-            <a:ext cx="1368000" cy="396000"/>
-          </a:xfrm>
-          <a:prstGeom prst="rect">
-            <a:avLst/>
-          </a:prstGeom>
-          <a:solidFill>
-            <a:schemeClr val="bg1"/>
-          </a:solidFill>
-        </p:spPr>
-        <p:style>
-          <a:lnRef idx="2">
-            <a:schemeClr val="accent1">
-              <a:shade val="50000"/>
-            </a:schemeClr>
-          </a:lnRef>
-          <a:fillRef idx="1">
-            <a:schemeClr val="accent1"/>
-          </a:fillRef>
-          <a:effectRef idx="0">
-            <a:schemeClr val="accent1"/>
-          </a:effectRef>
-          <a:fontRef idx="minor">
-            <a:schemeClr val="lt1"/>
-          </a:fontRef>
-        </p:style>
-        <p:txBody>
-          <a:bodyPr rtlCol="0" anchor="ctr"/>
-          <a:lstStyle/>
-          <a:p>
-            <a:pPr algn="ctr"/>
-            <a:r>
-              <a:rPr lang="en-US" altLang="ja-JP" sz="1000" err="1">
-                <a:solidFill>
-                  <a:sysClr val="windowText" lastClr="000000"/>
-                </a:solidFill>
-              </a:rPr>
-              <a:t>p</a:t>
-            </a:r>
-            <a:r>
-              <a:rPr kumimoji="1" lang="en-US" altLang="ja-JP" sz="1000" err="1">
-                <a:solidFill>
-                  <a:sysClr val="windowText" lastClr="000000"/>
-                </a:solidFill>
-              </a:rPr>
-              <a:t>ing_svc.c</a:t>
-            </a:r>
-            <a:endParaRPr kumimoji="1" lang="ja-JP" altLang="en-US" sz="1000">
-              <a:solidFill>
-                <a:sysClr val="windowText" lastClr="000000"/>
-              </a:solidFill>
-            </a:endParaRPr>
-          </a:p>
-        </p:txBody>
-      </p:sp>
-      <p:sp>
-        <p:nvSpPr>
-          <p:cNvPr id="13" name="正方形/長方形 12">
-            <a:extLst>
-              <a:ext uri="{FF2B5EF4-FFF2-40B4-BE49-F238E27FC236}">
-                <a16:creationId xmlns:a16="http://schemas.microsoft.com/office/drawing/2014/main" id="{1BB878F0-8402-1433-EE66-DFDFEC4FF05B}"/>
-              </a:ext>
-            </a:extLst>
-          </p:cNvPr>
-          <p:cNvSpPr/>
-          <p:nvPr/>
-        </p:nvSpPr>
-        <p:spPr>
-          <a:xfrm>
-            <a:off x="5942634" y="1306152"/>
-            <a:ext cx="1368000" cy="396000"/>
+            <a:off x="4584508" y="745239"/>
+            <a:ext cx="1116000" cy="360000"/>
           </a:xfrm>
           <a:prstGeom prst="rect">
             <a:avLst/>
@@ -4127,20 +3665,20 @@
           <a:p>
             <a:pPr algn="ctr"/>
             <a:r>
+              <a:rPr kumimoji="1" lang="en-US" altLang="ja-JP" sz="1000" err="1">
+                <a:solidFill>
+                  <a:schemeClr val="tx1"/>
+                </a:solidFill>
+              </a:rPr>
+              <a:t>ping_client</a:t>
+            </a:r>
+            <a:r>
               <a:rPr lang="en-US" altLang="ja-JP" sz="1000" err="1">
                 <a:solidFill>
                   <a:schemeClr val="tx1"/>
                 </a:solidFill>
               </a:rPr>
-              <a:t>p</a:t>
-            </a:r>
-            <a:r>
-              <a:rPr kumimoji="1" lang="en-US" altLang="ja-JP" sz="1000" err="1">
-                <a:solidFill>
-                  <a:schemeClr val="tx1"/>
-                </a:solidFill>
-              </a:rPr>
-              <a:t>ing_clnt.o</a:t>
+              <a:t>.c</a:t>
             </a:r>
             <a:endParaRPr kumimoji="1" lang="ja-JP" altLang="en-US" sz="1000">
               <a:solidFill>
@@ -4152,10 +3690,10 @@
       </p:sp>
       <p:sp>
         <p:nvSpPr>
-          <p:cNvPr id="14" name="正方形/長方形 13">
-            <a:extLst>
-              <a:ext uri="{FF2B5EF4-FFF2-40B4-BE49-F238E27FC236}">
-                <a16:creationId xmlns:a16="http://schemas.microsoft.com/office/drawing/2014/main" id="{09040180-B83B-4593-9A9B-F3B80158BDD1}"/>
+          <p:cNvPr id="7" name="正方形/長方形 6">
+            <a:extLst>
+              <a:ext uri="{FF2B5EF4-FFF2-40B4-BE49-F238E27FC236}">
+                <a16:creationId xmlns:a16="http://schemas.microsoft.com/office/drawing/2014/main" id="{02A56745-48A0-6281-8E9E-E93FC012182C}"/>
               </a:ext>
             </a:extLst>
           </p:cNvPr>
@@ -4164,8 +3702,8 @@
         </p:nvSpPr>
         <p:spPr>
           <a:xfrm>
-            <a:off x="5942634" y="745239"/>
-            <a:ext cx="1368000" cy="396000"/>
+            <a:off x="321792" y="2166769"/>
+            <a:ext cx="1116000" cy="360000"/>
           </a:xfrm>
           <a:prstGeom prst="rect">
             <a:avLst/>
@@ -4206,15 +3744,7 @@
                   <a:schemeClr val="tx1"/>
                 </a:solidFill>
               </a:rPr>
-              <a:t>ping_client</a:t>
-            </a:r>
-            <a:r>
-              <a:rPr lang="en-US" altLang="ja-JP" sz="1000" err="1">
-                <a:solidFill>
-                  <a:schemeClr val="tx1"/>
-                </a:solidFill>
-              </a:rPr>
-              <a:t>.o</a:t>
+              <a:t>ping.x</a:t>
             </a:r>
             <a:endParaRPr kumimoji="1" lang="ja-JP" altLang="en-US" sz="1000">
               <a:solidFill>
@@ -4226,10 +3756,10 @@
       </p:sp>
       <p:sp>
         <p:nvSpPr>
-          <p:cNvPr id="15" name="正方形/長方形 14">
-            <a:extLst>
-              <a:ext uri="{FF2B5EF4-FFF2-40B4-BE49-F238E27FC236}">
-                <a16:creationId xmlns:a16="http://schemas.microsoft.com/office/drawing/2014/main" id="{649EB460-2B79-C7FA-818A-61D0FA3B9DD2}"/>
+          <p:cNvPr id="8" name="正方形/長方形 7">
+            <a:extLst>
+              <a:ext uri="{FF2B5EF4-FFF2-40B4-BE49-F238E27FC236}">
+                <a16:creationId xmlns:a16="http://schemas.microsoft.com/office/drawing/2014/main" id="{D0E51817-028D-5C97-8478-D7FACDCA2921}"/>
               </a:ext>
             </a:extLst>
           </p:cNvPr>
@@ -4238,8 +3768,8 @@
         </p:nvSpPr>
         <p:spPr>
           <a:xfrm>
-            <a:off x="5942634" y="3556873"/>
-            <a:ext cx="1368000" cy="396000"/>
+            <a:off x="4584508" y="3556873"/>
+            <a:ext cx="1116000" cy="360000"/>
           </a:xfrm>
           <a:prstGeom prst="rect">
             <a:avLst/>
@@ -4280,7 +3810,7 @@
                   <a:schemeClr val="tx1"/>
                 </a:solidFill>
               </a:rPr>
-              <a:t>ping_server.o</a:t>
+              <a:t>ping_server.c</a:t>
             </a:r>
             <a:endParaRPr kumimoji="1" lang="ja-JP" altLang="en-US" sz="1000">
               <a:solidFill>
@@ -4292,10 +3822,10 @@
       </p:sp>
       <p:sp>
         <p:nvSpPr>
-          <p:cNvPr id="16" name="正方形/長方形 15">
-            <a:extLst>
-              <a:ext uri="{FF2B5EF4-FFF2-40B4-BE49-F238E27FC236}">
-                <a16:creationId xmlns:a16="http://schemas.microsoft.com/office/drawing/2014/main" id="{1AD4FEE8-B96C-D0E6-DB8F-A5FBAC4B508F}"/>
+          <p:cNvPr id="13" name="正方形/長方形 12">
+            <a:extLst>
+              <a:ext uri="{FF2B5EF4-FFF2-40B4-BE49-F238E27FC236}">
+                <a16:creationId xmlns:a16="http://schemas.microsoft.com/office/drawing/2014/main" id="{1BB878F0-8402-1433-EE66-DFDFEC4FF05B}"/>
               </a:ext>
             </a:extLst>
           </p:cNvPr>
@@ -4304,8 +3834,1532 @@
         </p:nvSpPr>
         <p:spPr>
           <a:xfrm>
-            <a:off x="5917920" y="2116540"/>
-            <a:ext cx="1368000" cy="396000"/>
+            <a:off x="6297365" y="1310061"/>
+            <a:ext cx="1116000" cy="360000"/>
+          </a:xfrm>
+          <a:prstGeom prst="rect">
+            <a:avLst/>
+          </a:prstGeom>
+          <a:solidFill>
+            <a:schemeClr val="bg1"/>
+          </a:solidFill>
+          <a:ln>
+            <a:solidFill>
+              <a:schemeClr val="accent2"/>
+            </a:solidFill>
+          </a:ln>
+        </p:spPr>
+        <p:style>
+          <a:lnRef idx="2">
+            <a:schemeClr val="accent1">
+              <a:shade val="50000"/>
+            </a:schemeClr>
+          </a:lnRef>
+          <a:fillRef idx="1">
+            <a:schemeClr val="accent1"/>
+          </a:fillRef>
+          <a:effectRef idx="0">
+            <a:schemeClr val="accent1"/>
+          </a:effectRef>
+          <a:fontRef idx="minor">
+            <a:schemeClr val="lt1"/>
+          </a:fontRef>
+        </p:style>
+        <p:txBody>
+          <a:bodyPr rtlCol="0" anchor="ctr"/>
+          <a:lstStyle/>
+          <a:p>
+            <a:pPr algn="ctr"/>
+            <a:r>
+              <a:rPr lang="en-US" altLang="ja-JP" sz="1000" err="1">
+                <a:solidFill>
+                  <a:schemeClr val="accent2"/>
+                </a:solidFill>
+              </a:rPr>
+              <a:t>p</a:t>
+            </a:r>
+            <a:r>
+              <a:rPr kumimoji="1" lang="en-US" altLang="ja-JP" sz="1000" err="1">
+                <a:solidFill>
+                  <a:schemeClr val="accent2"/>
+                </a:solidFill>
+              </a:rPr>
+              <a:t>ing_clnt.o</a:t>
+            </a:r>
+            <a:endParaRPr kumimoji="1" lang="ja-JP" altLang="en-US" sz="1000">
+              <a:solidFill>
+                <a:schemeClr val="accent2"/>
+              </a:solidFill>
+            </a:endParaRPr>
+          </a:p>
+        </p:txBody>
+      </p:sp>
+      <p:sp>
+        <p:nvSpPr>
+          <p:cNvPr id="14" name="正方形/長方形 13">
+            <a:extLst>
+              <a:ext uri="{FF2B5EF4-FFF2-40B4-BE49-F238E27FC236}">
+                <a16:creationId xmlns:a16="http://schemas.microsoft.com/office/drawing/2014/main" id="{09040180-B83B-4593-9A9B-F3B80158BDD1}"/>
+              </a:ext>
+            </a:extLst>
+          </p:cNvPr>
+          <p:cNvSpPr/>
+          <p:nvPr/>
+        </p:nvSpPr>
+        <p:spPr>
+          <a:xfrm>
+            <a:off x="6297365" y="745239"/>
+            <a:ext cx="1116000" cy="360000"/>
+          </a:xfrm>
+          <a:prstGeom prst="rect">
+            <a:avLst/>
+          </a:prstGeom>
+          <a:solidFill>
+            <a:schemeClr val="bg1"/>
+          </a:solidFill>
+          <a:ln>
+            <a:solidFill>
+              <a:schemeClr val="accent2"/>
+            </a:solidFill>
+          </a:ln>
+        </p:spPr>
+        <p:style>
+          <a:lnRef idx="2">
+            <a:schemeClr val="accent1">
+              <a:shade val="50000"/>
+            </a:schemeClr>
+          </a:lnRef>
+          <a:fillRef idx="1">
+            <a:schemeClr val="accent1"/>
+          </a:fillRef>
+          <a:effectRef idx="0">
+            <a:schemeClr val="accent1"/>
+          </a:effectRef>
+          <a:fontRef idx="minor">
+            <a:schemeClr val="lt1"/>
+          </a:fontRef>
+        </p:style>
+        <p:txBody>
+          <a:bodyPr rtlCol="0" anchor="ctr"/>
+          <a:lstStyle/>
+          <a:p>
+            <a:pPr algn="ctr"/>
+            <a:r>
+              <a:rPr kumimoji="1" lang="en-US" altLang="ja-JP" sz="1000" err="1">
+                <a:solidFill>
+                  <a:schemeClr val="accent2"/>
+                </a:solidFill>
+              </a:rPr>
+              <a:t>ping_client</a:t>
+            </a:r>
+            <a:r>
+              <a:rPr lang="en-US" altLang="ja-JP" sz="1000" err="1">
+                <a:solidFill>
+                  <a:schemeClr val="accent2"/>
+                </a:solidFill>
+              </a:rPr>
+              <a:t>.o</a:t>
+            </a:r>
+            <a:endParaRPr kumimoji="1" lang="ja-JP" altLang="en-US" sz="1000">
+              <a:solidFill>
+                <a:schemeClr val="accent2"/>
+              </a:solidFill>
+            </a:endParaRPr>
+          </a:p>
+        </p:txBody>
+      </p:sp>
+      <p:sp>
+        <p:nvSpPr>
+          <p:cNvPr id="15" name="正方形/長方形 14">
+            <a:extLst>
+              <a:ext uri="{FF2B5EF4-FFF2-40B4-BE49-F238E27FC236}">
+                <a16:creationId xmlns:a16="http://schemas.microsoft.com/office/drawing/2014/main" id="{649EB460-2B79-C7FA-818A-61D0FA3B9DD2}"/>
+              </a:ext>
+            </a:extLst>
+          </p:cNvPr>
+          <p:cNvSpPr/>
+          <p:nvPr/>
+        </p:nvSpPr>
+        <p:spPr>
+          <a:xfrm>
+            <a:off x="6297365" y="3556873"/>
+            <a:ext cx="1116000" cy="360000"/>
+          </a:xfrm>
+          <a:prstGeom prst="rect">
+            <a:avLst/>
+          </a:prstGeom>
+          <a:solidFill>
+            <a:schemeClr val="bg1"/>
+          </a:solidFill>
+          <a:ln>
+            <a:solidFill>
+              <a:schemeClr val="accent2"/>
+            </a:solidFill>
+          </a:ln>
+        </p:spPr>
+        <p:style>
+          <a:lnRef idx="2">
+            <a:schemeClr val="accent1">
+              <a:shade val="50000"/>
+            </a:schemeClr>
+          </a:lnRef>
+          <a:fillRef idx="1">
+            <a:schemeClr val="accent1"/>
+          </a:fillRef>
+          <a:effectRef idx="0">
+            <a:schemeClr val="accent1"/>
+          </a:effectRef>
+          <a:fontRef idx="minor">
+            <a:schemeClr val="lt1"/>
+          </a:fontRef>
+        </p:style>
+        <p:txBody>
+          <a:bodyPr rtlCol="0" anchor="ctr"/>
+          <a:lstStyle/>
+          <a:p>
+            <a:pPr algn="ctr"/>
+            <a:r>
+              <a:rPr kumimoji="1" lang="en-US" altLang="ja-JP" sz="1000" err="1">
+                <a:solidFill>
+                  <a:schemeClr val="accent2"/>
+                </a:solidFill>
+              </a:rPr>
+              <a:t>ping_server.o</a:t>
+            </a:r>
+            <a:endParaRPr kumimoji="1" lang="ja-JP" altLang="en-US" sz="1000">
+              <a:solidFill>
+                <a:schemeClr val="accent2"/>
+              </a:solidFill>
+            </a:endParaRPr>
+          </a:p>
+        </p:txBody>
+      </p:sp>
+      <p:sp>
+        <p:nvSpPr>
+          <p:cNvPr id="17" name="正方形/長方形 16">
+            <a:extLst>
+              <a:ext uri="{FF2B5EF4-FFF2-40B4-BE49-F238E27FC236}">
+                <a16:creationId xmlns:a16="http://schemas.microsoft.com/office/drawing/2014/main" id="{B36BAE50-1617-CAA7-C9BF-75E1BB02CDF2}"/>
+              </a:ext>
+            </a:extLst>
+          </p:cNvPr>
+          <p:cNvSpPr/>
+          <p:nvPr/>
+        </p:nvSpPr>
+        <p:spPr>
+          <a:xfrm>
+            <a:off x="6297365" y="2989768"/>
+            <a:ext cx="1116000" cy="360000"/>
+          </a:xfrm>
+          <a:prstGeom prst="rect">
+            <a:avLst/>
+          </a:prstGeom>
+          <a:solidFill>
+            <a:schemeClr val="bg1"/>
+          </a:solidFill>
+          <a:ln>
+            <a:solidFill>
+              <a:schemeClr val="accent2"/>
+            </a:solidFill>
+          </a:ln>
+        </p:spPr>
+        <p:style>
+          <a:lnRef idx="2">
+            <a:schemeClr val="accent1">
+              <a:shade val="50000"/>
+            </a:schemeClr>
+          </a:lnRef>
+          <a:fillRef idx="1">
+            <a:schemeClr val="accent1"/>
+          </a:fillRef>
+          <a:effectRef idx="0">
+            <a:schemeClr val="accent1"/>
+          </a:effectRef>
+          <a:fontRef idx="minor">
+            <a:schemeClr val="lt1"/>
+          </a:fontRef>
+        </p:style>
+        <p:txBody>
+          <a:bodyPr rtlCol="0" anchor="ctr"/>
+          <a:lstStyle/>
+          <a:p>
+            <a:pPr algn="ctr"/>
+            <a:r>
+              <a:rPr lang="en-US" altLang="ja-JP" sz="1000" err="1">
+                <a:solidFill>
+                  <a:schemeClr val="accent2"/>
+                </a:solidFill>
+              </a:rPr>
+              <a:t>p</a:t>
+            </a:r>
+            <a:r>
+              <a:rPr kumimoji="1" lang="en-US" altLang="ja-JP" sz="1000" err="1">
+                <a:solidFill>
+                  <a:schemeClr val="accent2"/>
+                </a:solidFill>
+              </a:rPr>
+              <a:t>ing_svc.o</a:t>
+            </a:r>
+            <a:endParaRPr kumimoji="1" lang="ja-JP" altLang="en-US" sz="1000">
+              <a:solidFill>
+                <a:schemeClr val="accent2"/>
+              </a:solidFill>
+            </a:endParaRPr>
+          </a:p>
+        </p:txBody>
+      </p:sp>
+      <p:cxnSp>
+        <p:nvCxnSpPr>
+          <p:cNvPr id="19" name="直線矢印コネクタ 18">
+            <a:extLst>
+              <a:ext uri="{FF2B5EF4-FFF2-40B4-BE49-F238E27FC236}">
+                <a16:creationId xmlns:a16="http://schemas.microsoft.com/office/drawing/2014/main" id="{D64EBD18-A00E-03D7-4B30-54806C7228FC}"/>
+              </a:ext>
+            </a:extLst>
+          </p:cNvPr>
+          <p:cNvCxnSpPr>
+            <a:cxnSpLocks/>
+            <a:stCxn id="7" idx="3"/>
+            <a:endCxn id="81" idx="1"/>
+          </p:cNvCxnSpPr>
+          <p:nvPr/>
+        </p:nvCxnSpPr>
+        <p:spPr>
+          <a:xfrm flipV="1">
+            <a:off x="1437792" y="1403519"/>
+            <a:ext cx="1709293" cy="943250"/>
+          </a:xfrm>
+          <a:prstGeom prst="bentConnector3">
+            <a:avLst>
+              <a:gd name="adj1" fmla="val 4489"/>
+            </a:avLst>
+          </a:prstGeom>
+          <a:ln>
+            <a:solidFill>
+              <a:srgbClr val="FF0000"/>
+            </a:solidFill>
+            <a:tailEnd type="triangle"/>
+          </a:ln>
+        </p:spPr>
+        <p:style>
+          <a:lnRef idx="1">
+            <a:schemeClr val="accent1"/>
+          </a:lnRef>
+          <a:fillRef idx="0">
+            <a:schemeClr val="accent1"/>
+          </a:fillRef>
+          <a:effectRef idx="0">
+            <a:schemeClr val="accent1"/>
+          </a:effectRef>
+          <a:fontRef idx="minor">
+            <a:schemeClr val="tx1"/>
+          </a:fontRef>
+        </p:style>
+      </p:cxnSp>
+      <p:cxnSp>
+        <p:nvCxnSpPr>
+          <p:cNvPr id="20" name="直線矢印コネクタ 19">
+            <a:extLst>
+              <a:ext uri="{FF2B5EF4-FFF2-40B4-BE49-F238E27FC236}">
+                <a16:creationId xmlns:a16="http://schemas.microsoft.com/office/drawing/2014/main" id="{7C11D57D-1824-38C1-88BD-488732F12483}"/>
+              </a:ext>
+            </a:extLst>
+          </p:cNvPr>
+          <p:cNvCxnSpPr>
+            <a:cxnSpLocks/>
+            <a:stCxn id="6" idx="3"/>
+            <a:endCxn id="14" idx="1"/>
+          </p:cNvCxnSpPr>
+          <p:nvPr/>
+        </p:nvCxnSpPr>
+        <p:spPr>
+          <a:xfrm>
+            <a:off x="5700508" y="925239"/>
+            <a:ext cx="596857" cy="0"/>
+          </a:xfrm>
+          <a:prstGeom prst="straightConnector1">
+            <a:avLst/>
+          </a:prstGeom>
+          <a:ln>
+            <a:solidFill>
+              <a:schemeClr val="accent2"/>
+            </a:solidFill>
+            <a:tailEnd type="triangle"/>
+          </a:ln>
+        </p:spPr>
+        <p:style>
+          <a:lnRef idx="1">
+            <a:schemeClr val="accent1"/>
+          </a:lnRef>
+          <a:fillRef idx="0">
+            <a:schemeClr val="accent1"/>
+          </a:fillRef>
+          <a:effectRef idx="0">
+            <a:schemeClr val="accent1"/>
+          </a:effectRef>
+          <a:fontRef idx="minor">
+            <a:schemeClr val="tx1"/>
+          </a:fontRef>
+        </p:style>
+      </p:cxnSp>
+      <p:cxnSp>
+        <p:nvCxnSpPr>
+          <p:cNvPr id="23" name="直線矢印コネクタ 22">
+            <a:extLst>
+              <a:ext uri="{FF2B5EF4-FFF2-40B4-BE49-F238E27FC236}">
+                <a16:creationId xmlns:a16="http://schemas.microsoft.com/office/drawing/2014/main" id="{25F969BD-399F-8BC3-7C69-3A367497DAB3}"/>
+              </a:ext>
+            </a:extLst>
+          </p:cNvPr>
+          <p:cNvCxnSpPr>
+            <a:cxnSpLocks/>
+            <a:stCxn id="10" idx="3"/>
+            <a:endCxn id="13" idx="1"/>
+          </p:cNvCxnSpPr>
+          <p:nvPr/>
+        </p:nvCxnSpPr>
+        <p:spPr>
+          <a:xfrm>
+            <a:off x="4260249" y="1490061"/>
+            <a:ext cx="2037116" cy="0"/>
+          </a:xfrm>
+          <a:prstGeom prst="straightConnector1">
+            <a:avLst/>
+          </a:prstGeom>
+          <a:ln>
+            <a:solidFill>
+              <a:schemeClr val="accent2"/>
+            </a:solidFill>
+            <a:tailEnd type="triangle"/>
+          </a:ln>
+        </p:spPr>
+        <p:style>
+          <a:lnRef idx="1">
+            <a:schemeClr val="accent1"/>
+          </a:lnRef>
+          <a:fillRef idx="0">
+            <a:schemeClr val="accent1"/>
+          </a:fillRef>
+          <a:effectRef idx="0">
+            <a:schemeClr val="accent1"/>
+          </a:effectRef>
+          <a:fontRef idx="minor">
+            <a:schemeClr val="tx1"/>
+          </a:fontRef>
+        </p:style>
+      </p:cxnSp>
+      <p:cxnSp>
+        <p:nvCxnSpPr>
+          <p:cNvPr id="26" name="直線矢印コネクタ 25">
+            <a:extLst>
+              <a:ext uri="{FF2B5EF4-FFF2-40B4-BE49-F238E27FC236}">
+                <a16:creationId xmlns:a16="http://schemas.microsoft.com/office/drawing/2014/main" id="{CD1CC265-0324-E532-417C-A8FF0DE5FC79}"/>
+              </a:ext>
+            </a:extLst>
+          </p:cNvPr>
+          <p:cNvCxnSpPr>
+            <a:cxnSpLocks/>
+            <a:stCxn id="11" idx="3"/>
+            <a:endCxn id="16" idx="1"/>
+          </p:cNvCxnSpPr>
+          <p:nvPr/>
+        </p:nvCxnSpPr>
+        <p:spPr>
+          <a:xfrm>
+            <a:off x="4260249" y="2346769"/>
+            <a:ext cx="2037116" cy="0"/>
+          </a:xfrm>
+          <a:prstGeom prst="straightConnector1">
+            <a:avLst/>
+          </a:prstGeom>
+          <a:ln>
+            <a:solidFill>
+              <a:schemeClr val="accent2"/>
+            </a:solidFill>
+            <a:tailEnd type="triangle"/>
+          </a:ln>
+        </p:spPr>
+        <p:style>
+          <a:lnRef idx="1">
+            <a:schemeClr val="accent1"/>
+          </a:lnRef>
+          <a:fillRef idx="0">
+            <a:schemeClr val="accent1"/>
+          </a:fillRef>
+          <a:effectRef idx="0">
+            <a:schemeClr val="accent1"/>
+          </a:effectRef>
+          <a:fontRef idx="minor">
+            <a:schemeClr val="tx1"/>
+          </a:fontRef>
+        </p:style>
+      </p:cxnSp>
+      <p:cxnSp>
+        <p:nvCxnSpPr>
+          <p:cNvPr id="29" name="直線矢印コネクタ 28">
+            <a:extLst>
+              <a:ext uri="{FF2B5EF4-FFF2-40B4-BE49-F238E27FC236}">
+                <a16:creationId xmlns:a16="http://schemas.microsoft.com/office/drawing/2014/main" id="{27D91FFB-7F76-7C08-0B8E-B07936016771}"/>
+              </a:ext>
+            </a:extLst>
+          </p:cNvPr>
+          <p:cNvCxnSpPr>
+            <a:cxnSpLocks/>
+            <a:stCxn id="12" idx="3"/>
+            <a:endCxn id="17" idx="1"/>
+          </p:cNvCxnSpPr>
+          <p:nvPr/>
+        </p:nvCxnSpPr>
+        <p:spPr>
+          <a:xfrm>
+            <a:off x="4260249" y="3169768"/>
+            <a:ext cx="2037116" cy="0"/>
+          </a:xfrm>
+          <a:prstGeom prst="straightConnector1">
+            <a:avLst/>
+          </a:prstGeom>
+          <a:ln>
+            <a:solidFill>
+              <a:schemeClr val="accent2"/>
+            </a:solidFill>
+            <a:tailEnd type="triangle"/>
+          </a:ln>
+        </p:spPr>
+        <p:style>
+          <a:lnRef idx="1">
+            <a:schemeClr val="accent1"/>
+          </a:lnRef>
+          <a:fillRef idx="0">
+            <a:schemeClr val="accent1"/>
+          </a:fillRef>
+          <a:effectRef idx="0">
+            <a:schemeClr val="accent1"/>
+          </a:effectRef>
+          <a:fontRef idx="minor">
+            <a:schemeClr val="tx1"/>
+          </a:fontRef>
+        </p:style>
+      </p:cxnSp>
+      <p:cxnSp>
+        <p:nvCxnSpPr>
+          <p:cNvPr id="32" name="直線矢印コネクタ 31">
+            <a:extLst>
+              <a:ext uri="{FF2B5EF4-FFF2-40B4-BE49-F238E27FC236}">
+                <a16:creationId xmlns:a16="http://schemas.microsoft.com/office/drawing/2014/main" id="{6051117F-6DE3-D98A-2DFD-D934C147425A}"/>
+              </a:ext>
+            </a:extLst>
+          </p:cNvPr>
+          <p:cNvCxnSpPr>
+            <a:cxnSpLocks/>
+            <a:stCxn id="8" idx="3"/>
+            <a:endCxn id="15" idx="1"/>
+          </p:cNvCxnSpPr>
+          <p:nvPr/>
+        </p:nvCxnSpPr>
+        <p:spPr>
+          <a:xfrm>
+            <a:off x="5700508" y="3736873"/>
+            <a:ext cx="596857" cy="0"/>
+          </a:xfrm>
+          <a:prstGeom prst="straightConnector1">
+            <a:avLst/>
+          </a:prstGeom>
+          <a:ln>
+            <a:solidFill>
+              <a:schemeClr val="accent2"/>
+            </a:solidFill>
+            <a:tailEnd type="triangle"/>
+          </a:ln>
+        </p:spPr>
+        <p:style>
+          <a:lnRef idx="1">
+            <a:schemeClr val="accent1"/>
+          </a:lnRef>
+          <a:fillRef idx="0">
+            <a:schemeClr val="accent1"/>
+          </a:fillRef>
+          <a:effectRef idx="0">
+            <a:schemeClr val="accent1"/>
+          </a:effectRef>
+          <a:fontRef idx="minor">
+            <a:schemeClr val="tx1"/>
+          </a:fontRef>
+        </p:style>
+      </p:cxnSp>
+      <p:cxnSp>
+        <p:nvCxnSpPr>
+          <p:cNvPr id="35" name="直線矢印コネクタ 34">
+            <a:extLst>
+              <a:ext uri="{FF2B5EF4-FFF2-40B4-BE49-F238E27FC236}">
+                <a16:creationId xmlns:a16="http://schemas.microsoft.com/office/drawing/2014/main" id="{4792761B-71EA-CAFC-7E1E-4293255E7E53}"/>
+              </a:ext>
+            </a:extLst>
+          </p:cNvPr>
+          <p:cNvCxnSpPr>
+            <a:cxnSpLocks/>
+            <a:stCxn id="7" idx="3"/>
+            <a:endCxn id="73" idx="1"/>
+          </p:cNvCxnSpPr>
+          <p:nvPr/>
+        </p:nvCxnSpPr>
+        <p:spPr>
+          <a:xfrm>
+            <a:off x="1437792" y="2346769"/>
+            <a:ext cx="1709293" cy="923718"/>
+          </a:xfrm>
+          <a:prstGeom prst="bentConnector3">
+            <a:avLst>
+              <a:gd name="adj1" fmla="val 9080"/>
+            </a:avLst>
+          </a:prstGeom>
+          <a:ln>
+            <a:solidFill>
+              <a:srgbClr val="FF0000"/>
+            </a:solidFill>
+            <a:tailEnd type="triangle"/>
+          </a:ln>
+        </p:spPr>
+        <p:style>
+          <a:lnRef idx="1">
+            <a:schemeClr val="accent1"/>
+          </a:lnRef>
+          <a:fillRef idx="0">
+            <a:schemeClr val="accent1"/>
+          </a:fillRef>
+          <a:effectRef idx="0">
+            <a:schemeClr val="accent1"/>
+          </a:effectRef>
+          <a:fontRef idx="minor">
+            <a:schemeClr val="tx1"/>
+          </a:fontRef>
+        </p:style>
+      </p:cxnSp>
+      <p:cxnSp>
+        <p:nvCxnSpPr>
+          <p:cNvPr id="38" name="直線矢印コネクタ 37">
+            <a:extLst>
+              <a:ext uri="{FF2B5EF4-FFF2-40B4-BE49-F238E27FC236}">
+                <a16:creationId xmlns:a16="http://schemas.microsoft.com/office/drawing/2014/main" id="{EDEC3863-7877-4004-7267-11548C20FD8A}"/>
+              </a:ext>
+            </a:extLst>
+          </p:cNvPr>
+          <p:cNvCxnSpPr>
+            <a:cxnSpLocks/>
+            <a:stCxn id="7" idx="3"/>
+            <a:endCxn id="11" idx="1"/>
+          </p:cNvCxnSpPr>
+          <p:nvPr/>
+        </p:nvCxnSpPr>
+        <p:spPr>
+          <a:xfrm>
+            <a:off x="1437792" y="2346769"/>
+            <a:ext cx="1706457" cy="0"/>
+          </a:xfrm>
+          <a:prstGeom prst="straightConnector1">
+            <a:avLst/>
+          </a:prstGeom>
+          <a:ln>
+            <a:solidFill>
+              <a:srgbClr val="FF0000"/>
+            </a:solidFill>
+            <a:tailEnd type="triangle"/>
+          </a:ln>
+        </p:spPr>
+        <p:style>
+          <a:lnRef idx="1">
+            <a:schemeClr val="accent1"/>
+          </a:lnRef>
+          <a:fillRef idx="0">
+            <a:schemeClr val="accent1"/>
+          </a:fillRef>
+          <a:effectRef idx="0">
+            <a:schemeClr val="accent1"/>
+          </a:effectRef>
+          <a:fontRef idx="minor">
+            <a:schemeClr val="tx1"/>
+          </a:fontRef>
+        </p:style>
+      </p:cxnSp>
+      <p:cxnSp>
+        <p:nvCxnSpPr>
+          <p:cNvPr id="41" name="直線矢印コネクタ 40">
+            <a:extLst>
+              <a:ext uri="{FF2B5EF4-FFF2-40B4-BE49-F238E27FC236}">
+                <a16:creationId xmlns:a16="http://schemas.microsoft.com/office/drawing/2014/main" id="{7321646C-8CD5-2D7E-F171-189FEE0D809C}"/>
+              </a:ext>
+            </a:extLst>
+          </p:cNvPr>
+          <p:cNvCxnSpPr>
+            <a:cxnSpLocks/>
+            <a:stCxn id="7" idx="3"/>
+            <a:endCxn id="9" idx="1"/>
+          </p:cNvCxnSpPr>
+          <p:nvPr/>
+        </p:nvCxnSpPr>
+        <p:spPr>
+          <a:xfrm flipV="1">
+            <a:off x="1437792" y="1956244"/>
+            <a:ext cx="309932" cy="390525"/>
+          </a:xfrm>
+          <a:prstGeom prst="bentConnector3">
+            <a:avLst>
+              <a:gd name="adj1" fmla="val 50000"/>
+            </a:avLst>
+          </a:prstGeom>
+          <a:ln>
+            <a:solidFill>
+              <a:srgbClr val="FF0000"/>
+            </a:solidFill>
+            <a:tailEnd type="triangle"/>
+          </a:ln>
+        </p:spPr>
+        <p:style>
+          <a:lnRef idx="1">
+            <a:schemeClr val="accent1"/>
+          </a:lnRef>
+          <a:fillRef idx="0">
+            <a:schemeClr val="accent1"/>
+          </a:fillRef>
+          <a:effectRef idx="0">
+            <a:schemeClr val="accent1"/>
+          </a:effectRef>
+          <a:fontRef idx="minor">
+            <a:schemeClr val="tx1"/>
+          </a:fontRef>
+        </p:style>
+      </p:cxnSp>
+      <p:cxnSp>
+        <p:nvCxnSpPr>
+          <p:cNvPr id="49" name="直線矢印コネクタ 48">
+            <a:extLst>
+              <a:ext uri="{FF2B5EF4-FFF2-40B4-BE49-F238E27FC236}">
+                <a16:creationId xmlns:a16="http://schemas.microsoft.com/office/drawing/2014/main" id="{75AB9D9B-A30B-F5F5-65FD-031975E0119A}"/>
+              </a:ext>
+            </a:extLst>
+          </p:cNvPr>
+          <p:cNvCxnSpPr>
+            <a:cxnSpLocks/>
+            <a:stCxn id="123" idx="3"/>
+            <a:endCxn id="6" idx="1"/>
+          </p:cNvCxnSpPr>
+          <p:nvPr/>
+        </p:nvCxnSpPr>
+        <p:spPr>
+          <a:xfrm flipV="1">
+            <a:off x="2860328" y="925239"/>
+            <a:ext cx="1724180" cy="888035"/>
+          </a:xfrm>
+          <a:prstGeom prst="bentConnector3">
+            <a:avLst>
+              <a:gd name="adj1" fmla="val 3884"/>
+            </a:avLst>
+          </a:prstGeom>
+          <a:ln>
+            <a:solidFill>
+              <a:schemeClr val="tx1"/>
+            </a:solidFill>
+            <a:prstDash val="dash"/>
+            <a:tailEnd type="triangle"/>
+          </a:ln>
+        </p:spPr>
+        <p:style>
+          <a:lnRef idx="1">
+            <a:schemeClr val="accent1"/>
+          </a:lnRef>
+          <a:fillRef idx="0">
+            <a:schemeClr val="accent1"/>
+          </a:fillRef>
+          <a:effectRef idx="0">
+            <a:schemeClr val="accent1"/>
+          </a:effectRef>
+          <a:fontRef idx="minor">
+            <a:schemeClr val="tx1"/>
+          </a:fontRef>
+        </p:style>
+      </p:cxnSp>
+      <p:cxnSp>
+        <p:nvCxnSpPr>
+          <p:cNvPr id="52" name="直線矢印コネクタ 51">
+            <a:extLst>
+              <a:ext uri="{FF2B5EF4-FFF2-40B4-BE49-F238E27FC236}">
+                <a16:creationId xmlns:a16="http://schemas.microsoft.com/office/drawing/2014/main" id="{A6D264EE-9E28-96FB-8A61-AE0AC7F39DA9}"/>
+              </a:ext>
+            </a:extLst>
+          </p:cNvPr>
+          <p:cNvCxnSpPr>
+            <a:cxnSpLocks/>
+            <a:stCxn id="125" idx="3"/>
+            <a:endCxn id="76" idx="1"/>
+          </p:cNvCxnSpPr>
+          <p:nvPr/>
+        </p:nvCxnSpPr>
+        <p:spPr>
+          <a:xfrm flipV="1">
+            <a:off x="2860328" y="1600635"/>
+            <a:ext cx="286757" cy="283871"/>
+          </a:xfrm>
+          <a:prstGeom prst="bentConnector3">
+            <a:avLst>
+              <a:gd name="adj1" fmla="val 50000"/>
+            </a:avLst>
+          </a:prstGeom>
+          <a:ln>
+            <a:solidFill>
+              <a:srgbClr val="FF0000"/>
+            </a:solidFill>
+            <a:prstDash val="dash"/>
+            <a:tailEnd type="triangle"/>
+          </a:ln>
+        </p:spPr>
+        <p:style>
+          <a:lnRef idx="1">
+            <a:schemeClr val="accent1"/>
+          </a:lnRef>
+          <a:fillRef idx="0">
+            <a:schemeClr val="accent1"/>
+          </a:fillRef>
+          <a:effectRef idx="0">
+            <a:schemeClr val="accent1"/>
+          </a:effectRef>
+          <a:fontRef idx="minor">
+            <a:schemeClr val="tx1"/>
+          </a:fontRef>
+        </p:style>
+      </p:cxnSp>
+      <p:cxnSp>
+        <p:nvCxnSpPr>
+          <p:cNvPr id="55" name="直線矢印コネクタ 54">
+            <a:extLst>
+              <a:ext uri="{FF2B5EF4-FFF2-40B4-BE49-F238E27FC236}">
+                <a16:creationId xmlns:a16="http://schemas.microsoft.com/office/drawing/2014/main" id="{CEFEB23F-40FD-C076-2C42-ABB1BA376F77}"/>
+              </a:ext>
+            </a:extLst>
+          </p:cNvPr>
+          <p:cNvCxnSpPr>
+            <a:cxnSpLocks/>
+            <a:stCxn id="126" idx="3"/>
+            <a:endCxn id="78" idx="1"/>
+          </p:cNvCxnSpPr>
+          <p:nvPr/>
+        </p:nvCxnSpPr>
+        <p:spPr>
+          <a:xfrm>
+            <a:off x="2860328" y="1955738"/>
+            <a:ext cx="286757" cy="285861"/>
+          </a:xfrm>
+          <a:prstGeom prst="bentConnector3">
+            <a:avLst>
+              <a:gd name="adj1" fmla="val 50000"/>
+            </a:avLst>
+          </a:prstGeom>
+          <a:ln>
+            <a:solidFill>
+              <a:srgbClr val="FF0000"/>
+            </a:solidFill>
+            <a:prstDash val="dash"/>
+            <a:tailEnd type="triangle"/>
+          </a:ln>
+        </p:spPr>
+        <p:style>
+          <a:lnRef idx="1">
+            <a:schemeClr val="accent1"/>
+          </a:lnRef>
+          <a:fillRef idx="0">
+            <a:schemeClr val="accent1"/>
+          </a:fillRef>
+          <a:effectRef idx="0">
+            <a:schemeClr val="accent1"/>
+          </a:effectRef>
+          <a:fontRef idx="minor">
+            <a:schemeClr val="tx1"/>
+          </a:fontRef>
+        </p:style>
+      </p:cxnSp>
+      <p:cxnSp>
+        <p:nvCxnSpPr>
+          <p:cNvPr id="58" name="直線矢印コネクタ 57">
+            <a:extLst>
+              <a:ext uri="{FF2B5EF4-FFF2-40B4-BE49-F238E27FC236}">
+                <a16:creationId xmlns:a16="http://schemas.microsoft.com/office/drawing/2014/main" id="{43E1D755-CCF5-D297-6BA2-FF4FE2F1735C}"/>
+              </a:ext>
+            </a:extLst>
+          </p:cNvPr>
+          <p:cNvCxnSpPr>
+            <a:cxnSpLocks/>
+            <a:stCxn id="127" idx="3"/>
+            <a:endCxn id="75" idx="1"/>
+          </p:cNvCxnSpPr>
+          <p:nvPr/>
+        </p:nvCxnSpPr>
+        <p:spPr>
+          <a:xfrm>
+            <a:off x="2860328" y="2026970"/>
+            <a:ext cx="286757" cy="1054733"/>
+          </a:xfrm>
+          <a:prstGeom prst="bentConnector3">
+            <a:avLst>
+              <a:gd name="adj1" fmla="val 36136"/>
+            </a:avLst>
+          </a:prstGeom>
+          <a:ln>
+            <a:solidFill>
+              <a:srgbClr val="FF0000"/>
+            </a:solidFill>
+            <a:prstDash val="dash"/>
+            <a:tailEnd type="triangle"/>
+          </a:ln>
+        </p:spPr>
+        <p:style>
+          <a:lnRef idx="1">
+            <a:schemeClr val="accent1"/>
+          </a:lnRef>
+          <a:fillRef idx="0">
+            <a:schemeClr val="accent1"/>
+          </a:fillRef>
+          <a:effectRef idx="0">
+            <a:schemeClr val="accent1"/>
+          </a:effectRef>
+          <a:fontRef idx="minor">
+            <a:schemeClr val="tx1"/>
+          </a:fontRef>
+        </p:style>
+      </p:cxnSp>
+      <p:cxnSp>
+        <p:nvCxnSpPr>
+          <p:cNvPr id="63" name="直線矢印コネクタ 62">
+            <a:extLst>
+              <a:ext uri="{FF2B5EF4-FFF2-40B4-BE49-F238E27FC236}">
+                <a16:creationId xmlns:a16="http://schemas.microsoft.com/office/drawing/2014/main" id="{FB4A6D51-AFBC-DADF-8B96-53B433735390}"/>
+              </a:ext>
+            </a:extLst>
+          </p:cNvPr>
+          <p:cNvCxnSpPr>
+            <a:cxnSpLocks/>
+            <a:stCxn id="128" idx="3"/>
+            <a:endCxn id="8" idx="1"/>
+          </p:cNvCxnSpPr>
+          <p:nvPr/>
+        </p:nvCxnSpPr>
+        <p:spPr>
+          <a:xfrm>
+            <a:off x="2860328" y="2098202"/>
+            <a:ext cx="1724180" cy="1638671"/>
+          </a:xfrm>
+          <a:prstGeom prst="bentConnector3">
+            <a:avLst>
+              <a:gd name="adj1" fmla="val 2500"/>
+            </a:avLst>
+          </a:prstGeom>
+          <a:ln>
+            <a:solidFill>
+              <a:schemeClr val="tx1"/>
+            </a:solidFill>
+            <a:prstDash val="dash"/>
+            <a:tailEnd type="triangle"/>
+          </a:ln>
+        </p:spPr>
+        <p:style>
+          <a:lnRef idx="1">
+            <a:schemeClr val="accent1"/>
+          </a:lnRef>
+          <a:fillRef idx="0">
+            <a:schemeClr val="accent1"/>
+          </a:fillRef>
+          <a:effectRef idx="0">
+            <a:schemeClr val="accent1"/>
+          </a:effectRef>
+          <a:fontRef idx="minor">
+            <a:schemeClr val="tx1"/>
+          </a:fontRef>
+        </p:style>
+      </p:cxnSp>
+      <p:cxnSp>
+        <p:nvCxnSpPr>
+          <p:cNvPr id="68" name="直線矢印コネクタ 67">
+            <a:extLst>
+              <a:ext uri="{FF2B5EF4-FFF2-40B4-BE49-F238E27FC236}">
+                <a16:creationId xmlns:a16="http://schemas.microsoft.com/office/drawing/2014/main" id="{17C3F761-1B33-E7EC-1629-F946078B4F22}"/>
+              </a:ext>
+            </a:extLst>
+          </p:cNvPr>
+          <p:cNvCxnSpPr>
+            <a:cxnSpLocks/>
+            <a:stCxn id="14" idx="3"/>
+            <a:endCxn id="65" idx="1"/>
+          </p:cNvCxnSpPr>
+          <p:nvPr/>
+        </p:nvCxnSpPr>
+        <p:spPr>
+          <a:xfrm>
+            <a:off x="7413365" y="925239"/>
+            <a:ext cx="575012" cy="422187"/>
+          </a:xfrm>
+          <a:prstGeom prst="bentConnector3">
+            <a:avLst>
+              <a:gd name="adj1" fmla="val 50000"/>
+            </a:avLst>
+          </a:prstGeom>
+          <a:ln>
+            <a:solidFill>
+              <a:srgbClr val="00B0F0"/>
+            </a:solidFill>
+            <a:tailEnd type="triangle"/>
+          </a:ln>
+        </p:spPr>
+        <p:style>
+          <a:lnRef idx="1">
+            <a:schemeClr val="accent1"/>
+          </a:lnRef>
+          <a:fillRef idx="0">
+            <a:schemeClr val="accent1"/>
+          </a:fillRef>
+          <a:effectRef idx="0">
+            <a:schemeClr val="accent1"/>
+          </a:effectRef>
+          <a:fontRef idx="minor">
+            <a:schemeClr val="tx1"/>
+          </a:fontRef>
+        </p:style>
+      </p:cxnSp>
+      <p:cxnSp>
+        <p:nvCxnSpPr>
+          <p:cNvPr id="71" name="直線矢印コネクタ 70">
+            <a:extLst>
+              <a:ext uri="{FF2B5EF4-FFF2-40B4-BE49-F238E27FC236}">
+                <a16:creationId xmlns:a16="http://schemas.microsoft.com/office/drawing/2014/main" id="{7B261718-436C-2B6F-71AA-7B4A27BA352E}"/>
+              </a:ext>
+            </a:extLst>
+          </p:cNvPr>
+          <p:cNvCxnSpPr>
+            <a:cxnSpLocks/>
+            <a:stCxn id="13" idx="3"/>
+            <a:endCxn id="66" idx="1"/>
+          </p:cNvCxnSpPr>
+          <p:nvPr/>
+        </p:nvCxnSpPr>
+        <p:spPr>
+          <a:xfrm>
+            <a:off x="7413365" y="1490061"/>
+            <a:ext cx="577208" cy="0"/>
+          </a:xfrm>
+          <a:prstGeom prst="straightConnector1">
+            <a:avLst/>
+          </a:prstGeom>
+          <a:ln>
+            <a:solidFill>
+              <a:srgbClr val="00B0F0"/>
+            </a:solidFill>
+            <a:tailEnd type="triangle"/>
+          </a:ln>
+        </p:spPr>
+        <p:style>
+          <a:lnRef idx="1">
+            <a:schemeClr val="accent1"/>
+          </a:lnRef>
+          <a:fillRef idx="0">
+            <a:schemeClr val="accent1"/>
+          </a:fillRef>
+          <a:effectRef idx="0">
+            <a:schemeClr val="accent1"/>
+          </a:effectRef>
+          <a:fontRef idx="minor">
+            <a:schemeClr val="tx1"/>
+          </a:fontRef>
+        </p:style>
+      </p:cxnSp>
+      <p:cxnSp>
+        <p:nvCxnSpPr>
+          <p:cNvPr id="74" name="直線矢印コネクタ 73">
+            <a:extLst>
+              <a:ext uri="{FF2B5EF4-FFF2-40B4-BE49-F238E27FC236}">
+                <a16:creationId xmlns:a16="http://schemas.microsoft.com/office/drawing/2014/main" id="{AD2EEBD7-5E2F-5F5E-10B2-B46A3456131A}"/>
+              </a:ext>
+            </a:extLst>
+          </p:cNvPr>
+          <p:cNvCxnSpPr>
+            <a:cxnSpLocks/>
+            <a:stCxn id="122" idx="3"/>
+            <a:endCxn id="69" idx="1"/>
+          </p:cNvCxnSpPr>
+          <p:nvPr/>
+        </p:nvCxnSpPr>
+        <p:spPr>
+          <a:xfrm flipV="1">
+            <a:off x="7416331" y="1625504"/>
+            <a:ext cx="576378" cy="615260"/>
+          </a:xfrm>
+          <a:prstGeom prst="bentConnector3">
+            <a:avLst>
+              <a:gd name="adj1" fmla="val 50000"/>
+            </a:avLst>
+          </a:prstGeom>
+          <a:ln>
+            <a:solidFill>
+              <a:srgbClr val="00B0F0"/>
+            </a:solidFill>
+            <a:tailEnd type="triangle"/>
+          </a:ln>
+        </p:spPr>
+        <p:style>
+          <a:lnRef idx="1">
+            <a:schemeClr val="accent1"/>
+          </a:lnRef>
+          <a:fillRef idx="0">
+            <a:schemeClr val="accent1"/>
+          </a:fillRef>
+          <a:effectRef idx="0">
+            <a:schemeClr val="accent1"/>
+          </a:effectRef>
+          <a:fontRef idx="minor">
+            <a:schemeClr val="tx1"/>
+          </a:fontRef>
+        </p:style>
+      </p:cxnSp>
+      <p:cxnSp>
+        <p:nvCxnSpPr>
+          <p:cNvPr id="77" name="直線矢印コネクタ 76">
+            <a:extLst>
+              <a:ext uri="{FF2B5EF4-FFF2-40B4-BE49-F238E27FC236}">
+                <a16:creationId xmlns:a16="http://schemas.microsoft.com/office/drawing/2014/main" id="{9CB107B8-1F38-7CAD-DEF4-684F18C0F8CE}"/>
+              </a:ext>
+            </a:extLst>
+          </p:cNvPr>
+          <p:cNvCxnSpPr>
+            <a:cxnSpLocks/>
+            <a:stCxn id="120" idx="3"/>
+            <a:endCxn id="70" idx="1"/>
+          </p:cNvCxnSpPr>
+          <p:nvPr/>
+        </p:nvCxnSpPr>
+        <p:spPr>
+          <a:xfrm>
+            <a:off x="7415473" y="2434289"/>
+            <a:ext cx="572905" cy="597924"/>
+          </a:xfrm>
+          <a:prstGeom prst="bentConnector3">
+            <a:avLst>
+              <a:gd name="adj1" fmla="val 50000"/>
+            </a:avLst>
+          </a:prstGeom>
+          <a:ln>
+            <a:solidFill>
+              <a:srgbClr val="00B0F0"/>
+            </a:solidFill>
+            <a:tailEnd type="triangle"/>
+          </a:ln>
+        </p:spPr>
+        <p:style>
+          <a:lnRef idx="1">
+            <a:schemeClr val="accent1"/>
+          </a:lnRef>
+          <a:fillRef idx="0">
+            <a:schemeClr val="accent1"/>
+          </a:fillRef>
+          <a:effectRef idx="0">
+            <a:schemeClr val="accent1"/>
+          </a:effectRef>
+          <a:fontRef idx="minor">
+            <a:schemeClr val="tx1"/>
+          </a:fontRef>
+        </p:style>
+      </p:cxnSp>
+      <p:cxnSp>
+        <p:nvCxnSpPr>
+          <p:cNvPr id="80" name="直線矢印コネクタ 79">
+            <a:extLst>
+              <a:ext uri="{FF2B5EF4-FFF2-40B4-BE49-F238E27FC236}">
+                <a16:creationId xmlns:a16="http://schemas.microsoft.com/office/drawing/2014/main" id="{B5BF9189-3A6E-BFAA-C9E6-C8153860BEE8}"/>
+              </a:ext>
+            </a:extLst>
+          </p:cNvPr>
+          <p:cNvCxnSpPr>
+            <a:cxnSpLocks/>
+            <a:stCxn id="17" idx="3"/>
+            <a:endCxn id="67" idx="1"/>
+          </p:cNvCxnSpPr>
+          <p:nvPr/>
+        </p:nvCxnSpPr>
+        <p:spPr>
+          <a:xfrm>
+            <a:off x="7413365" y="3169768"/>
+            <a:ext cx="577208" cy="0"/>
+          </a:xfrm>
+          <a:prstGeom prst="straightConnector1">
+            <a:avLst/>
+          </a:prstGeom>
+          <a:ln>
+            <a:solidFill>
+              <a:srgbClr val="00B0F0"/>
+            </a:solidFill>
+            <a:tailEnd type="triangle"/>
+          </a:ln>
+        </p:spPr>
+        <p:style>
+          <a:lnRef idx="1">
+            <a:schemeClr val="accent1"/>
+          </a:lnRef>
+          <a:fillRef idx="0">
+            <a:schemeClr val="accent1"/>
+          </a:fillRef>
+          <a:effectRef idx="0">
+            <a:schemeClr val="accent1"/>
+          </a:effectRef>
+          <a:fontRef idx="minor">
+            <a:schemeClr val="tx1"/>
+          </a:fontRef>
+        </p:style>
+      </p:cxnSp>
+      <p:cxnSp>
+        <p:nvCxnSpPr>
+          <p:cNvPr id="83" name="直線矢印コネクタ 82">
+            <a:extLst>
+              <a:ext uri="{FF2B5EF4-FFF2-40B4-BE49-F238E27FC236}">
+                <a16:creationId xmlns:a16="http://schemas.microsoft.com/office/drawing/2014/main" id="{2C2EC729-9D3A-74BA-BD26-5571677B59FF}"/>
+              </a:ext>
+            </a:extLst>
+          </p:cNvPr>
+          <p:cNvCxnSpPr>
+            <a:cxnSpLocks/>
+            <a:stCxn id="15" idx="3"/>
+            <a:endCxn id="72" idx="1"/>
+          </p:cNvCxnSpPr>
+          <p:nvPr/>
+        </p:nvCxnSpPr>
+        <p:spPr>
+          <a:xfrm flipV="1">
+            <a:off x="7413365" y="3310292"/>
+            <a:ext cx="575010" cy="426581"/>
+          </a:xfrm>
+          <a:prstGeom prst="bentConnector3">
+            <a:avLst>
+              <a:gd name="adj1" fmla="val 50000"/>
+            </a:avLst>
+          </a:prstGeom>
+          <a:ln>
+            <a:solidFill>
+              <a:srgbClr val="00B0F0"/>
+            </a:solidFill>
+            <a:tailEnd type="triangle"/>
+          </a:ln>
+        </p:spPr>
+        <p:style>
+          <a:lnRef idx="1">
+            <a:schemeClr val="accent1"/>
+          </a:lnRef>
+          <a:fillRef idx="0">
+            <a:schemeClr val="accent1"/>
+          </a:fillRef>
+          <a:effectRef idx="0">
+            <a:schemeClr val="accent1"/>
+          </a:effectRef>
+          <a:fontRef idx="minor">
+            <a:schemeClr val="tx1"/>
+          </a:fontRef>
+        </p:style>
+      </p:cxnSp>
+      <p:sp>
+        <p:nvSpPr>
+          <p:cNvPr id="101" name="吹き出し: 線 100">
+            <a:extLst>
+              <a:ext uri="{FF2B5EF4-FFF2-40B4-BE49-F238E27FC236}">
+                <a16:creationId xmlns:a16="http://schemas.microsoft.com/office/drawing/2014/main" id="{AFA99B2F-3C5C-D33D-14A8-B357DFFE5864}"/>
+              </a:ext>
+            </a:extLst>
+          </p:cNvPr>
+          <p:cNvSpPr/>
+          <p:nvPr/>
+        </p:nvSpPr>
+        <p:spPr>
+          <a:xfrm>
+            <a:off x="5113671" y="207751"/>
+            <a:ext cx="1088866" cy="362222"/>
+          </a:xfrm>
+          <a:prstGeom prst="borderCallout1">
+            <a:avLst>
+              <a:gd name="adj1" fmla="val 127876"/>
+              <a:gd name="adj2" fmla="val 62960"/>
+              <a:gd name="adj3" fmla="val 198843"/>
+              <a:gd name="adj4" fmla="val 71414"/>
+            </a:avLst>
+          </a:prstGeom>
+          <a:solidFill>
+            <a:srgbClr val="FFC000"/>
+          </a:solidFill>
+          <a:ln>
+            <a:solidFill>
+              <a:srgbClr val="FFC000"/>
+            </a:solidFill>
+          </a:ln>
+        </p:spPr>
+        <p:style>
+          <a:lnRef idx="2">
+            <a:schemeClr val="accent1">
+              <a:shade val="50000"/>
+            </a:schemeClr>
+          </a:lnRef>
+          <a:fillRef idx="1">
+            <a:schemeClr val="accent1"/>
+          </a:fillRef>
+          <a:effectRef idx="0">
+            <a:schemeClr val="accent1"/>
+          </a:effectRef>
+          <a:fontRef idx="minor">
+            <a:schemeClr val="lt1"/>
+          </a:fontRef>
+        </p:style>
+        <p:txBody>
+          <a:bodyPr rtlCol="0" anchor="ctr"/>
+          <a:lstStyle/>
+          <a:p>
+            <a:pPr algn="ctr"/>
+            <a:r>
+              <a:rPr kumimoji="1" lang="ja-JP" altLang="en-US" sz="1000">
+                <a:solidFill>
+                  <a:schemeClr val="tx1"/>
+                </a:solidFill>
+              </a:rPr>
+              <a:t>コンパイル処理</a:t>
+            </a:r>
+          </a:p>
+        </p:txBody>
+      </p:sp>
+      <p:sp>
+        <p:nvSpPr>
+          <p:cNvPr id="102" name="吹き出し: 線 101">
+            <a:extLst>
+              <a:ext uri="{FF2B5EF4-FFF2-40B4-BE49-F238E27FC236}">
+                <a16:creationId xmlns:a16="http://schemas.microsoft.com/office/drawing/2014/main" id="{0B06116F-8579-4C41-1845-E8C547777A54}"/>
+              </a:ext>
+            </a:extLst>
+          </p:cNvPr>
+          <p:cNvSpPr/>
+          <p:nvPr/>
+        </p:nvSpPr>
+        <p:spPr>
+          <a:xfrm>
+            <a:off x="7565815" y="477128"/>
+            <a:ext cx="1088866" cy="362222"/>
+          </a:xfrm>
+          <a:prstGeom prst="borderCallout1">
+            <a:avLst>
+              <a:gd name="adj1" fmla="val 110315"/>
+              <a:gd name="adj2" fmla="val 52737"/>
+              <a:gd name="adj3" fmla="val 193425"/>
+              <a:gd name="adj4" fmla="val 17698"/>
+            </a:avLst>
+          </a:prstGeom>
+          <a:solidFill>
+            <a:srgbClr val="00B0F0"/>
+          </a:solidFill>
+          <a:ln>
+            <a:solidFill>
+              <a:srgbClr val="00B0F0"/>
+            </a:solidFill>
+          </a:ln>
+        </p:spPr>
+        <p:style>
+          <a:lnRef idx="2">
+            <a:schemeClr val="accent1">
+              <a:shade val="50000"/>
+            </a:schemeClr>
+          </a:lnRef>
+          <a:fillRef idx="1">
+            <a:schemeClr val="accent1"/>
+          </a:fillRef>
+          <a:effectRef idx="0">
+            <a:schemeClr val="accent1"/>
+          </a:effectRef>
+          <a:fontRef idx="minor">
+            <a:schemeClr val="lt1"/>
+          </a:fontRef>
+        </p:style>
+        <p:txBody>
+          <a:bodyPr rtlCol="0" anchor="ctr"/>
+          <a:lstStyle/>
+          <a:p>
+            <a:pPr algn="ctr"/>
+            <a:r>
+              <a:rPr kumimoji="1" lang="ja-JP" altLang="en-US" sz="1000">
+                <a:solidFill>
+                  <a:schemeClr val="tx1"/>
+                </a:solidFill>
+              </a:rPr>
+              <a:t>リンク処理</a:t>
+            </a:r>
+          </a:p>
+        </p:txBody>
+      </p:sp>
+      <p:sp>
+        <p:nvSpPr>
+          <p:cNvPr id="112" name="吹き出し: 線 111">
+            <a:extLst>
+              <a:ext uri="{FF2B5EF4-FFF2-40B4-BE49-F238E27FC236}">
+                <a16:creationId xmlns:a16="http://schemas.microsoft.com/office/drawing/2014/main" id="{58B2E15E-C820-19AF-1204-0208C5CB9614}"/>
+              </a:ext>
+            </a:extLst>
+          </p:cNvPr>
+          <p:cNvSpPr/>
+          <p:nvPr/>
+        </p:nvSpPr>
+        <p:spPr>
+          <a:xfrm>
+            <a:off x="829070" y="807601"/>
+            <a:ext cx="1128325" cy="362222"/>
+          </a:xfrm>
+          <a:prstGeom prst="borderCallout1">
+            <a:avLst>
+              <a:gd name="adj1" fmla="val 101580"/>
+              <a:gd name="adj2" fmla="val 54518"/>
+              <a:gd name="adj3" fmla="val 165021"/>
+              <a:gd name="adj4" fmla="val 85026"/>
+            </a:avLst>
+          </a:prstGeom>
+          <a:solidFill>
+            <a:srgbClr val="FF0000"/>
+          </a:solidFill>
+          <a:ln>
+            <a:solidFill>
+              <a:srgbClr val="FF0000"/>
+            </a:solidFill>
+          </a:ln>
+        </p:spPr>
+        <p:style>
+          <a:lnRef idx="2">
+            <a:schemeClr val="accent1">
+              <a:shade val="50000"/>
+            </a:schemeClr>
+          </a:lnRef>
+          <a:fillRef idx="1">
+            <a:schemeClr val="accent1"/>
+          </a:fillRef>
+          <a:effectRef idx="0">
+            <a:schemeClr val="accent1"/>
+          </a:effectRef>
+          <a:fontRef idx="minor">
+            <a:schemeClr val="lt1"/>
+          </a:fontRef>
+        </p:style>
+        <p:txBody>
+          <a:bodyPr rtlCol="0" anchor="ctr"/>
+          <a:lstStyle/>
+          <a:p>
+            <a:pPr algn="ctr"/>
+            <a:r>
+              <a:rPr lang="en-US" altLang="ja-JP" sz="1000" err="1"/>
+              <a:t>rpcgen</a:t>
+            </a:r>
+            <a:r>
+              <a:rPr lang="ja-JP" altLang="en-US" sz="1000"/>
+              <a:t>を使った自動生成処理</a:t>
+            </a:r>
+            <a:endParaRPr kumimoji="1" lang="ja-JP" altLang="en-US" sz="1000"/>
+          </a:p>
+        </p:txBody>
+      </p:sp>
+      <p:sp>
+        <p:nvSpPr>
+          <p:cNvPr id="124" name="テキスト ボックス 123">
+            <a:extLst>
+              <a:ext uri="{FF2B5EF4-FFF2-40B4-BE49-F238E27FC236}">
+                <a16:creationId xmlns:a16="http://schemas.microsoft.com/office/drawing/2014/main" id="{5FE29894-9292-2409-353E-E66575DDCF2B}"/>
+              </a:ext>
+            </a:extLst>
+          </p:cNvPr>
+          <p:cNvSpPr txBox="1"/>
+          <p:nvPr/>
+        </p:nvSpPr>
+        <p:spPr>
+          <a:xfrm>
+            <a:off x="6588887" y="4017915"/>
+            <a:ext cx="2606804" cy="215444"/>
+          </a:xfrm>
+          <a:prstGeom prst="rect">
+            <a:avLst/>
+          </a:prstGeom>
+          <a:noFill/>
+        </p:spPr>
+        <p:txBody>
+          <a:bodyPr wrap="none" rtlCol="0">
+            <a:spAutoFit/>
+          </a:bodyPr>
+          <a:lstStyle/>
+          <a:p>
+            <a:pPr algn="ctr"/>
+            <a:r>
+              <a:rPr lang="en-US" altLang="ja-JP" sz="800" b="0" i="0" u="none" strike="noStrike">
+                <a:solidFill>
+                  <a:schemeClr val="bg1">
+                    <a:lumMod val="65000"/>
+                  </a:schemeClr>
+                </a:solidFill>
+                <a:effectLst/>
+                <a:latin typeface="游ゴシック" panose="020B0400000000000000" pitchFamily="50" charset="-128"/>
+                <a:ea typeface="游ゴシック" panose="020B0400000000000000" pitchFamily="50" charset="-128"/>
+              </a:rPr>
+              <a:t>“rpcgen" </a:t>
+            </a:r>
+            <a:r>
+              <a:rPr lang="en-US" altLang="ja-JP" sz="800" b="0" i="0" u="none" strike="noStrike" dirty="0">
+                <a:solidFill>
+                  <a:schemeClr val="bg1">
+                    <a:lumMod val="65000"/>
+                  </a:schemeClr>
+                </a:solidFill>
+                <a:effectLst/>
+                <a:latin typeface="游ゴシック" panose="020B0400000000000000" pitchFamily="50" charset="-128"/>
+                <a:ea typeface="游ゴシック" panose="020B0400000000000000" pitchFamily="50" charset="-128"/>
+              </a:rPr>
+              <a:t>by Yamaoka is licensed under CC BY 2.0</a:t>
+            </a:r>
+            <a:r>
+              <a:rPr lang="en-US" altLang="ja-JP" sz="800" b="0" i="0" u="none" strike="noStrike" dirty="0">
+                <a:solidFill>
+                  <a:schemeClr val="bg1">
+                    <a:lumMod val="65000"/>
+                  </a:schemeClr>
+                </a:solidFill>
+                <a:effectLst/>
+                <a:latin typeface="Tahoma" panose="020B0604030504040204" pitchFamily="34" charset="0"/>
+                <a:ea typeface="游ゴシック" panose="020B0400000000000000" pitchFamily="50" charset="-128"/>
+              </a:rPr>
+              <a:t>﻿</a:t>
+            </a:r>
+            <a:r>
+              <a:rPr lang="en-US" altLang="ja-JP" sz="800" dirty="0">
+                <a:solidFill>
+                  <a:schemeClr val="bg1">
+                    <a:lumMod val="65000"/>
+                  </a:schemeClr>
+                </a:solidFill>
+              </a:rPr>
+              <a:t> </a:t>
+            </a:r>
+            <a:endParaRPr kumimoji="1" lang="ja-JP" altLang="en-US" sz="800" dirty="0">
+              <a:solidFill>
+                <a:schemeClr val="bg1">
+                  <a:lumMod val="65000"/>
+                </a:schemeClr>
+              </a:solidFill>
+            </a:endParaRPr>
+          </a:p>
+        </p:txBody>
+      </p:sp>
+      <p:sp>
+        <p:nvSpPr>
+          <p:cNvPr id="2" name="正方形/長方形 1">
+            <a:extLst>
+              <a:ext uri="{FF2B5EF4-FFF2-40B4-BE49-F238E27FC236}">
+                <a16:creationId xmlns:a16="http://schemas.microsoft.com/office/drawing/2014/main" id="{94315D74-86DD-E86F-F6E8-0E2ECFCAF0D2}"/>
+              </a:ext>
+            </a:extLst>
+          </p:cNvPr>
+          <p:cNvSpPr/>
+          <p:nvPr/>
+        </p:nvSpPr>
+        <p:spPr>
+          <a:xfrm>
+            <a:off x="7990573" y="2166769"/>
+            <a:ext cx="1116000" cy="360000"/>
           </a:xfrm>
           <a:prstGeom prst="rect">
             <a:avLst/>
@@ -4341,35 +5395,124 @@
           <a:p>
             <a:pPr algn="ctr"/>
             <a:r>
-              <a:rPr lang="en-US" altLang="ja-JP" sz="1000">
-                <a:solidFill>
-                  <a:schemeClr val="tx1"/>
-                </a:solidFill>
-              </a:rPr>
-              <a:t>p</a:t>
-            </a:r>
-            <a:r>
               <a:rPr kumimoji="1" lang="en-US" altLang="ja-JP" sz="1000">
                 <a:solidFill>
                   <a:schemeClr val="tx1"/>
                 </a:solidFill>
               </a:rPr>
-              <a:t>ing_xdr.o</a:t>
-            </a:r>
-            <a:endParaRPr kumimoji="1" lang="ja-JP" altLang="en-US" sz="1000">
-              <a:solidFill>
-                <a:schemeClr val="tx1"/>
-              </a:solidFill>
-            </a:endParaRPr>
-          </a:p>
-        </p:txBody>
-      </p:sp>
-      <p:sp>
-        <p:nvSpPr>
-          <p:cNvPr id="17" name="正方形/長方形 16">
-            <a:extLst>
-              <a:ext uri="{FF2B5EF4-FFF2-40B4-BE49-F238E27FC236}">
-                <a16:creationId xmlns:a16="http://schemas.microsoft.com/office/drawing/2014/main" id="{B36BAE50-1617-CAA7-C9BF-75E1BB02CDF2}"/>
+              <a:t>rpc</a:t>
+            </a:r>
+            <a:r>
+              <a:rPr kumimoji="1" lang="ja-JP" altLang="en-US" sz="1000">
+                <a:solidFill>
+                  <a:schemeClr val="tx1"/>
+                </a:solidFill>
+              </a:rPr>
+              <a:t>ライブラリ</a:t>
+            </a:r>
+          </a:p>
+        </p:txBody>
+      </p:sp>
+      <p:cxnSp>
+        <p:nvCxnSpPr>
+          <p:cNvPr id="37" name="直線矢印コネクタ 36">
+            <a:extLst>
+              <a:ext uri="{FF2B5EF4-FFF2-40B4-BE49-F238E27FC236}">
+                <a16:creationId xmlns:a16="http://schemas.microsoft.com/office/drawing/2014/main" id="{711A42A4-077F-3284-DB94-706FB5CAD267}"/>
+              </a:ext>
+            </a:extLst>
+          </p:cNvPr>
+          <p:cNvCxnSpPr>
+            <a:cxnSpLocks/>
+            <a:stCxn id="2" idx="0"/>
+            <a:endCxn id="66" idx="2"/>
+          </p:cNvCxnSpPr>
+          <p:nvPr/>
+        </p:nvCxnSpPr>
+        <p:spPr>
+          <a:xfrm flipV="1">
+            <a:off x="8548573" y="1670061"/>
+            <a:ext cx="0" cy="496708"/>
+          </a:xfrm>
+          <a:prstGeom prst="straightConnector1">
+            <a:avLst/>
+          </a:prstGeom>
+          <a:ln>
+            <a:solidFill>
+              <a:schemeClr val="tx1"/>
+            </a:solidFill>
+            <a:prstDash val="dash"/>
+            <a:tailEnd type="triangle"/>
+          </a:ln>
+        </p:spPr>
+        <p:style>
+          <a:lnRef idx="1">
+            <a:schemeClr val="accent1"/>
+          </a:lnRef>
+          <a:fillRef idx="0">
+            <a:schemeClr val="accent1"/>
+          </a:fillRef>
+          <a:effectRef idx="0">
+            <a:schemeClr val="accent1"/>
+          </a:effectRef>
+          <a:fontRef idx="minor">
+            <a:schemeClr val="tx1"/>
+          </a:fontRef>
+        </p:style>
+      </p:cxnSp>
+      <p:cxnSp>
+        <p:nvCxnSpPr>
+          <p:cNvPr id="42" name="直線矢印コネクタ 41">
+            <a:extLst>
+              <a:ext uri="{FF2B5EF4-FFF2-40B4-BE49-F238E27FC236}">
+                <a16:creationId xmlns:a16="http://schemas.microsoft.com/office/drawing/2014/main" id="{31136467-4724-B9DA-EEFA-13F09D2BAE5D}"/>
+              </a:ext>
+            </a:extLst>
+          </p:cNvPr>
+          <p:cNvCxnSpPr>
+            <a:cxnSpLocks/>
+            <a:stCxn id="2" idx="2"/>
+            <a:endCxn id="67" idx="0"/>
+          </p:cNvCxnSpPr>
+          <p:nvPr/>
+        </p:nvCxnSpPr>
+        <p:spPr>
+          <a:xfrm>
+            <a:off x="8548573" y="2526769"/>
+            <a:ext cx="0" cy="462999"/>
+          </a:xfrm>
+          <a:prstGeom prst="straightConnector1">
+            <a:avLst/>
+          </a:prstGeom>
+          <a:ln>
+            <a:solidFill>
+              <a:schemeClr val="tx1"/>
+            </a:solidFill>
+            <a:prstDash val="dash"/>
+            <a:tailEnd type="triangle"/>
+          </a:ln>
+        </p:spPr>
+        <p:style>
+          <a:lnRef idx="1">
+            <a:schemeClr val="accent1"/>
+          </a:lnRef>
+          <a:fillRef idx="0">
+            <a:schemeClr val="accent1"/>
+          </a:fillRef>
+          <a:effectRef idx="0">
+            <a:schemeClr val="accent1"/>
+          </a:effectRef>
+          <a:fontRef idx="minor">
+            <a:schemeClr val="tx1"/>
+          </a:fontRef>
+        </p:style>
+      </p:cxnSp>
+      <p:sp>
+        <p:nvSpPr>
+          <p:cNvPr id="65" name="正方形/長方形 64">
+            <a:extLst>
+              <a:ext uri="{FF2B5EF4-FFF2-40B4-BE49-F238E27FC236}">
+                <a16:creationId xmlns:a16="http://schemas.microsoft.com/office/drawing/2014/main" id="{B996CD33-3B97-918C-DC68-EDD869AB9F7D}"/>
               </a:ext>
             </a:extLst>
           </p:cNvPr>
@@ -4378,8 +5521,476 @@
         </p:nvSpPr>
         <p:spPr>
           <a:xfrm>
-            <a:off x="5942634" y="3007841"/>
-            <a:ext cx="1368000" cy="396000"/>
+            <a:off x="7988377" y="1311426"/>
+            <a:ext cx="72000" cy="72000"/>
+          </a:xfrm>
+          <a:prstGeom prst="rect">
+            <a:avLst/>
+          </a:prstGeom>
+          <a:noFill/>
+          <a:ln>
+            <a:solidFill>
+              <a:schemeClr val="bg2"/>
+            </a:solidFill>
+          </a:ln>
+        </p:spPr>
+        <p:style>
+          <a:lnRef idx="2">
+            <a:schemeClr val="accent1">
+              <a:shade val="15000"/>
+            </a:schemeClr>
+          </a:lnRef>
+          <a:fillRef idx="1">
+            <a:schemeClr val="accent1"/>
+          </a:fillRef>
+          <a:effectRef idx="0">
+            <a:schemeClr val="accent1"/>
+          </a:effectRef>
+          <a:fontRef idx="minor">
+            <a:schemeClr val="lt1"/>
+          </a:fontRef>
+        </p:style>
+        <p:txBody>
+          <a:bodyPr rtlCol="0" anchor="ctr"/>
+          <a:lstStyle/>
+          <a:p>
+            <a:pPr algn="ctr"/>
+            <a:endParaRPr kumimoji="1" lang="ja-JP" altLang="en-US"/>
+          </a:p>
+        </p:txBody>
+      </p:sp>
+      <p:sp>
+        <p:nvSpPr>
+          <p:cNvPr id="69" name="正方形/長方形 68">
+            <a:extLst>
+              <a:ext uri="{FF2B5EF4-FFF2-40B4-BE49-F238E27FC236}">
+                <a16:creationId xmlns:a16="http://schemas.microsoft.com/office/drawing/2014/main" id="{77EEC3F6-622E-75ED-7D6E-0B0F21CD83EC}"/>
+              </a:ext>
+            </a:extLst>
+          </p:cNvPr>
+          <p:cNvSpPr/>
+          <p:nvPr/>
+        </p:nvSpPr>
+        <p:spPr>
+          <a:xfrm>
+            <a:off x="7992709" y="1589504"/>
+            <a:ext cx="72000" cy="72000"/>
+          </a:xfrm>
+          <a:prstGeom prst="rect">
+            <a:avLst/>
+          </a:prstGeom>
+          <a:noFill/>
+          <a:ln>
+            <a:solidFill>
+              <a:schemeClr val="bg2"/>
+            </a:solidFill>
+          </a:ln>
+        </p:spPr>
+        <p:style>
+          <a:lnRef idx="2">
+            <a:schemeClr val="accent1">
+              <a:shade val="15000"/>
+            </a:schemeClr>
+          </a:lnRef>
+          <a:fillRef idx="1">
+            <a:schemeClr val="accent1"/>
+          </a:fillRef>
+          <a:effectRef idx="0">
+            <a:schemeClr val="accent1"/>
+          </a:effectRef>
+          <a:fontRef idx="minor">
+            <a:schemeClr val="lt1"/>
+          </a:fontRef>
+        </p:style>
+        <p:txBody>
+          <a:bodyPr rtlCol="0" anchor="ctr"/>
+          <a:lstStyle/>
+          <a:p>
+            <a:pPr algn="ctr"/>
+            <a:endParaRPr kumimoji="1" lang="ja-JP" altLang="en-US"/>
+          </a:p>
+        </p:txBody>
+      </p:sp>
+      <p:sp>
+        <p:nvSpPr>
+          <p:cNvPr id="70" name="正方形/長方形 69">
+            <a:extLst>
+              <a:ext uri="{FF2B5EF4-FFF2-40B4-BE49-F238E27FC236}">
+                <a16:creationId xmlns:a16="http://schemas.microsoft.com/office/drawing/2014/main" id="{9138FF7C-2246-B698-E9B9-D1D6A32C85B0}"/>
+              </a:ext>
+            </a:extLst>
+          </p:cNvPr>
+          <p:cNvSpPr/>
+          <p:nvPr/>
+        </p:nvSpPr>
+        <p:spPr>
+          <a:xfrm>
+            <a:off x="7988378" y="2996213"/>
+            <a:ext cx="72000" cy="72000"/>
+          </a:xfrm>
+          <a:prstGeom prst="rect">
+            <a:avLst/>
+          </a:prstGeom>
+          <a:noFill/>
+          <a:ln>
+            <a:solidFill>
+              <a:schemeClr val="bg2"/>
+            </a:solidFill>
+          </a:ln>
+        </p:spPr>
+        <p:style>
+          <a:lnRef idx="2">
+            <a:schemeClr val="accent1">
+              <a:shade val="15000"/>
+            </a:schemeClr>
+          </a:lnRef>
+          <a:fillRef idx="1">
+            <a:schemeClr val="accent1"/>
+          </a:fillRef>
+          <a:effectRef idx="0">
+            <a:schemeClr val="accent1"/>
+          </a:effectRef>
+          <a:fontRef idx="minor">
+            <a:schemeClr val="lt1"/>
+          </a:fontRef>
+        </p:style>
+        <p:txBody>
+          <a:bodyPr rtlCol="0" anchor="ctr"/>
+          <a:lstStyle/>
+          <a:p>
+            <a:pPr algn="ctr"/>
+            <a:endParaRPr kumimoji="1" lang="ja-JP" altLang="en-US"/>
+          </a:p>
+        </p:txBody>
+      </p:sp>
+      <p:sp>
+        <p:nvSpPr>
+          <p:cNvPr id="72" name="正方形/長方形 71">
+            <a:extLst>
+              <a:ext uri="{FF2B5EF4-FFF2-40B4-BE49-F238E27FC236}">
+                <a16:creationId xmlns:a16="http://schemas.microsoft.com/office/drawing/2014/main" id="{19682CA7-DBB3-9CD9-4DD8-F7472853CB10}"/>
+              </a:ext>
+            </a:extLst>
+          </p:cNvPr>
+          <p:cNvSpPr/>
+          <p:nvPr/>
+        </p:nvSpPr>
+        <p:spPr>
+          <a:xfrm>
+            <a:off x="7988375" y="3274292"/>
+            <a:ext cx="72000" cy="72000"/>
+          </a:xfrm>
+          <a:prstGeom prst="rect">
+            <a:avLst/>
+          </a:prstGeom>
+          <a:noFill/>
+          <a:ln>
+            <a:solidFill>
+              <a:schemeClr val="bg2"/>
+            </a:solidFill>
+          </a:ln>
+        </p:spPr>
+        <p:style>
+          <a:lnRef idx="2">
+            <a:schemeClr val="accent1">
+              <a:shade val="15000"/>
+            </a:schemeClr>
+          </a:lnRef>
+          <a:fillRef idx="1">
+            <a:schemeClr val="accent1"/>
+          </a:fillRef>
+          <a:effectRef idx="0">
+            <a:schemeClr val="accent1"/>
+          </a:effectRef>
+          <a:fontRef idx="minor">
+            <a:schemeClr val="lt1"/>
+          </a:fontRef>
+        </p:style>
+        <p:txBody>
+          <a:bodyPr rtlCol="0" anchor="ctr"/>
+          <a:lstStyle/>
+          <a:p>
+            <a:pPr algn="ctr"/>
+            <a:endParaRPr kumimoji="1" lang="ja-JP" altLang="en-US"/>
+          </a:p>
+        </p:txBody>
+      </p:sp>
+      <p:sp>
+        <p:nvSpPr>
+          <p:cNvPr id="73" name="正方形/長方形 72">
+            <a:extLst>
+              <a:ext uri="{FF2B5EF4-FFF2-40B4-BE49-F238E27FC236}">
+                <a16:creationId xmlns:a16="http://schemas.microsoft.com/office/drawing/2014/main" id="{670155B4-D968-4D89-F024-A9273E69B9CA}"/>
+              </a:ext>
+            </a:extLst>
+          </p:cNvPr>
+          <p:cNvSpPr/>
+          <p:nvPr/>
+        </p:nvSpPr>
+        <p:spPr>
+          <a:xfrm>
+            <a:off x="3147085" y="3234487"/>
+            <a:ext cx="72000" cy="72000"/>
+          </a:xfrm>
+          <a:prstGeom prst="rect">
+            <a:avLst/>
+          </a:prstGeom>
+          <a:noFill/>
+          <a:ln>
+            <a:solidFill>
+              <a:schemeClr val="bg2"/>
+            </a:solidFill>
+          </a:ln>
+        </p:spPr>
+        <p:style>
+          <a:lnRef idx="2">
+            <a:schemeClr val="accent1">
+              <a:shade val="15000"/>
+            </a:schemeClr>
+          </a:lnRef>
+          <a:fillRef idx="1">
+            <a:schemeClr val="accent1"/>
+          </a:fillRef>
+          <a:effectRef idx="0">
+            <a:schemeClr val="accent1"/>
+          </a:effectRef>
+          <a:fontRef idx="minor">
+            <a:schemeClr val="lt1"/>
+          </a:fontRef>
+        </p:style>
+        <p:txBody>
+          <a:bodyPr rtlCol="0" anchor="ctr"/>
+          <a:lstStyle/>
+          <a:p>
+            <a:pPr algn="ctr"/>
+            <a:endParaRPr kumimoji="1" lang="ja-JP" altLang="en-US"/>
+          </a:p>
+        </p:txBody>
+      </p:sp>
+      <p:sp>
+        <p:nvSpPr>
+          <p:cNvPr id="75" name="正方形/長方形 74">
+            <a:extLst>
+              <a:ext uri="{FF2B5EF4-FFF2-40B4-BE49-F238E27FC236}">
+                <a16:creationId xmlns:a16="http://schemas.microsoft.com/office/drawing/2014/main" id="{C86E762D-FD01-823B-4515-923DAEBF1CA5}"/>
+              </a:ext>
+            </a:extLst>
+          </p:cNvPr>
+          <p:cNvSpPr/>
+          <p:nvPr/>
+        </p:nvSpPr>
+        <p:spPr>
+          <a:xfrm>
+            <a:off x="3147085" y="3045703"/>
+            <a:ext cx="72000" cy="72000"/>
+          </a:xfrm>
+          <a:prstGeom prst="rect">
+            <a:avLst/>
+          </a:prstGeom>
+          <a:noFill/>
+          <a:ln>
+            <a:solidFill>
+              <a:schemeClr val="bg2"/>
+            </a:solidFill>
+          </a:ln>
+        </p:spPr>
+        <p:style>
+          <a:lnRef idx="2">
+            <a:schemeClr val="accent1">
+              <a:shade val="15000"/>
+            </a:schemeClr>
+          </a:lnRef>
+          <a:fillRef idx="1">
+            <a:schemeClr val="accent1"/>
+          </a:fillRef>
+          <a:effectRef idx="0">
+            <a:schemeClr val="accent1"/>
+          </a:effectRef>
+          <a:fontRef idx="minor">
+            <a:schemeClr val="lt1"/>
+          </a:fontRef>
+        </p:style>
+        <p:txBody>
+          <a:bodyPr rtlCol="0" anchor="ctr"/>
+          <a:lstStyle/>
+          <a:p>
+            <a:pPr algn="ctr"/>
+            <a:endParaRPr kumimoji="1" lang="ja-JP" altLang="en-US"/>
+          </a:p>
+        </p:txBody>
+      </p:sp>
+      <p:sp>
+        <p:nvSpPr>
+          <p:cNvPr id="76" name="正方形/長方形 75">
+            <a:extLst>
+              <a:ext uri="{FF2B5EF4-FFF2-40B4-BE49-F238E27FC236}">
+                <a16:creationId xmlns:a16="http://schemas.microsoft.com/office/drawing/2014/main" id="{AFF7F5E8-3317-4DBF-2281-7B882361555A}"/>
+              </a:ext>
+            </a:extLst>
+          </p:cNvPr>
+          <p:cNvSpPr/>
+          <p:nvPr/>
+        </p:nvSpPr>
+        <p:spPr>
+          <a:xfrm>
+            <a:off x="3147085" y="1564635"/>
+            <a:ext cx="72000" cy="72000"/>
+          </a:xfrm>
+          <a:prstGeom prst="rect">
+            <a:avLst/>
+          </a:prstGeom>
+          <a:noFill/>
+          <a:ln>
+            <a:solidFill>
+              <a:schemeClr val="bg2"/>
+            </a:solidFill>
+          </a:ln>
+        </p:spPr>
+        <p:style>
+          <a:lnRef idx="2">
+            <a:schemeClr val="accent1">
+              <a:shade val="15000"/>
+            </a:schemeClr>
+          </a:lnRef>
+          <a:fillRef idx="1">
+            <a:schemeClr val="accent1"/>
+          </a:fillRef>
+          <a:effectRef idx="0">
+            <a:schemeClr val="accent1"/>
+          </a:effectRef>
+          <a:fontRef idx="minor">
+            <a:schemeClr val="lt1"/>
+          </a:fontRef>
+        </p:style>
+        <p:txBody>
+          <a:bodyPr rtlCol="0" anchor="ctr"/>
+          <a:lstStyle/>
+          <a:p>
+            <a:pPr algn="ctr"/>
+            <a:endParaRPr kumimoji="1" lang="ja-JP" altLang="en-US"/>
+          </a:p>
+        </p:txBody>
+      </p:sp>
+      <p:sp>
+        <p:nvSpPr>
+          <p:cNvPr id="78" name="正方形/長方形 77">
+            <a:extLst>
+              <a:ext uri="{FF2B5EF4-FFF2-40B4-BE49-F238E27FC236}">
+                <a16:creationId xmlns:a16="http://schemas.microsoft.com/office/drawing/2014/main" id="{7DE69DAC-C015-E151-AD7E-BE3CFE4E0D84}"/>
+              </a:ext>
+            </a:extLst>
+          </p:cNvPr>
+          <p:cNvSpPr/>
+          <p:nvPr/>
+        </p:nvSpPr>
+        <p:spPr>
+          <a:xfrm>
+            <a:off x="3147085" y="2205599"/>
+            <a:ext cx="72000" cy="72000"/>
+          </a:xfrm>
+          <a:prstGeom prst="rect">
+            <a:avLst/>
+          </a:prstGeom>
+          <a:noFill/>
+          <a:ln>
+            <a:solidFill>
+              <a:schemeClr val="bg2"/>
+            </a:solidFill>
+          </a:ln>
+        </p:spPr>
+        <p:style>
+          <a:lnRef idx="2">
+            <a:schemeClr val="accent1">
+              <a:shade val="15000"/>
+            </a:schemeClr>
+          </a:lnRef>
+          <a:fillRef idx="1">
+            <a:schemeClr val="accent1"/>
+          </a:fillRef>
+          <a:effectRef idx="0">
+            <a:schemeClr val="accent1"/>
+          </a:effectRef>
+          <a:fontRef idx="minor">
+            <a:schemeClr val="lt1"/>
+          </a:fontRef>
+        </p:style>
+        <p:txBody>
+          <a:bodyPr rtlCol="0" anchor="ctr"/>
+          <a:lstStyle/>
+          <a:p>
+            <a:pPr algn="ctr"/>
+            <a:endParaRPr kumimoji="1" lang="ja-JP" altLang="en-US"/>
+          </a:p>
+        </p:txBody>
+      </p:sp>
+      <p:sp>
+        <p:nvSpPr>
+          <p:cNvPr id="81" name="正方形/長方形 80">
+            <a:extLst>
+              <a:ext uri="{FF2B5EF4-FFF2-40B4-BE49-F238E27FC236}">
+                <a16:creationId xmlns:a16="http://schemas.microsoft.com/office/drawing/2014/main" id="{F10613E7-F6CC-6665-0884-263A4E8A1376}"/>
+              </a:ext>
+            </a:extLst>
+          </p:cNvPr>
+          <p:cNvSpPr/>
+          <p:nvPr/>
+        </p:nvSpPr>
+        <p:spPr>
+          <a:xfrm>
+            <a:off x="3147085" y="1367519"/>
+            <a:ext cx="72000" cy="72000"/>
+          </a:xfrm>
+          <a:prstGeom prst="rect">
+            <a:avLst/>
+          </a:prstGeom>
+          <a:noFill/>
+          <a:ln>
+            <a:solidFill>
+              <a:schemeClr val="bg2"/>
+            </a:solidFill>
+          </a:ln>
+        </p:spPr>
+        <p:style>
+          <a:lnRef idx="2">
+            <a:schemeClr val="accent1">
+              <a:shade val="15000"/>
+            </a:schemeClr>
+          </a:lnRef>
+          <a:fillRef idx="1">
+            <a:schemeClr val="accent1"/>
+          </a:fillRef>
+          <a:effectRef idx="0">
+            <a:schemeClr val="accent1"/>
+          </a:effectRef>
+          <a:fontRef idx="minor">
+            <a:schemeClr val="lt1"/>
+          </a:fontRef>
+        </p:style>
+        <p:txBody>
+          <a:bodyPr rtlCol="0" anchor="ctr"/>
+          <a:lstStyle/>
+          <a:p>
+            <a:pPr algn="ctr"/>
+            <a:endParaRPr kumimoji="1" lang="ja-JP" altLang="en-US"/>
+          </a:p>
+        </p:txBody>
+      </p:sp>
+      <p:sp>
+        <p:nvSpPr>
+          <p:cNvPr id="66" name="正方形/長方形 65">
+            <a:extLst>
+              <a:ext uri="{FF2B5EF4-FFF2-40B4-BE49-F238E27FC236}">
+                <a16:creationId xmlns:a16="http://schemas.microsoft.com/office/drawing/2014/main" id="{1BFE033D-0462-E3CF-89BD-C9EA84A257EA}"/>
+              </a:ext>
+            </a:extLst>
+          </p:cNvPr>
+          <p:cNvSpPr/>
+          <p:nvPr/>
+        </p:nvSpPr>
+        <p:spPr>
+          <a:xfrm>
+            <a:off x="7990573" y="1310061"/>
+            <a:ext cx="1116000" cy="360000"/>
           </a:xfrm>
           <a:prstGeom prst="rect">
             <a:avLst/>
@@ -4389,7 +6000,7 @@
           </a:solidFill>
           <a:ln>
             <a:solidFill>
-              <a:schemeClr val="tx1"/>
+              <a:srgbClr val="0070C0"/>
             </a:solidFill>
           </a:ln>
         </p:spPr>
@@ -4415,679 +6026,27 @@
           <a:p>
             <a:pPr algn="ctr"/>
             <a:r>
-              <a:rPr lang="en-US" altLang="ja-JP" sz="1000" err="1">
+              <a:rPr kumimoji="1" lang="en-US" altLang="ja-JP" sz="1000" err="1">
                 <a:solidFill>
-                  <a:schemeClr val="tx1"/>
+                  <a:srgbClr val="0070C0"/>
                 </a:solidFill>
               </a:rPr>
-              <a:t>p</a:t>
-            </a:r>
-            <a:r>
-              <a:rPr kumimoji="1" lang="en-US" altLang="ja-JP" sz="1000" err="1">
-                <a:solidFill>
-                  <a:schemeClr val="tx1"/>
-                </a:solidFill>
-              </a:rPr>
-              <a:t>ing_svc.o</a:t>
+              <a:t>ping_client</a:t>
             </a:r>
             <a:endParaRPr kumimoji="1" lang="ja-JP" altLang="en-US" sz="1000">
               <a:solidFill>
-                <a:schemeClr val="tx1"/>
+                <a:srgbClr val="0070C0"/>
               </a:solidFill>
             </a:endParaRPr>
           </a:p>
         </p:txBody>
       </p:sp>
-      <p:cxnSp>
-        <p:nvCxnSpPr>
-          <p:cNvPr id="19" name="直線矢印コネクタ 18">
-            <a:extLst>
-              <a:ext uri="{FF2B5EF4-FFF2-40B4-BE49-F238E27FC236}">
-                <a16:creationId xmlns:a16="http://schemas.microsoft.com/office/drawing/2014/main" id="{D64EBD18-A00E-03D7-4B30-54806C7228FC}"/>
-              </a:ext>
-            </a:extLst>
-          </p:cNvPr>
-          <p:cNvCxnSpPr>
-            <a:cxnSpLocks/>
-            <a:stCxn id="7" idx="3"/>
-            <a:endCxn id="10" idx="1"/>
-          </p:cNvCxnSpPr>
-          <p:nvPr/>
-        </p:nvCxnSpPr>
-        <p:spPr>
-          <a:xfrm flipV="1">
-            <a:off x="2196675" y="1504152"/>
-            <a:ext cx="1249634" cy="727112"/>
-          </a:xfrm>
-          <a:prstGeom prst="straightConnector1">
-            <a:avLst/>
-          </a:prstGeom>
-          <a:ln>
-            <a:solidFill>
-              <a:schemeClr val="tx1"/>
-            </a:solidFill>
-            <a:tailEnd type="triangle"/>
-          </a:ln>
-        </p:spPr>
-        <p:style>
-          <a:lnRef idx="1">
-            <a:schemeClr val="accent1"/>
-          </a:lnRef>
-          <a:fillRef idx="0">
-            <a:schemeClr val="accent1"/>
-          </a:fillRef>
-          <a:effectRef idx="0">
-            <a:schemeClr val="accent1"/>
-          </a:effectRef>
-          <a:fontRef idx="minor">
-            <a:schemeClr val="tx1"/>
-          </a:fontRef>
-        </p:style>
-      </p:cxnSp>
-      <p:cxnSp>
-        <p:nvCxnSpPr>
-          <p:cNvPr id="20" name="直線矢印コネクタ 19">
-            <a:extLst>
-              <a:ext uri="{FF2B5EF4-FFF2-40B4-BE49-F238E27FC236}">
-                <a16:creationId xmlns:a16="http://schemas.microsoft.com/office/drawing/2014/main" id="{7C11D57D-1824-38C1-88BD-488732F12483}"/>
-              </a:ext>
-            </a:extLst>
-          </p:cNvPr>
-          <p:cNvCxnSpPr>
-            <a:cxnSpLocks/>
-            <a:stCxn id="6" idx="3"/>
-            <a:endCxn id="14" idx="1"/>
-          </p:cNvCxnSpPr>
-          <p:nvPr/>
-        </p:nvCxnSpPr>
-        <p:spPr>
-          <a:xfrm>
-            <a:off x="2196675" y="943239"/>
-            <a:ext cx="3745959" cy="0"/>
-          </a:xfrm>
-          <a:prstGeom prst="straightConnector1">
-            <a:avLst/>
-          </a:prstGeom>
-          <a:ln>
-            <a:solidFill>
-              <a:schemeClr val="tx1"/>
-            </a:solidFill>
-            <a:tailEnd type="triangle"/>
-          </a:ln>
-        </p:spPr>
-        <p:style>
-          <a:lnRef idx="1">
-            <a:schemeClr val="accent1"/>
-          </a:lnRef>
-          <a:fillRef idx="0">
-            <a:schemeClr val="accent1"/>
-          </a:fillRef>
-          <a:effectRef idx="0">
-            <a:schemeClr val="accent1"/>
-          </a:effectRef>
-          <a:fontRef idx="minor">
-            <a:schemeClr val="tx1"/>
-          </a:fontRef>
-        </p:style>
-      </p:cxnSp>
-      <p:cxnSp>
-        <p:nvCxnSpPr>
-          <p:cNvPr id="23" name="直線矢印コネクタ 22">
-            <a:extLst>
-              <a:ext uri="{FF2B5EF4-FFF2-40B4-BE49-F238E27FC236}">
-                <a16:creationId xmlns:a16="http://schemas.microsoft.com/office/drawing/2014/main" id="{25F969BD-399F-8BC3-7C69-3A367497DAB3}"/>
-              </a:ext>
-            </a:extLst>
-          </p:cNvPr>
-          <p:cNvCxnSpPr>
-            <a:cxnSpLocks/>
-            <a:stCxn id="10" idx="3"/>
-            <a:endCxn id="13" idx="1"/>
-          </p:cNvCxnSpPr>
-          <p:nvPr/>
-        </p:nvCxnSpPr>
-        <p:spPr>
-          <a:xfrm>
-            <a:off x="4814309" y="1504152"/>
-            <a:ext cx="1128325" cy="0"/>
-          </a:xfrm>
-          <a:prstGeom prst="straightConnector1">
-            <a:avLst/>
-          </a:prstGeom>
-          <a:ln>
-            <a:solidFill>
-              <a:schemeClr val="tx1"/>
-            </a:solidFill>
-            <a:tailEnd type="triangle"/>
-          </a:ln>
-        </p:spPr>
-        <p:style>
-          <a:lnRef idx="1">
-            <a:schemeClr val="accent1"/>
-          </a:lnRef>
-          <a:fillRef idx="0">
-            <a:schemeClr val="accent1"/>
-          </a:fillRef>
-          <a:effectRef idx="0">
-            <a:schemeClr val="accent1"/>
-          </a:effectRef>
-          <a:fontRef idx="minor">
-            <a:schemeClr val="tx1"/>
-          </a:fontRef>
-        </p:style>
-      </p:cxnSp>
-      <p:cxnSp>
-        <p:nvCxnSpPr>
-          <p:cNvPr id="26" name="直線矢印コネクタ 25">
-            <a:extLst>
-              <a:ext uri="{FF2B5EF4-FFF2-40B4-BE49-F238E27FC236}">
-                <a16:creationId xmlns:a16="http://schemas.microsoft.com/office/drawing/2014/main" id="{CD1CC265-0324-E532-417C-A8FF0DE5FC79}"/>
-              </a:ext>
-            </a:extLst>
-          </p:cNvPr>
-          <p:cNvCxnSpPr>
-            <a:cxnSpLocks/>
-            <a:stCxn id="11" idx="3"/>
-            <a:endCxn id="16" idx="1"/>
-          </p:cNvCxnSpPr>
-          <p:nvPr/>
-        </p:nvCxnSpPr>
-        <p:spPr>
-          <a:xfrm flipV="1">
-            <a:off x="4814309" y="2314540"/>
-            <a:ext cx="1103611" cy="322884"/>
-          </a:xfrm>
-          <a:prstGeom prst="straightConnector1">
-            <a:avLst/>
-          </a:prstGeom>
-          <a:ln>
-            <a:solidFill>
-              <a:schemeClr val="tx1"/>
-            </a:solidFill>
-            <a:tailEnd type="triangle"/>
-          </a:ln>
-        </p:spPr>
-        <p:style>
-          <a:lnRef idx="1">
-            <a:schemeClr val="accent1"/>
-          </a:lnRef>
-          <a:fillRef idx="0">
-            <a:schemeClr val="accent1"/>
-          </a:fillRef>
-          <a:effectRef idx="0">
-            <a:schemeClr val="accent1"/>
-          </a:effectRef>
-          <a:fontRef idx="minor">
-            <a:schemeClr val="tx1"/>
-          </a:fontRef>
-        </p:style>
-      </p:cxnSp>
-      <p:cxnSp>
-        <p:nvCxnSpPr>
-          <p:cNvPr id="29" name="直線矢印コネクタ 28">
-            <a:extLst>
-              <a:ext uri="{FF2B5EF4-FFF2-40B4-BE49-F238E27FC236}">
-                <a16:creationId xmlns:a16="http://schemas.microsoft.com/office/drawing/2014/main" id="{27D91FFB-7F76-7C08-0B8E-B07936016771}"/>
-              </a:ext>
-            </a:extLst>
-          </p:cNvPr>
-          <p:cNvCxnSpPr>
-            <a:cxnSpLocks/>
-            <a:stCxn id="12" idx="3"/>
-            <a:endCxn id="17" idx="1"/>
-          </p:cNvCxnSpPr>
-          <p:nvPr/>
-        </p:nvCxnSpPr>
-        <p:spPr>
-          <a:xfrm>
-            <a:off x="4814309" y="3187736"/>
-            <a:ext cx="1128325" cy="18105"/>
-          </a:xfrm>
-          <a:prstGeom prst="straightConnector1">
-            <a:avLst/>
-          </a:prstGeom>
-          <a:ln>
-            <a:solidFill>
-              <a:schemeClr val="tx1"/>
-            </a:solidFill>
-            <a:tailEnd type="triangle"/>
-          </a:ln>
-        </p:spPr>
-        <p:style>
-          <a:lnRef idx="1">
-            <a:schemeClr val="accent1"/>
-          </a:lnRef>
-          <a:fillRef idx="0">
-            <a:schemeClr val="accent1"/>
-          </a:fillRef>
-          <a:effectRef idx="0">
-            <a:schemeClr val="accent1"/>
-          </a:effectRef>
-          <a:fontRef idx="minor">
-            <a:schemeClr val="tx1"/>
-          </a:fontRef>
-        </p:style>
-      </p:cxnSp>
-      <p:cxnSp>
-        <p:nvCxnSpPr>
-          <p:cNvPr id="32" name="直線矢印コネクタ 31">
-            <a:extLst>
-              <a:ext uri="{FF2B5EF4-FFF2-40B4-BE49-F238E27FC236}">
-                <a16:creationId xmlns:a16="http://schemas.microsoft.com/office/drawing/2014/main" id="{6051117F-6DE3-D98A-2DFD-D934C147425A}"/>
-              </a:ext>
-            </a:extLst>
-          </p:cNvPr>
-          <p:cNvCxnSpPr>
-            <a:cxnSpLocks/>
-            <a:stCxn id="8" idx="3"/>
-            <a:endCxn id="15" idx="1"/>
-          </p:cNvCxnSpPr>
-          <p:nvPr/>
-        </p:nvCxnSpPr>
-        <p:spPr>
-          <a:xfrm>
-            <a:off x="2196675" y="3754873"/>
-            <a:ext cx="3745959" cy="0"/>
-          </a:xfrm>
-          <a:prstGeom prst="straightConnector1">
-            <a:avLst/>
-          </a:prstGeom>
-          <a:ln>
-            <a:solidFill>
-              <a:schemeClr val="tx1"/>
-            </a:solidFill>
-            <a:tailEnd type="triangle"/>
-          </a:ln>
-        </p:spPr>
-        <p:style>
-          <a:lnRef idx="1">
-            <a:schemeClr val="accent1"/>
-          </a:lnRef>
-          <a:fillRef idx="0">
-            <a:schemeClr val="accent1"/>
-          </a:fillRef>
-          <a:effectRef idx="0">
-            <a:schemeClr val="accent1"/>
-          </a:effectRef>
-          <a:fontRef idx="minor">
-            <a:schemeClr val="tx1"/>
-          </a:fontRef>
-        </p:style>
-      </p:cxnSp>
-      <p:cxnSp>
-        <p:nvCxnSpPr>
-          <p:cNvPr id="35" name="直線矢印コネクタ 34">
-            <a:extLst>
-              <a:ext uri="{FF2B5EF4-FFF2-40B4-BE49-F238E27FC236}">
-                <a16:creationId xmlns:a16="http://schemas.microsoft.com/office/drawing/2014/main" id="{4792761B-71EA-CAFC-7E1E-4293255E7E53}"/>
-              </a:ext>
-            </a:extLst>
-          </p:cNvPr>
-          <p:cNvCxnSpPr>
-            <a:cxnSpLocks/>
-            <a:stCxn id="7" idx="3"/>
-            <a:endCxn id="12" idx="1"/>
-          </p:cNvCxnSpPr>
-          <p:nvPr/>
-        </p:nvCxnSpPr>
-        <p:spPr>
-          <a:xfrm>
-            <a:off x="2196675" y="2231264"/>
-            <a:ext cx="1249634" cy="956472"/>
-          </a:xfrm>
-          <a:prstGeom prst="straightConnector1">
-            <a:avLst/>
-          </a:prstGeom>
-          <a:ln>
-            <a:solidFill>
-              <a:schemeClr val="tx1"/>
-            </a:solidFill>
-            <a:tailEnd type="triangle"/>
-          </a:ln>
-        </p:spPr>
-        <p:style>
-          <a:lnRef idx="1">
-            <a:schemeClr val="accent1"/>
-          </a:lnRef>
-          <a:fillRef idx="0">
-            <a:schemeClr val="accent1"/>
-          </a:fillRef>
-          <a:effectRef idx="0">
-            <a:schemeClr val="accent1"/>
-          </a:effectRef>
-          <a:fontRef idx="minor">
-            <a:schemeClr val="tx1"/>
-          </a:fontRef>
-        </p:style>
-      </p:cxnSp>
-      <p:cxnSp>
-        <p:nvCxnSpPr>
-          <p:cNvPr id="38" name="直線矢印コネクタ 37">
-            <a:extLst>
-              <a:ext uri="{FF2B5EF4-FFF2-40B4-BE49-F238E27FC236}">
-                <a16:creationId xmlns:a16="http://schemas.microsoft.com/office/drawing/2014/main" id="{EDEC3863-7877-4004-7267-11548C20FD8A}"/>
-              </a:ext>
-            </a:extLst>
-          </p:cNvPr>
-          <p:cNvCxnSpPr>
-            <a:cxnSpLocks/>
-            <a:stCxn id="7" idx="3"/>
-            <a:endCxn id="11" idx="1"/>
-          </p:cNvCxnSpPr>
-          <p:nvPr/>
-        </p:nvCxnSpPr>
-        <p:spPr>
-          <a:xfrm>
-            <a:off x="2196675" y="2231264"/>
-            <a:ext cx="1249634" cy="406160"/>
-          </a:xfrm>
-          <a:prstGeom prst="straightConnector1">
-            <a:avLst/>
-          </a:prstGeom>
-          <a:ln>
-            <a:solidFill>
-              <a:schemeClr val="tx1"/>
-            </a:solidFill>
-            <a:tailEnd type="triangle"/>
-          </a:ln>
-        </p:spPr>
-        <p:style>
-          <a:lnRef idx="1">
-            <a:schemeClr val="accent1"/>
-          </a:lnRef>
-          <a:fillRef idx="0">
-            <a:schemeClr val="accent1"/>
-          </a:fillRef>
-          <a:effectRef idx="0">
-            <a:schemeClr val="accent1"/>
-          </a:effectRef>
-          <a:fontRef idx="minor">
-            <a:schemeClr val="tx1"/>
-          </a:fontRef>
-        </p:style>
-      </p:cxnSp>
-      <p:cxnSp>
-        <p:nvCxnSpPr>
-          <p:cNvPr id="41" name="直線矢印コネクタ 40">
-            <a:extLst>
-              <a:ext uri="{FF2B5EF4-FFF2-40B4-BE49-F238E27FC236}">
-                <a16:creationId xmlns:a16="http://schemas.microsoft.com/office/drawing/2014/main" id="{7321646C-8CD5-2D7E-F171-189FEE0D809C}"/>
-              </a:ext>
-            </a:extLst>
-          </p:cNvPr>
-          <p:cNvCxnSpPr>
-            <a:cxnSpLocks/>
-            <a:stCxn id="7" idx="3"/>
-            <a:endCxn id="9" idx="1"/>
-          </p:cNvCxnSpPr>
-          <p:nvPr/>
-        </p:nvCxnSpPr>
-        <p:spPr>
-          <a:xfrm flipV="1">
-            <a:off x="2196675" y="2092115"/>
-            <a:ext cx="1249634" cy="139149"/>
-          </a:xfrm>
-          <a:prstGeom prst="straightConnector1">
-            <a:avLst/>
-          </a:prstGeom>
-          <a:ln>
-            <a:solidFill>
-              <a:schemeClr val="tx1"/>
-            </a:solidFill>
-            <a:tailEnd type="triangle"/>
-          </a:ln>
-        </p:spPr>
-        <p:style>
-          <a:lnRef idx="1">
-            <a:schemeClr val="accent1"/>
-          </a:lnRef>
-          <a:fillRef idx="0">
-            <a:schemeClr val="accent1"/>
-          </a:fillRef>
-          <a:effectRef idx="0">
-            <a:schemeClr val="accent1"/>
-          </a:effectRef>
-          <a:fontRef idx="minor">
-            <a:schemeClr val="tx1"/>
-          </a:fontRef>
-        </p:style>
-      </p:cxnSp>
-      <p:cxnSp>
-        <p:nvCxnSpPr>
-          <p:cNvPr id="49" name="直線矢印コネクタ 48">
-            <a:extLst>
-              <a:ext uri="{FF2B5EF4-FFF2-40B4-BE49-F238E27FC236}">
-                <a16:creationId xmlns:a16="http://schemas.microsoft.com/office/drawing/2014/main" id="{75AB9D9B-A30B-F5F5-65FD-031975E0119A}"/>
-              </a:ext>
-            </a:extLst>
-          </p:cNvPr>
-          <p:cNvCxnSpPr>
-            <a:cxnSpLocks/>
-            <a:stCxn id="9" idx="3"/>
-            <a:endCxn id="14" idx="1"/>
-          </p:cNvCxnSpPr>
-          <p:nvPr/>
-        </p:nvCxnSpPr>
-        <p:spPr>
-          <a:xfrm flipV="1">
-            <a:off x="4814309" y="943239"/>
-            <a:ext cx="1128325" cy="1148876"/>
-          </a:xfrm>
-          <a:prstGeom prst="straightConnector1">
-            <a:avLst/>
-          </a:prstGeom>
-          <a:ln>
-            <a:solidFill>
-              <a:schemeClr val="tx1"/>
-            </a:solidFill>
-            <a:tailEnd type="triangle"/>
-          </a:ln>
-        </p:spPr>
-        <p:style>
-          <a:lnRef idx="1">
-            <a:schemeClr val="accent1"/>
-          </a:lnRef>
-          <a:fillRef idx="0">
-            <a:schemeClr val="accent1"/>
-          </a:fillRef>
-          <a:effectRef idx="0">
-            <a:schemeClr val="accent1"/>
-          </a:effectRef>
-          <a:fontRef idx="minor">
-            <a:schemeClr val="tx1"/>
-          </a:fontRef>
-        </p:style>
-      </p:cxnSp>
-      <p:cxnSp>
-        <p:nvCxnSpPr>
-          <p:cNvPr id="52" name="直線矢印コネクタ 51">
-            <a:extLst>
-              <a:ext uri="{FF2B5EF4-FFF2-40B4-BE49-F238E27FC236}">
-                <a16:creationId xmlns:a16="http://schemas.microsoft.com/office/drawing/2014/main" id="{A6D264EE-9E28-96FB-8A61-AE0AC7F39DA9}"/>
-              </a:ext>
-            </a:extLst>
-          </p:cNvPr>
-          <p:cNvCxnSpPr>
-            <a:cxnSpLocks/>
-            <a:stCxn id="9" idx="3"/>
-            <a:endCxn id="13" idx="1"/>
-          </p:cNvCxnSpPr>
-          <p:nvPr/>
-        </p:nvCxnSpPr>
-        <p:spPr>
-          <a:xfrm flipV="1">
-            <a:off x="4814309" y="1504152"/>
-            <a:ext cx="1128325" cy="587963"/>
-          </a:xfrm>
-          <a:prstGeom prst="straightConnector1">
-            <a:avLst/>
-          </a:prstGeom>
-          <a:ln>
-            <a:solidFill>
-              <a:schemeClr val="tx1"/>
-            </a:solidFill>
-            <a:tailEnd type="triangle"/>
-          </a:ln>
-        </p:spPr>
-        <p:style>
-          <a:lnRef idx="1">
-            <a:schemeClr val="accent1"/>
-          </a:lnRef>
-          <a:fillRef idx="0">
-            <a:schemeClr val="accent1"/>
-          </a:fillRef>
-          <a:effectRef idx="0">
-            <a:schemeClr val="accent1"/>
-          </a:effectRef>
-          <a:fontRef idx="minor">
-            <a:schemeClr val="tx1"/>
-          </a:fontRef>
-        </p:style>
-      </p:cxnSp>
-      <p:cxnSp>
-        <p:nvCxnSpPr>
-          <p:cNvPr id="55" name="直線矢印コネクタ 54">
-            <a:extLst>
-              <a:ext uri="{FF2B5EF4-FFF2-40B4-BE49-F238E27FC236}">
-                <a16:creationId xmlns:a16="http://schemas.microsoft.com/office/drawing/2014/main" id="{CEFEB23F-40FD-C076-2C42-ABB1BA376F77}"/>
-              </a:ext>
-            </a:extLst>
-          </p:cNvPr>
-          <p:cNvCxnSpPr>
-            <a:cxnSpLocks/>
-            <a:stCxn id="9" idx="3"/>
-            <a:endCxn id="16" idx="1"/>
-          </p:cNvCxnSpPr>
-          <p:nvPr/>
-        </p:nvCxnSpPr>
-        <p:spPr>
-          <a:xfrm>
-            <a:off x="4814309" y="2092115"/>
-            <a:ext cx="1103611" cy="222425"/>
-          </a:xfrm>
-          <a:prstGeom prst="straightConnector1">
-            <a:avLst/>
-          </a:prstGeom>
-          <a:ln>
-            <a:solidFill>
-              <a:schemeClr val="tx1"/>
-            </a:solidFill>
-            <a:tailEnd type="triangle"/>
-          </a:ln>
-        </p:spPr>
-        <p:style>
-          <a:lnRef idx="1">
-            <a:schemeClr val="accent1"/>
-          </a:lnRef>
-          <a:fillRef idx="0">
-            <a:schemeClr val="accent1"/>
-          </a:fillRef>
-          <a:effectRef idx="0">
-            <a:schemeClr val="accent1"/>
-          </a:effectRef>
-          <a:fontRef idx="minor">
-            <a:schemeClr val="tx1"/>
-          </a:fontRef>
-        </p:style>
-      </p:cxnSp>
-      <p:cxnSp>
-        <p:nvCxnSpPr>
-          <p:cNvPr id="58" name="直線矢印コネクタ 57">
-            <a:extLst>
-              <a:ext uri="{FF2B5EF4-FFF2-40B4-BE49-F238E27FC236}">
-                <a16:creationId xmlns:a16="http://schemas.microsoft.com/office/drawing/2014/main" id="{43E1D755-CCF5-D297-6BA2-FF4FE2F1735C}"/>
-              </a:ext>
-            </a:extLst>
-          </p:cNvPr>
-          <p:cNvCxnSpPr>
-            <a:cxnSpLocks/>
-            <a:stCxn id="9" idx="3"/>
-            <a:endCxn id="17" idx="1"/>
-          </p:cNvCxnSpPr>
-          <p:nvPr/>
-        </p:nvCxnSpPr>
-        <p:spPr>
-          <a:xfrm>
-            <a:off x="4814309" y="2092115"/>
-            <a:ext cx="1128325" cy="1113726"/>
-          </a:xfrm>
-          <a:prstGeom prst="straightConnector1">
-            <a:avLst/>
-          </a:prstGeom>
-          <a:ln>
-            <a:solidFill>
-              <a:schemeClr val="tx1"/>
-            </a:solidFill>
-            <a:tailEnd type="triangle"/>
-          </a:ln>
-        </p:spPr>
-        <p:style>
-          <a:lnRef idx="1">
-            <a:schemeClr val="accent1"/>
-          </a:lnRef>
-          <a:fillRef idx="0">
-            <a:schemeClr val="accent1"/>
-          </a:fillRef>
-          <a:effectRef idx="0">
-            <a:schemeClr val="accent1"/>
-          </a:effectRef>
-          <a:fontRef idx="minor">
-            <a:schemeClr val="tx1"/>
-          </a:fontRef>
-        </p:style>
-      </p:cxnSp>
-      <p:cxnSp>
-        <p:nvCxnSpPr>
-          <p:cNvPr id="63" name="直線矢印コネクタ 62">
-            <a:extLst>
-              <a:ext uri="{FF2B5EF4-FFF2-40B4-BE49-F238E27FC236}">
-                <a16:creationId xmlns:a16="http://schemas.microsoft.com/office/drawing/2014/main" id="{FB4A6D51-AFBC-DADF-8B96-53B433735390}"/>
-              </a:ext>
-            </a:extLst>
-          </p:cNvPr>
-          <p:cNvCxnSpPr>
-            <a:cxnSpLocks/>
-            <a:stCxn id="9" idx="3"/>
-            <a:endCxn id="15" idx="1"/>
-          </p:cNvCxnSpPr>
-          <p:nvPr/>
-        </p:nvCxnSpPr>
-        <p:spPr>
-          <a:xfrm>
-            <a:off x="4814309" y="2092115"/>
-            <a:ext cx="1128325" cy="1662758"/>
-          </a:xfrm>
-          <a:prstGeom prst="straightConnector1">
-            <a:avLst/>
-          </a:prstGeom>
-          <a:ln>
-            <a:solidFill>
-              <a:schemeClr val="tx1"/>
-            </a:solidFill>
-            <a:tailEnd type="triangle"/>
-          </a:ln>
-        </p:spPr>
-        <p:style>
-          <a:lnRef idx="1">
-            <a:schemeClr val="accent1"/>
-          </a:lnRef>
-          <a:fillRef idx="0">
-            <a:schemeClr val="accent1"/>
-          </a:fillRef>
-          <a:effectRef idx="0">
-            <a:schemeClr val="accent1"/>
-          </a:effectRef>
-          <a:fontRef idx="minor">
-            <a:schemeClr val="tx1"/>
-          </a:fontRef>
-        </p:style>
-      </p:cxnSp>
-      <p:sp>
-        <p:nvSpPr>
-          <p:cNvPr id="66" name="正方形/長方形 65">
-            <a:extLst>
-              <a:ext uri="{FF2B5EF4-FFF2-40B4-BE49-F238E27FC236}">
-                <a16:creationId xmlns:a16="http://schemas.microsoft.com/office/drawing/2014/main" id="{1BFE033D-0462-E3CF-89BD-C9EA84A257EA}"/>
+      <p:sp>
+        <p:nvSpPr>
+          <p:cNvPr id="67" name="正方形/長方形 66">
+            <a:extLst>
+              <a:ext uri="{FF2B5EF4-FFF2-40B4-BE49-F238E27FC236}">
+                <a16:creationId xmlns:a16="http://schemas.microsoft.com/office/drawing/2014/main" id="{D922B404-0DA7-D79A-C56B-921DB66017E0}"/>
               </a:ext>
             </a:extLst>
           </p:cNvPr>
@@ -5096,8 +6055,8 @@
         </p:nvSpPr>
         <p:spPr>
           <a:xfrm>
-            <a:off x="7942421" y="1313970"/>
-            <a:ext cx="1368000" cy="396000"/>
+            <a:off x="7990573" y="2989768"/>
+            <a:ext cx="1116000" cy="360000"/>
           </a:xfrm>
           <a:prstGeom prst="rect">
             <a:avLst/>
@@ -5105,6 +6064,11 @@
           <a:solidFill>
             <a:schemeClr val="bg1"/>
           </a:solidFill>
+          <a:ln>
+            <a:solidFill>
+              <a:srgbClr val="0070C0"/>
+            </a:solidFill>
+          </a:ln>
         </p:spPr>
         <p:style>
           <a:lnRef idx="2">
@@ -5130,14 +6094,22 @@
             <a:r>
               <a:rPr kumimoji="1" lang="en-US" altLang="ja-JP" sz="1000" err="1">
                 <a:solidFill>
-                  <a:sysClr val="windowText" lastClr="000000"/>
+                  <a:srgbClr val="0070C0"/>
                 </a:solidFill>
               </a:rPr>
-              <a:t>ping_client</a:t>
+              <a:t>ping_</a:t>
+            </a:r>
+            <a:r>
+              <a:rPr lang="en-US" altLang="ja-JP" sz="1000" err="1">
+                <a:solidFill>
+                  <a:srgbClr val="0070C0"/>
+                </a:solidFill>
+              </a:rPr>
+              <a:t>server</a:t>
             </a:r>
             <a:endParaRPr kumimoji="1" lang="ja-JP" altLang="en-US" sz="1000">
               <a:solidFill>
-                <a:sysClr val="windowText" lastClr="000000"/>
+                <a:srgbClr val="0070C0"/>
               </a:solidFill>
             </a:endParaRPr>
           </a:p>
@@ -5145,10 +6117,10 @@
       </p:sp>
       <p:sp>
         <p:nvSpPr>
-          <p:cNvPr id="67" name="正方形/長方形 66">
-            <a:extLst>
-              <a:ext uri="{FF2B5EF4-FFF2-40B4-BE49-F238E27FC236}">
-                <a16:creationId xmlns:a16="http://schemas.microsoft.com/office/drawing/2014/main" id="{D922B404-0DA7-D79A-C56B-921DB66017E0}"/>
+          <p:cNvPr id="10" name="正方形/長方形 9">
+            <a:extLst>
+              <a:ext uri="{FF2B5EF4-FFF2-40B4-BE49-F238E27FC236}">
+                <a16:creationId xmlns:a16="http://schemas.microsoft.com/office/drawing/2014/main" id="{1B65D98C-2D67-AE0A-D018-D9BD68A96B2E}"/>
               </a:ext>
             </a:extLst>
           </p:cNvPr>
@@ -5157,8 +6129,8 @@
         </p:nvSpPr>
         <p:spPr>
           <a:xfrm>
-            <a:off x="7942421" y="2971696"/>
-            <a:ext cx="1368000" cy="396000"/>
+            <a:off x="3144249" y="1310061"/>
+            <a:ext cx="1116000" cy="360000"/>
           </a:xfrm>
           <a:prstGeom prst="rect">
             <a:avLst/>
@@ -5166,6 +6138,11 @@
           <a:solidFill>
             <a:schemeClr val="bg1"/>
           </a:solidFill>
+          <a:ln>
+            <a:solidFill>
+              <a:srgbClr val="FF0000"/>
+            </a:solidFill>
+          </a:ln>
         </p:spPr>
         <p:style>
           <a:lnRef idx="2">
@@ -5189,333 +6166,55 @@
           <a:p>
             <a:pPr algn="ctr"/>
             <a:r>
+              <a:rPr lang="en-US" altLang="ja-JP" sz="1000" err="1">
+                <a:solidFill>
+                  <a:srgbClr val="FF0000"/>
+                </a:solidFill>
+              </a:rPr>
+              <a:t>p</a:t>
+            </a:r>
+            <a:r>
               <a:rPr kumimoji="1" lang="en-US" altLang="ja-JP" sz="1000" err="1">
                 <a:solidFill>
-                  <a:sysClr val="windowText" lastClr="000000"/>
+                  <a:srgbClr val="FF0000"/>
                 </a:solidFill>
               </a:rPr>
-              <a:t>ping_</a:t>
-            </a:r>
-            <a:r>
-              <a:rPr lang="en-US" altLang="ja-JP" sz="1000" err="1">
-                <a:solidFill>
-                  <a:sysClr val="windowText" lastClr="000000"/>
-                </a:solidFill>
-              </a:rPr>
-              <a:t>server</a:t>
+              <a:t>ing_clnt.c</a:t>
             </a:r>
             <a:endParaRPr kumimoji="1" lang="ja-JP" altLang="en-US" sz="1000">
               <a:solidFill>
-                <a:sysClr val="windowText" lastClr="000000"/>
+                <a:srgbClr val="FF0000"/>
               </a:solidFill>
             </a:endParaRPr>
           </a:p>
         </p:txBody>
       </p:sp>
-      <p:cxnSp>
-        <p:nvCxnSpPr>
-          <p:cNvPr id="68" name="直線矢印コネクタ 67">
-            <a:extLst>
-              <a:ext uri="{FF2B5EF4-FFF2-40B4-BE49-F238E27FC236}">
-                <a16:creationId xmlns:a16="http://schemas.microsoft.com/office/drawing/2014/main" id="{17C3F761-1B33-E7EC-1629-F946078B4F22}"/>
-              </a:ext>
-            </a:extLst>
-          </p:cNvPr>
-          <p:cNvCxnSpPr>
-            <a:cxnSpLocks/>
-            <a:stCxn id="14" idx="3"/>
-            <a:endCxn id="66" idx="1"/>
-          </p:cNvCxnSpPr>
+      <p:sp>
+        <p:nvSpPr>
+          <p:cNvPr id="11" name="正方形/長方形 10">
+            <a:extLst>
+              <a:ext uri="{FF2B5EF4-FFF2-40B4-BE49-F238E27FC236}">
+                <a16:creationId xmlns:a16="http://schemas.microsoft.com/office/drawing/2014/main" id="{4EF3BF12-4FFD-7CFA-50CC-8EA809EA512A}"/>
+              </a:ext>
+            </a:extLst>
+          </p:cNvPr>
+          <p:cNvSpPr/>
           <p:nvPr/>
-        </p:nvCxnSpPr>
-        <p:spPr>
-          <a:xfrm>
-            <a:off x="7310634" y="943239"/>
-            <a:ext cx="631787" cy="568731"/>
-          </a:xfrm>
-          <a:prstGeom prst="straightConnector1">
+        </p:nvSpPr>
+        <p:spPr>
+          <a:xfrm>
+            <a:off x="3144249" y="2166769"/>
+            <a:ext cx="1116000" cy="360000"/>
+          </a:xfrm>
+          <a:prstGeom prst="rect">
             <a:avLst/>
           </a:prstGeom>
+          <a:solidFill>
+            <a:schemeClr val="bg1"/>
+          </a:solidFill>
           <a:ln>
             <a:solidFill>
-              <a:schemeClr val="tx1"/>
-            </a:solidFill>
-            <a:tailEnd type="triangle"/>
-          </a:ln>
-        </p:spPr>
-        <p:style>
-          <a:lnRef idx="1">
-            <a:schemeClr val="accent1"/>
-          </a:lnRef>
-          <a:fillRef idx="0">
-            <a:schemeClr val="accent1"/>
-          </a:fillRef>
-          <a:effectRef idx="0">
-            <a:schemeClr val="accent1"/>
-          </a:effectRef>
-          <a:fontRef idx="minor">
-            <a:schemeClr val="tx1"/>
-          </a:fontRef>
-        </p:style>
-      </p:cxnSp>
-      <p:cxnSp>
-        <p:nvCxnSpPr>
-          <p:cNvPr id="71" name="直線矢印コネクタ 70">
-            <a:extLst>
-              <a:ext uri="{FF2B5EF4-FFF2-40B4-BE49-F238E27FC236}">
-                <a16:creationId xmlns:a16="http://schemas.microsoft.com/office/drawing/2014/main" id="{7B261718-436C-2B6F-71AA-7B4A27BA352E}"/>
-              </a:ext>
-            </a:extLst>
-          </p:cNvPr>
-          <p:cNvCxnSpPr>
-            <a:cxnSpLocks/>
-            <a:stCxn id="13" idx="3"/>
-            <a:endCxn id="66" idx="1"/>
-          </p:cNvCxnSpPr>
-          <p:nvPr/>
-        </p:nvCxnSpPr>
-        <p:spPr>
-          <a:xfrm>
-            <a:off x="7310634" y="1504152"/>
-            <a:ext cx="631787" cy="7818"/>
-          </a:xfrm>
-          <a:prstGeom prst="straightConnector1">
-            <a:avLst/>
-          </a:prstGeom>
-          <a:ln>
-            <a:solidFill>
-              <a:schemeClr val="tx1"/>
-            </a:solidFill>
-            <a:tailEnd type="triangle"/>
-          </a:ln>
-        </p:spPr>
-        <p:style>
-          <a:lnRef idx="1">
-            <a:schemeClr val="accent1"/>
-          </a:lnRef>
-          <a:fillRef idx="0">
-            <a:schemeClr val="accent1"/>
-          </a:fillRef>
-          <a:effectRef idx="0">
-            <a:schemeClr val="accent1"/>
-          </a:effectRef>
-          <a:fontRef idx="minor">
-            <a:schemeClr val="tx1"/>
-          </a:fontRef>
-        </p:style>
-      </p:cxnSp>
-      <p:cxnSp>
-        <p:nvCxnSpPr>
-          <p:cNvPr id="74" name="直線矢印コネクタ 73">
-            <a:extLst>
-              <a:ext uri="{FF2B5EF4-FFF2-40B4-BE49-F238E27FC236}">
-                <a16:creationId xmlns:a16="http://schemas.microsoft.com/office/drawing/2014/main" id="{AD2EEBD7-5E2F-5F5E-10B2-B46A3456131A}"/>
-              </a:ext>
-            </a:extLst>
-          </p:cNvPr>
-          <p:cNvCxnSpPr>
-            <a:cxnSpLocks/>
-            <a:stCxn id="16" idx="3"/>
-            <a:endCxn id="66" idx="1"/>
-          </p:cNvCxnSpPr>
-          <p:nvPr/>
-        </p:nvCxnSpPr>
-        <p:spPr>
-          <a:xfrm flipV="1">
-            <a:off x="7285920" y="1511970"/>
-            <a:ext cx="656501" cy="802570"/>
-          </a:xfrm>
-          <a:prstGeom prst="straightConnector1">
-            <a:avLst/>
-          </a:prstGeom>
-          <a:ln>
-            <a:solidFill>
-              <a:schemeClr val="tx1"/>
-            </a:solidFill>
-            <a:tailEnd type="triangle"/>
-          </a:ln>
-        </p:spPr>
-        <p:style>
-          <a:lnRef idx="1">
-            <a:schemeClr val="accent1"/>
-          </a:lnRef>
-          <a:fillRef idx="0">
-            <a:schemeClr val="accent1"/>
-          </a:fillRef>
-          <a:effectRef idx="0">
-            <a:schemeClr val="accent1"/>
-          </a:effectRef>
-          <a:fontRef idx="minor">
-            <a:schemeClr val="tx1"/>
-          </a:fontRef>
-        </p:style>
-      </p:cxnSp>
-      <p:cxnSp>
-        <p:nvCxnSpPr>
-          <p:cNvPr id="77" name="直線矢印コネクタ 76">
-            <a:extLst>
-              <a:ext uri="{FF2B5EF4-FFF2-40B4-BE49-F238E27FC236}">
-                <a16:creationId xmlns:a16="http://schemas.microsoft.com/office/drawing/2014/main" id="{9CB107B8-1F38-7CAD-DEF4-684F18C0F8CE}"/>
-              </a:ext>
-            </a:extLst>
-          </p:cNvPr>
-          <p:cNvCxnSpPr>
-            <a:cxnSpLocks/>
-            <a:stCxn id="16" idx="3"/>
-            <a:endCxn id="67" idx="1"/>
-          </p:cNvCxnSpPr>
-          <p:nvPr/>
-        </p:nvCxnSpPr>
-        <p:spPr>
-          <a:xfrm>
-            <a:off x="7285920" y="2314540"/>
-            <a:ext cx="656501" cy="855156"/>
-          </a:xfrm>
-          <a:prstGeom prst="straightConnector1">
-            <a:avLst/>
-          </a:prstGeom>
-          <a:ln>
-            <a:solidFill>
-              <a:schemeClr val="tx1"/>
-            </a:solidFill>
-            <a:tailEnd type="triangle"/>
-          </a:ln>
-        </p:spPr>
-        <p:style>
-          <a:lnRef idx="1">
-            <a:schemeClr val="accent1"/>
-          </a:lnRef>
-          <a:fillRef idx="0">
-            <a:schemeClr val="accent1"/>
-          </a:fillRef>
-          <a:effectRef idx="0">
-            <a:schemeClr val="accent1"/>
-          </a:effectRef>
-          <a:fontRef idx="minor">
-            <a:schemeClr val="tx1"/>
-          </a:fontRef>
-        </p:style>
-      </p:cxnSp>
-      <p:cxnSp>
-        <p:nvCxnSpPr>
-          <p:cNvPr id="80" name="直線矢印コネクタ 79">
-            <a:extLst>
-              <a:ext uri="{FF2B5EF4-FFF2-40B4-BE49-F238E27FC236}">
-                <a16:creationId xmlns:a16="http://schemas.microsoft.com/office/drawing/2014/main" id="{B5BF9189-3A6E-BFAA-C9E6-C8153860BEE8}"/>
-              </a:ext>
-            </a:extLst>
-          </p:cNvPr>
-          <p:cNvCxnSpPr>
-            <a:cxnSpLocks/>
-            <a:stCxn id="17" idx="3"/>
-            <a:endCxn id="67" idx="1"/>
-          </p:cNvCxnSpPr>
-          <p:nvPr/>
-        </p:nvCxnSpPr>
-        <p:spPr>
-          <a:xfrm flipV="1">
-            <a:off x="7310634" y="3169696"/>
-            <a:ext cx="631787" cy="36145"/>
-          </a:xfrm>
-          <a:prstGeom prst="straightConnector1">
-            <a:avLst/>
-          </a:prstGeom>
-          <a:ln>
-            <a:solidFill>
-              <a:schemeClr val="tx1"/>
-            </a:solidFill>
-            <a:tailEnd type="triangle"/>
-          </a:ln>
-        </p:spPr>
-        <p:style>
-          <a:lnRef idx="1">
-            <a:schemeClr val="accent1"/>
-          </a:lnRef>
-          <a:fillRef idx="0">
-            <a:schemeClr val="accent1"/>
-          </a:fillRef>
-          <a:effectRef idx="0">
-            <a:schemeClr val="accent1"/>
-          </a:effectRef>
-          <a:fontRef idx="minor">
-            <a:schemeClr val="tx1"/>
-          </a:fontRef>
-        </p:style>
-      </p:cxnSp>
-      <p:cxnSp>
-        <p:nvCxnSpPr>
-          <p:cNvPr id="83" name="直線矢印コネクタ 82">
-            <a:extLst>
-              <a:ext uri="{FF2B5EF4-FFF2-40B4-BE49-F238E27FC236}">
-                <a16:creationId xmlns:a16="http://schemas.microsoft.com/office/drawing/2014/main" id="{2C2EC729-9D3A-74BA-BD26-5571677B59FF}"/>
-              </a:ext>
-            </a:extLst>
-          </p:cNvPr>
-          <p:cNvCxnSpPr>
-            <a:cxnSpLocks/>
-            <a:stCxn id="15" idx="3"/>
-            <a:endCxn id="67" idx="1"/>
-          </p:cNvCxnSpPr>
-          <p:nvPr/>
-        </p:nvCxnSpPr>
-        <p:spPr>
-          <a:xfrm flipV="1">
-            <a:off x="7310634" y="3169696"/>
-            <a:ext cx="631787" cy="585177"/>
-          </a:xfrm>
-          <a:prstGeom prst="straightConnector1">
-            <a:avLst/>
-          </a:prstGeom>
-          <a:ln>
-            <a:solidFill>
-              <a:schemeClr val="tx1"/>
-            </a:solidFill>
-            <a:tailEnd type="triangle"/>
-          </a:ln>
-        </p:spPr>
-        <p:style>
-          <a:lnRef idx="1">
-            <a:schemeClr val="accent1"/>
-          </a:lnRef>
-          <a:fillRef idx="0">
-            <a:schemeClr val="accent1"/>
-          </a:fillRef>
-          <a:effectRef idx="0">
-            <a:schemeClr val="accent1"/>
-          </a:effectRef>
-          <a:fontRef idx="minor">
-            <a:schemeClr val="tx1"/>
-          </a:fontRef>
-        </p:style>
-      </p:cxnSp>
-      <p:sp>
-        <p:nvSpPr>
-          <p:cNvPr id="97" name="吹き出し: 線 96">
-            <a:extLst>
-              <a:ext uri="{FF2B5EF4-FFF2-40B4-BE49-F238E27FC236}">
-                <a16:creationId xmlns:a16="http://schemas.microsoft.com/office/drawing/2014/main" id="{1A9D3B4C-0951-041E-6A93-DC8857A41586}"/>
-              </a:ext>
-            </a:extLst>
-          </p:cNvPr>
-          <p:cNvSpPr/>
-          <p:nvPr/>
-        </p:nvSpPr>
-        <p:spPr>
-          <a:xfrm>
-            <a:off x="345121" y="1406140"/>
-            <a:ext cx="1128325" cy="362222"/>
-          </a:xfrm>
-          <a:prstGeom prst="borderCallout1">
-            <a:avLst>
-              <a:gd name="adj1" fmla="val 96321"/>
-              <a:gd name="adj2" fmla="val 50297"/>
-              <a:gd name="adj3" fmla="val 163846"/>
-              <a:gd name="adj4" fmla="val 73351"/>
-            </a:avLst>
-          </a:prstGeom>
-          <a:ln>
-            <a:solidFill>
-              <a:srgbClr val="0070C0"/>
+              <a:srgbClr val="FF0000"/>
             </a:solidFill>
           </a:ln>
         </p:spPr>
@@ -5541,26 +6240,35 @@
           <a:p>
             <a:pPr algn="ctr"/>
             <a:r>
-              <a:rPr kumimoji="1" lang="ja-JP" altLang="en-US" sz="1000"/>
-              <a:t>プログラマ</a:t>
-            </a:r>
-            <a:endParaRPr kumimoji="1" lang="en-US" altLang="ja-JP" sz="1000"/>
-          </a:p>
-          <a:p>
-            <a:pPr algn="ctr"/>
-            <a:r>
-              <a:rPr kumimoji="1" lang="ja-JP" altLang="en-US" sz="1000"/>
-              <a:t>が作成</a:t>
-            </a:r>
-          </a:p>
-        </p:txBody>
-      </p:sp>
-      <p:sp>
-        <p:nvSpPr>
-          <p:cNvPr id="99" name="楕円 98">
-            <a:extLst>
-              <a:ext uri="{FF2B5EF4-FFF2-40B4-BE49-F238E27FC236}">
-                <a16:creationId xmlns:a16="http://schemas.microsoft.com/office/drawing/2014/main" id="{18C8E875-1E20-DA3A-BD13-4FCFE6B832BA}"/>
+              <a:rPr lang="en-US" altLang="ja-JP" sz="1000" err="1">
+                <a:solidFill>
+                  <a:srgbClr val="FF0000"/>
+                </a:solidFill>
+              </a:rPr>
+              <a:t>p</a:t>
+            </a:r>
+            <a:r>
+              <a:rPr kumimoji="1" lang="en-US" altLang="ja-JP" sz="1000" err="1">
+                <a:solidFill>
+                  <a:srgbClr val="FF0000"/>
+                </a:solidFill>
+              </a:rPr>
+              <a:t>ing_xdr.c</a:t>
+            </a:r>
+            <a:endParaRPr kumimoji="1" lang="ja-JP" altLang="en-US" sz="1000">
+              <a:solidFill>
+                <a:srgbClr val="FF0000"/>
+              </a:solidFill>
+            </a:endParaRPr>
+          </a:p>
+        </p:txBody>
+      </p:sp>
+      <p:sp>
+        <p:nvSpPr>
+          <p:cNvPr id="12" name="正方形/長方形 11">
+            <a:extLst>
+              <a:ext uri="{FF2B5EF4-FFF2-40B4-BE49-F238E27FC236}">
+                <a16:creationId xmlns:a16="http://schemas.microsoft.com/office/drawing/2014/main" id="{B479DCF8-8AED-AA75-7B00-98B08DFCEDD5}"/>
               </a:ext>
             </a:extLst>
           </p:cNvPr>
@@ -5569,13 +6277,15 @@
         </p:nvSpPr>
         <p:spPr>
           <a:xfrm>
-            <a:off x="2525346" y="1824038"/>
-            <a:ext cx="261937" cy="956258"/>
-          </a:xfrm>
-          <a:prstGeom prst="ellipse">
+            <a:off x="3144249" y="2989768"/>
+            <a:ext cx="1116000" cy="360000"/>
+          </a:xfrm>
+          <a:prstGeom prst="rect">
             <a:avLst/>
           </a:prstGeom>
-          <a:noFill/>
+          <a:solidFill>
+            <a:schemeClr val="bg1"/>
+          </a:solidFill>
           <a:ln>
             <a:solidFill>
               <a:srgbClr val="FF0000"/>
@@ -5603,16 +6313,36 @@
           <a:lstStyle/>
           <a:p>
             <a:pPr algn="ctr"/>
-            <a:endParaRPr kumimoji="1" lang="ja-JP" altLang="en-US"/>
-          </a:p>
-        </p:txBody>
-      </p:sp>
-      <p:sp>
-        <p:nvSpPr>
-          <p:cNvPr id="100" name="楕円 99">
-            <a:extLst>
-              <a:ext uri="{FF2B5EF4-FFF2-40B4-BE49-F238E27FC236}">
-                <a16:creationId xmlns:a16="http://schemas.microsoft.com/office/drawing/2014/main" id="{8079DE98-042B-C587-959A-3EA16567E88C}"/>
+            <a:r>
+              <a:rPr lang="en-US" altLang="ja-JP" sz="1000" err="1">
+                <a:solidFill>
+                  <a:srgbClr val="FF0000"/>
+                </a:solidFill>
+              </a:rPr>
+              <a:t>p</a:t>
+            </a:r>
+            <a:r>
+              <a:rPr kumimoji="1" lang="en-US" altLang="ja-JP" sz="1000" err="1">
+                <a:solidFill>
+                  <a:srgbClr val="FF0000"/>
+                </a:solidFill>
+              </a:rPr>
+              <a:t>ing_svc.c</a:t>
+            </a:r>
+            <a:endParaRPr kumimoji="1" lang="ja-JP" altLang="en-US" sz="1000">
+              <a:solidFill>
+                <a:srgbClr val="FF0000"/>
+              </a:solidFill>
+            </a:endParaRPr>
+          </a:p>
+        </p:txBody>
+      </p:sp>
+      <p:sp>
+        <p:nvSpPr>
+          <p:cNvPr id="120" name="正方形/長方形 119">
+            <a:extLst>
+              <a:ext uri="{FF2B5EF4-FFF2-40B4-BE49-F238E27FC236}">
+                <a16:creationId xmlns:a16="http://schemas.microsoft.com/office/drawing/2014/main" id="{094FF04D-B911-E70C-CC88-0611EC6F1BB9}"/>
               </a:ext>
             </a:extLst>
           </p:cNvPr>
@@ -5621,16 +6351,382 @@
         </p:nvSpPr>
         <p:spPr>
           <a:xfrm>
-            <a:off x="5473335" y="3312620"/>
-            <a:ext cx="261937" cy="513029"/>
-          </a:xfrm>
-          <a:prstGeom prst="ellipse">
+            <a:off x="7343473" y="2398289"/>
+            <a:ext cx="72000" cy="72000"/>
+          </a:xfrm>
+          <a:prstGeom prst="rect">
             <a:avLst/>
           </a:prstGeom>
           <a:noFill/>
           <a:ln>
             <a:solidFill>
-              <a:srgbClr val="FFC000"/>
+              <a:schemeClr val="bg2"/>
+            </a:solidFill>
+          </a:ln>
+        </p:spPr>
+        <p:style>
+          <a:lnRef idx="2">
+            <a:schemeClr val="accent1">
+              <a:shade val="15000"/>
+            </a:schemeClr>
+          </a:lnRef>
+          <a:fillRef idx="1">
+            <a:schemeClr val="accent1"/>
+          </a:fillRef>
+          <a:effectRef idx="0">
+            <a:schemeClr val="accent1"/>
+          </a:effectRef>
+          <a:fontRef idx="minor">
+            <a:schemeClr val="lt1"/>
+          </a:fontRef>
+        </p:style>
+        <p:txBody>
+          <a:bodyPr rtlCol="0" anchor="ctr"/>
+          <a:lstStyle/>
+          <a:p>
+            <a:pPr algn="ctr"/>
+            <a:endParaRPr kumimoji="1" lang="ja-JP" altLang="en-US"/>
+          </a:p>
+        </p:txBody>
+      </p:sp>
+      <p:sp>
+        <p:nvSpPr>
+          <p:cNvPr id="122" name="正方形/長方形 121">
+            <a:extLst>
+              <a:ext uri="{FF2B5EF4-FFF2-40B4-BE49-F238E27FC236}">
+                <a16:creationId xmlns:a16="http://schemas.microsoft.com/office/drawing/2014/main" id="{B79CADE2-BD84-D6C9-5C7C-E3632064EEC3}"/>
+              </a:ext>
+            </a:extLst>
+          </p:cNvPr>
+          <p:cNvSpPr/>
+          <p:nvPr/>
+        </p:nvSpPr>
+        <p:spPr>
+          <a:xfrm>
+            <a:off x="7344331" y="2204764"/>
+            <a:ext cx="72000" cy="72000"/>
+          </a:xfrm>
+          <a:prstGeom prst="rect">
+            <a:avLst/>
+          </a:prstGeom>
+          <a:noFill/>
+          <a:ln>
+            <a:solidFill>
+              <a:schemeClr val="bg2"/>
+            </a:solidFill>
+          </a:ln>
+        </p:spPr>
+        <p:style>
+          <a:lnRef idx="2">
+            <a:schemeClr val="accent1">
+              <a:shade val="15000"/>
+            </a:schemeClr>
+          </a:lnRef>
+          <a:fillRef idx="1">
+            <a:schemeClr val="accent1"/>
+          </a:fillRef>
+          <a:effectRef idx="0">
+            <a:schemeClr val="accent1"/>
+          </a:effectRef>
+          <a:fontRef idx="minor">
+            <a:schemeClr val="lt1"/>
+          </a:fontRef>
+        </p:style>
+        <p:txBody>
+          <a:bodyPr rtlCol="0" anchor="ctr"/>
+          <a:lstStyle/>
+          <a:p>
+            <a:pPr algn="ctr"/>
+            <a:endParaRPr kumimoji="1" lang="ja-JP" altLang="en-US"/>
+          </a:p>
+        </p:txBody>
+      </p:sp>
+      <p:sp>
+        <p:nvSpPr>
+          <p:cNvPr id="123" name="正方形/長方形 122">
+            <a:extLst>
+              <a:ext uri="{FF2B5EF4-FFF2-40B4-BE49-F238E27FC236}">
+                <a16:creationId xmlns:a16="http://schemas.microsoft.com/office/drawing/2014/main" id="{53D597BB-2C3D-495B-B4DF-3FA19506C4A5}"/>
+              </a:ext>
+            </a:extLst>
+          </p:cNvPr>
+          <p:cNvSpPr/>
+          <p:nvPr/>
+        </p:nvSpPr>
+        <p:spPr>
+          <a:xfrm>
+            <a:off x="2788328" y="1777274"/>
+            <a:ext cx="72000" cy="72000"/>
+          </a:xfrm>
+          <a:prstGeom prst="rect">
+            <a:avLst/>
+          </a:prstGeom>
+          <a:noFill/>
+          <a:ln>
+            <a:solidFill>
+              <a:schemeClr val="bg2"/>
+            </a:solidFill>
+          </a:ln>
+        </p:spPr>
+        <p:style>
+          <a:lnRef idx="2">
+            <a:schemeClr val="accent1">
+              <a:shade val="15000"/>
+            </a:schemeClr>
+          </a:lnRef>
+          <a:fillRef idx="1">
+            <a:schemeClr val="accent1"/>
+          </a:fillRef>
+          <a:effectRef idx="0">
+            <a:schemeClr val="accent1"/>
+          </a:effectRef>
+          <a:fontRef idx="minor">
+            <a:schemeClr val="lt1"/>
+          </a:fontRef>
+        </p:style>
+        <p:txBody>
+          <a:bodyPr rtlCol="0" anchor="ctr"/>
+          <a:lstStyle/>
+          <a:p>
+            <a:pPr algn="ctr"/>
+            <a:endParaRPr kumimoji="1" lang="ja-JP" altLang="en-US"/>
+          </a:p>
+        </p:txBody>
+      </p:sp>
+      <p:sp>
+        <p:nvSpPr>
+          <p:cNvPr id="125" name="正方形/長方形 124">
+            <a:extLst>
+              <a:ext uri="{FF2B5EF4-FFF2-40B4-BE49-F238E27FC236}">
+                <a16:creationId xmlns:a16="http://schemas.microsoft.com/office/drawing/2014/main" id="{E43F276E-45D3-3548-BF2B-7AA2D6736C37}"/>
+              </a:ext>
+            </a:extLst>
+          </p:cNvPr>
+          <p:cNvSpPr/>
+          <p:nvPr/>
+        </p:nvSpPr>
+        <p:spPr>
+          <a:xfrm>
+            <a:off x="2788328" y="1848506"/>
+            <a:ext cx="72000" cy="72000"/>
+          </a:xfrm>
+          <a:prstGeom prst="rect">
+            <a:avLst/>
+          </a:prstGeom>
+          <a:noFill/>
+          <a:ln>
+            <a:solidFill>
+              <a:schemeClr val="bg2"/>
+            </a:solidFill>
+          </a:ln>
+        </p:spPr>
+        <p:style>
+          <a:lnRef idx="2">
+            <a:schemeClr val="accent1">
+              <a:shade val="15000"/>
+            </a:schemeClr>
+          </a:lnRef>
+          <a:fillRef idx="1">
+            <a:schemeClr val="accent1"/>
+          </a:fillRef>
+          <a:effectRef idx="0">
+            <a:schemeClr val="accent1"/>
+          </a:effectRef>
+          <a:fontRef idx="minor">
+            <a:schemeClr val="lt1"/>
+          </a:fontRef>
+        </p:style>
+        <p:txBody>
+          <a:bodyPr rtlCol="0" anchor="ctr"/>
+          <a:lstStyle/>
+          <a:p>
+            <a:pPr algn="ctr"/>
+            <a:endParaRPr kumimoji="1" lang="ja-JP" altLang="en-US"/>
+          </a:p>
+        </p:txBody>
+      </p:sp>
+      <p:sp>
+        <p:nvSpPr>
+          <p:cNvPr id="126" name="正方形/長方形 125">
+            <a:extLst>
+              <a:ext uri="{FF2B5EF4-FFF2-40B4-BE49-F238E27FC236}">
+                <a16:creationId xmlns:a16="http://schemas.microsoft.com/office/drawing/2014/main" id="{285D8DD2-FB3E-C5A5-177F-D75F1F648F02}"/>
+              </a:ext>
+            </a:extLst>
+          </p:cNvPr>
+          <p:cNvSpPr/>
+          <p:nvPr/>
+        </p:nvSpPr>
+        <p:spPr>
+          <a:xfrm>
+            <a:off x="2788328" y="1919738"/>
+            <a:ext cx="72000" cy="72000"/>
+          </a:xfrm>
+          <a:prstGeom prst="rect">
+            <a:avLst/>
+          </a:prstGeom>
+          <a:noFill/>
+          <a:ln>
+            <a:solidFill>
+              <a:schemeClr val="bg2"/>
+            </a:solidFill>
+          </a:ln>
+        </p:spPr>
+        <p:style>
+          <a:lnRef idx="2">
+            <a:schemeClr val="accent1">
+              <a:shade val="15000"/>
+            </a:schemeClr>
+          </a:lnRef>
+          <a:fillRef idx="1">
+            <a:schemeClr val="accent1"/>
+          </a:fillRef>
+          <a:effectRef idx="0">
+            <a:schemeClr val="accent1"/>
+          </a:effectRef>
+          <a:fontRef idx="minor">
+            <a:schemeClr val="lt1"/>
+          </a:fontRef>
+        </p:style>
+        <p:txBody>
+          <a:bodyPr rtlCol="0" anchor="ctr"/>
+          <a:lstStyle/>
+          <a:p>
+            <a:pPr algn="ctr"/>
+            <a:endParaRPr kumimoji="1" lang="ja-JP" altLang="en-US"/>
+          </a:p>
+        </p:txBody>
+      </p:sp>
+      <p:sp>
+        <p:nvSpPr>
+          <p:cNvPr id="127" name="正方形/長方形 126">
+            <a:extLst>
+              <a:ext uri="{FF2B5EF4-FFF2-40B4-BE49-F238E27FC236}">
+                <a16:creationId xmlns:a16="http://schemas.microsoft.com/office/drawing/2014/main" id="{87158449-BD2B-8DA2-FF78-BED8909290D9}"/>
+              </a:ext>
+            </a:extLst>
+          </p:cNvPr>
+          <p:cNvSpPr/>
+          <p:nvPr/>
+        </p:nvSpPr>
+        <p:spPr>
+          <a:xfrm>
+            <a:off x="2788328" y="1990970"/>
+            <a:ext cx="72000" cy="72000"/>
+          </a:xfrm>
+          <a:prstGeom prst="rect">
+            <a:avLst/>
+          </a:prstGeom>
+          <a:noFill/>
+          <a:ln>
+            <a:solidFill>
+              <a:schemeClr val="bg2"/>
+            </a:solidFill>
+          </a:ln>
+        </p:spPr>
+        <p:style>
+          <a:lnRef idx="2">
+            <a:schemeClr val="accent1">
+              <a:shade val="15000"/>
+            </a:schemeClr>
+          </a:lnRef>
+          <a:fillRef idx="1">
+            <a:schemeClr val="accent1"/>
+          </a:fillRef>
+          <a:effectRef idx="0">
+            <a:schemeClr val="accent1"/>
+          </a:effectRef>
+          <a:fontRef idx="minor">
+            <a:schemeClr val="lt1"/>
+          </a:fontRef>
+        </p:style>
+        <p:txBody>
+          <a:bodyPr rtlCol="0" anchor="ctr"/>
+          <a:lstStyle/>
+          <a:p>
+            <a:pPr algn="ctr"/>
+            <a:endParaRPr kumimoji="1" lang="ja-JP" altLang="en-US"/>
+          </a:p>
+        </p:txBody>
+      </p:sp>
+      <p:sp>
+        <p:nvSpPr>
+          <p:cNvPr id="128" name="正方形/長方形 127">
+            <a:extLst>
+              <a:ext uri="{FF2B5EF4-FFF2-40B4-BE49-F238E27FC236}">
+                <a16:creationId xmlns:a16="http://schemas.microsoft.com/office/drawing/2014/main" id="{8EE7AA4F-9C94-9A22-4C61-B6EFAB8F98D0}"/>
+              </a:ext>
+            </a:extLst>
+          </p:cNvPr>
+          <p:cNvSpPr/>
+          <p:nvPr/>
+        </p:nvSpPr>
+        <p:spPr>
+          <a:xfrm>
+            <a:off x="2788328" y="2062202"/>
+            <a:ext cx="72000" cy="72000"/>
+          </a:xfrm>
+          <a:prstGeom prst="rect">
+            <a:avLst/>
+          </a:prstGeom>
+          <a:noFill/>
+          <a:ln>
+            <a:solidFill>
+              <a:schemeClr val="bg2"/>
+            </a:solidFill>
+          </a:ln>
+        </p:spPr>
+        <p:style>
+          <a:lnRef idx="2">
+            <a:schemeClr val="accent1">
+              <a:shade val="15000"/>
+            </a:schemeClr>
+          </a:lnRef>
+          <a:fillRef idx="1">
+            <a:schemeClr val="accent1"/>
+          </a:fillRef>
+          <a:effectRef idx="0">
+            <a:schemeClr val="accent1"/>
+          </a:effectRef>
+          <a:fontRef idx="minor">
+            <a:schemeClr val="lt1"/>
+          </a:fontRef>
+        </p:style>
+        <p:txBody>
+          <a:bodyPr rtlCol="0" anchor="ctr"/>
+          <a:lstStyle/>
+          <a:p>
+            <a:pPr algn="ctr"/>
+            <a:endParaRPr kumimoji="1" lang="ja-JP" altLang="en-US"/>
+          </a:p>
+        </p:txBody>
+      </p:sp>
+      <p:sp>
+        <p:nvSpPr>
+          <p:cNvPr id="16" name="正方形/長方形 15">
+            <a:extLst>
+              <a:ext uri="{FF2B5EF4-FFF2-40B4-BE49-F238E27FC236}">
+                <a16:creationId xmlns:a16="http://schemas.microsoft.com/office/drawing/2014/main" id="{1AD4FEE8-B96C-D0E6-DB8F-A5FBAC4B508F}"/>
+              </a:ext>
+            </a:extLst>
+          </p:cNvPr>
+          <p:cNvSpPr/>
+          <p:nvPr/>
+        </p:nvSpPr>
+        <p:spPr>
+          <a:xfrm>
+            <a:off x="6297365" y="2166769"/>
+            <a:ext cx="1116000" cy="360000"/>
+          </a:xfrm>
+          <a:prstGeom prst="rect">
+            <a:avLst/>
+          </a:prstGeom>
+          <a:solidFill>
+            <a:schemeClr val="bg1"/>
+          </a:solidFill>
+          <a:ln>
+            <a:solidFill>
+              <a:schemeClr val="accent2"/>
             </a:solidFill>
           </a:ln>
         </p:spPr>
@@ -5655,16 +6751,36 @@
           <a:lstStyle/>
           <a:p>
             <a:pPr algn="ctr"/>
-            <a:endParaRPr kumimoji="1" lang="ja-JP" altLang="en-US"/>
-          </a:p>
-        </p:txBody>
-      </p:sp>
-      <p:sp>
-        <p:nvSpPr>
-          <p:cNvPr id="101" name="吹き出し: 線 100">
-            <a:extLst>
-              <a:ext uri="{FF2B5EF4-FFF2-40B4-BE49-F238E27FC236}">
-                <a16:creationId xmlns:a16="http://schemas.microsoft.com/office/drawing/2014/main" id="{AFA99B2F-3C5C-D33D-14A8-B357DFFE5864}"/>
+            <a:r>
+              <a:rPr lang="en-US" altLang="ja-JP" sz="1000">
+                <a:solidFill>
+                  <a:schemeClr val="accent2"/>
+                </a:solidFill>
+              </a:rPr>
+              <a:t>p</a:t>
+            </a:r>
+            <a:r>
+              <a:rPr kumimoji="1" lang="en-US" altLang="ja-JP" sz="1000">
+                <a:solidFill>
+                  <a:schemeClr val="accent2"/>
+                </a:solidFill>
+              </a:rPr>
+              <a:t>ing_xdr.o</a:t>
+            </a:r>
+            <a:endParaRPr kumimoji="1" lang="ja-JP" altLang="en-US" sz="1000">
+              <a:solidFill>
+                <a:schemeClr val="accent2"/>
+              </a:solidFill>
+            </a:endParaRPr>
+          </a:p>
+        </p:txBody>
+      </p:sp>
+      <p:sp>
+        <p:nvSpPr>
+          <p:cNvPr id="9" name="正方形/長方形 8">
+            <a:extLst>
+              <a:ext uri="{FF2B5EF4-FFF2-40B4-BE49-F238E27FC236}">
+                <a16:creationId xmlns:a16="http://schemas.microsoft.com/office/drawing/2014/main" id="{72CFE8B7-9E22-9A3E-ECBD-2DEE7DE5B103}"/>
               </a:ext>
             </a:extLst>
           </p:cNvPr>
@@ -5673,23 +6789,18 @@
         </p:nvSpPr>
         <p:spPr>
           <a:xfrm>
-            <a:off x="4516536" y="409816"/>
-            <a:ext cx="1088866" cy="362222"/>
-          </a:xfrm>
-          <a:prstGeom prst="borderCallout1">
-            <a:avLst>
-              <a:gd name="adj1" fmla="val 127876"/>
-              <a:gd name="adj2" fmla="val 62960"/>
-              <a:gd name="adj3" fmla="val 159455"/>
-              <a:gd name="adj4" fmla="val 88686"/>
-            </a:avLst>
+            <a:off x="1747724" y="1776244"/>
+            <a:ext cx="1116000" cy="360000"/>
+          </a:xfrm>
+          <a:prstGeom prst="rect">
+            <a:avLst/>
           </a:prstGeom>
           <a:solidFill>
-            <a:srgbClr val="FFC000"/>
+            <a:schemeClr val="bg1"/>
           </a:solidFill>
           <a:ln>
             <a:solidFill>
-              <a:srgbClr val="FFC000"/>
+              <a:srgbClr val="FF0000"/>
             </a:solidFill>
           </a:ln>
         </p:spPr>
@@ -5715,623 +6826,24 @@
           <a:p>
             <a:pPr algn="ctr"/>
             <a:r>
-              <a:rPr kumimoji="1" lang="ja-JP" altLang="en-US" sz="1000">
+              <a:rPr lang="en-US" altLang="ja-JP" sz="1000" err="1">
                 <a:solidFill>
-                  <a:schemeClr val="tx1"/>
+                  <a:srgbClr val="FF0000"/>
                 </a:solidFill>
               </a:rPr>
-              <a:t>コンパイル処理</a:t>
-            </a:r>
-          </a:p>
-        </p:txBody>
-      </p:sp>
-      <p:sp>
-        <p:nvSpPr>
-          <p:cNvPr id="102" name="吹き出し: 線 101">
-            <a:extLst>
-              <a:ext uri="{FF2B5EF4-FFF2-40B4-BE49-F238E27FC236}">
-                <a16:creationId xmlns:a16="http://schemas.microsoft.com/office/drawing/2014/main" id="{0B06116F-8579-4C41-1845-E8C547777A54}"/>
-              </a:ext>
-            </a:extLst>
-          </p:cNvPr>
-          <p:cNvSpPr/>
-          <p:nvPr/>
-        </p:nvSpPr>
-        <p:spPr>
-          <a:xfrm>
-            <a:off x="7550560" y="320904"/>
-            <a:ext cx="1088866" cy="362222"/>
-          </a:xfrm>
-          <a:prstGeom prst="borderCallout1">
-            <a:avLst>
-              <a:gd name="adj1" fmla="val 110315"/>
-              <a:gd name="adj2" fmla="val 52737"/>
-              <a:gd name="adj3" fmla="val 207748"/>
-              <a:gd name="adj4" fmla="val 10551"/>
-            </a:avLst>
-          </a:prstGeom>
-          <a:solidFill>
-            <a:srgbClr val="92D050"/>
-          </a:solidFill>
-          <a:ln>
-            <a:solidFill>
-              <a:srgbClr val="92D050"/>
-            </a:solidFill>
-          </a:ln>
-        </p:spPr>
-        <p:style>
-          <a:lnRef idx="2">
-            <a:schemeClr val="accent1">
-              <a:shade val="50000"/>
-            </a:schemeClr>
-          </a:lnRef>
-          <a:fillRef idx="1">
-            <a:schemeClr val="accent1"/>
-          </a:fillRef>
-          <a:effectRef idx="0">
-            <a:schemeClr val="accent1"/>
-          </a:effectRef>
-          <a:fontRef idx="minor">
-            <a:schemeClr val="lt1"/>
-          </a:fontRef>
-        </p:style>
-        <p:txBody>
-          <a:bodyPr rtlCol="0" anchor="ctr"/>
-          <a:lstStyle/>
-          <a:p>
-            <a:pPr algn="ctr"/>
-            <a:r>
-              <a:rPr kumimoji="1" lang="ja-JP" altLang="en-US" sz="1000">
+              <a:t>p</a:t>
+            </a:r>
+            <a:r>
+              <a:rPr kumimoji="1" lang="en-US" altLang="ja-JP" sz="1000" err="1">
                 <a:solidFill>
-                  <a:schemeClr val="tx1"/>
+                  <a:srgbClr val="FF0000"/>
                 </a:solidFill>
               </a:rPr>
-              <a:t>リンク処理</a:t>
-            </a:r>
-          </a:p>
-        </p:txBody>
-      </p:sp>
-      <p:sp>
-        <p:nvSpPr>
-          <p:cNvPr id="103" name="楕円 102">
-            <a:extLst>
-              <a:ext uri="{FF2B5EF4-FFF2-40B4-BE49-F238E27FC236}">
-                <a16:creationId xmlns:a16="http://schemas.microsoft.com/office/drawing/2014/main" id="{AF0DE8F4-EA8C-CDC1-8B18-36F83798F638}"/>
-              </a:ext>
-            </a:extLst>
-          </p:cNvPr>
-          <p:cNvSpPr/>
-          <p:nvPr/>
-        </p:nvSpPr>
-        <p:spPr>
-          <a:xfrm>
-            <a:off x="7467469" y="914398"/>
-            <a:ext cx="261937" cy="1285594"/>
-          </a:xfrm>
-          <a:prstGeom prst="ellipse">
-            <a:avLst/>
-          </a:prstGeom>
-          <a:noFill/>
-          <a:ln>
-            <a:solidFill>
-              <a:srgbClr val="92D050"/>
-            </a:solidFill>
-          </a:ln>
-        </p:spPr>
-        <p:style>
-          <a:lnRef idx="2">
-            <a:schemeClr val="accent1">
-              <a:shade val="50000"/>
-            </a:schemeClr>
-          </a:lnRef>
-          <a:fillRef idx="1">
-            <a:schemeClr val="accent1"/>
-          </a:fillRef>
-          <a:effectRef idx="0">
-            <a:schemeClr val="accent1"/>
-          </a:effectRef>
-          <a:fontRef idx="minor">
-            <a:schemeClr val="lt1"/>
-          </a:fontRef>
-        </p:style>
-        <p:txBody>
-          <a:bodyPr rtlCol="0" anchor="ctr"/>
-          <a:lstStyle/>
-          <a:p>
-            <a:pPr algn="ctr"/>
-            <a:endParaRPr kumimoji="1" lang="ja-JP" altLang="en-US"/>
-          </a:p>
-        </p:txBody>
-      </p:sp>
-      <p:sp>
-        <p:nvSpPr>
-          <p:cNvPr id="107" name="楕円 106">
-            <a:extLst>
-              <a:ext uri="{FF2B5EF4-FFF2-40B4-BE49-F238E27FC236}">
-                <a16:creationId xmlns:a16="http://schemas.microsoft.com/office/drawing/2014/main" id="{F9A1E9AB-AC3B-6D71-6BF3-61B32D106AF4}"/>
-              </a:ext>
-            </a:extLst>
-          </p:cNvPr>
-          <p:cNvSpPr/>
-          <p:nvPr/>
-        </p:nvSpPr>
-        <p:spPr>
-          <a:xfrm>
-            <a:off x="7443008" y="2511950"/>
-            <a:ext cx="261937" cy="1242923"/>
-          </a:xfrm>
-          <a:prstGeom prst="ellipse">
-            <a:avLst/>
-          </a:prstGeom>
-          <a:noFill/>
-          <a:ln>
-            <a:solidFill>
-              <a:srgbClr val="92D050"/>
-            </a:solidFill>
-          </a:ln>
-        </p:spPr>
-        <p:style>
-          <a:lnRef idx="2">
-            <a:schemeClr val="accent1">
-              <a:shade val="50000"/>
-            </a:schemeClr>
-          </a:lnRef>
-          <a:fillRef idx="1">
-            <a:schemeClr val="accent1"/>
-          </a:fillRef>
-          <a:effectRef idx="0">
-            <a:schemeClr val="accent1"/>
-          </a:effectRef>
-          <a:fontRef idx="minor">
-            <a:schemeClr val="lt1"/>
-          </a:fontRef>
-        </p:style>
-        <p:txBody>
-          <a:bodyPr rtlCol="0" anchor="ctr"/>
-          <a:lstStyle/>
-          <a:p>
-            <a:pPr algn="ctr"/>
-            <a:endParaRPr kumimoji="1" lang="ja-JP" altLang="en-US"/>
-          </a:p>
-        </p:txBody>
-      </p:sp>
-      <p:sp>
-        <p:nvSpPr>
-          <p:cNvPr id="108" name="楕円 107">
-            <a:extLst>
-              <a:ext uri="{FF2B5EF4-FFF2-40B4-BE49-F238E27FC236}">
-                <a16:creationId xmlns:a16="http://schemas.microsoft.com/office/drawing/2014/main" id="{565C3FB4-8326-995C-A063-11B8398382A5}"/>
-              </a:ext>
-            </a:extLst>
-          </p:cNvPr>
-          <p:cNvSpPr/>
-          <p:nvPr/>
-        </p:nvSpPr>
-        <p:spPr>
-          <a:xfrm>
-            <a:off x="5473335" y="2799456"/>
-            <a:ext cx="261937" cy="454297"/>
-          </a:xfrm>
-          <a:prstGeom prst="ellipse">
-            <a:avLst/>
-          </a:prstGeom>
-          <a:noFill/>
-          <a:ln>
-            <a:solidFill>
-              <a:srgbClr val="FFC000"/>
-            </a:solidFill>
-          </a:ln>
-        </p:spPr>
-        <p:style>
-          <a:lnRef idx="2">
-            <a:schemeClr val="accent1">
-              <a:shade val="50000"/>
-            </a:schemeClr>
-          </a:lnRef>
-          <a:fillRef idx="1">
-            <a:schemeClr val="accent1"/>
-          </a:fillRef>
-          <a:effectRef idx="0">
-            <a:schemeClr val="accent1"/>
-          </a:effectRef>
-          <a:fontRef idx="minor">
-            <a:schemeClr val="lt1"/>
-          </a:fontRef>
-        </p:style>
-        <p:txBody>
-          <a:bodyPr rtlCol="0" anchor="ctr"/>
-          <a:lstStyle/>
-          <a:p>
-            <a:pPr algn="ctr"/>
-            <a:endParaRPr kumimoji="1" lang="ja-JP" altLang="en-US"/>
-          </a:p>
-        </p:txBody>
-      </p:sp>
-      <p:sp>
-        <p:nvSpPr>
-          <p:cNvPr id="109" name="楕円 108">
-            <a:extLst>
-              <a:ext uri="{FF2B5EF4-FFF2-40B4-BE49-F238E27FC236}">
-                <a16:creationId xmlns:a16="http://schemas.microsoft.com/office/drawing/2014/main" id="{57D23382-7AA1-FCC6-6390-39F167F93D2D}"/>
-              </a:ext>
-            </a:extLst>
-          </p:cNvPr>
-          <p:cNvSpPr/>
-          <p:nvPr/>
-        </p:nvSpPr>
-        <p:spPr>
-          <a:xfrm>
-            <a:off x="5473335" y="2076613"/>
-            <a:ext cx="261937" cy="454297"/>
-          </a:xfrm>
-          <a:prstGeom prst="ellipse">
-            <a:avLst/>
-          </a:prstGeom>
-          <a:noFill/>
-          <a:ln>
-            <a:solidFill>
-              <a:srgbClr val="FFC000"/>
-            </a:solidFill>
-          </a:ln>
-        </p:spPr>
-        <p:style>
-          <a:lnRef idx="2">
-            <a:schemeClr val="accent1">
-              <a:shade val="50000"/>
-            </a:schemeClr>
-          </a:lnRef>
-          <a:fillRef idx="1">
-            <a:schemeClr val="accent1"/>
-          </a:fillRef>
-          <a:effectRef idx="0">
-            <a:schemeClr val="accent1"/>
-          </a:effectRef>
-          <a:fontRef idx="minor">
-            <a:schemeClr val="lt1"/>
-          </a:fontRef>
-        </p:style>
-        <p:txBody>
-          <a:bodyPr rtlCol="0" anchor="ctr"/>
-          <a:lstStyle/>
-          <a:p>
-            <a:pPr algn="ctr"/>
-            <a:endParaRPr kumimoji="1" lang="ja-JP" altLang="en-US"/>
-          </a:p>
-        </p:txBody>
-      </p:sp>
-      <p:sp>
-        <p:nvSpPr>
-          <p:cNvPr id="110" name="楕円 109">
-            <a:extLst>
-              <a:ext uri="{FF2B5EF4-FFF2-40B4-BE49-F238E27FC236}">
-                <a16:creationId xmlns:a16="http://schemas.microsoft.com/office/drawing/2014/main" id="{E2701D5F-B45F-6A41-0409-A3350A55E24C}"/>
-              </a:ext>
-            </a:extLst>
-          </p:cNvPr>
-          <p:cNvSpPr/>
-          <p:nvPr/>
-        </p:nvSpPr>
-        <p:spPr>
-          <a:xfrm>
-            <a:off x="5473335" y="1394125"/>
-            <a:ext cx="261937" cy="454297"/>
-          </a:xfrm>
-          <a:prstGeom prst="ellipse">
-            <a:avLst/>
-          </a:prstGeom>
-          <a:noFill/>
-          <a:ln>
-            <a:solidFill>
-              <a:srgbClr val="FFC000"/>
-            </a:solidFill>
-          </a:ln>
-        </p:spPr>
-        <p:style>
-          <a:lnRef idx="2">
-            <a:schemeClr val="accent1">
-              <a:shade val="50000"/>
-            </a:schemeClr>
-          </a:lnRef>
-          <a:fillRef idx="1">
-            <a:schemeClr val="accent1"/>
-          </a:fillRef>
-          <a:effectRef idx="0">
-            <a:schemeClr val="accent1"/>
-          </a:effectRef>
-          <a:fontRef idx="minor">
-            <a:schemeClr val="lt1"/>
-          </a:fontRef>
-        </p:style>
-        <p:txBody>
-          <a:bodyPr rtlCol="0" anchor="ctr"/>
-          <a:lstStyle/>
-          <a:p>
-            <a:pPr algn="ctr"/>
-            <a:endParaRPr kumimoji="1" lang="ja-JP" altLang="en-US"/>
-          </a:p>
-        </p:txBody>
-      </p:sp>
-      <p:sp>
-        <p:nvSpPr>
-          <p:cNvPr id="111" name="楕円 110">
-            <a:extLst>
-              <a:ext uri="{FF2B5EF4-FFF2-40B4-BE49-F238E27FC236}">
-                <a16:creationId xmlns:a16="http://schemas.microsoft.com/office/drawing/2014/main" id="{3CD6F18C-7B63-C3B4-FE23-E8721A6B1938}"/>
-              </a:ext>
-            </a:extLst>
-          </p:cNvPr>
-          <p:cNvSpPr/>
-          <p:nvPr/>
-        </p:nvSpPr>
-        <p:spPr>
-          <a:xfrm>
-            <a:off x="5473335" y="870663"/>
-            <a:ext cx="261937" cy="454297"/>
-          </a:xfrm>
-          <a:prstGeom prst="ellipse">
-            <a:avLst/>
-          </a:prstGeom>
-          <a:noFill/>
-          <a:ln>
-            <a:solidFill>
-              <a:srgbClr val="FFC000"/>
-            </a:solidFill>
-          </a:ln>
-        </p:spPr>
-        <p:style>
-          <a:lnRef idx="2">
-            <a:schemeClr val="accent1">
-              <a:shade val="50000"/>
-            </a:schemeClr>
-          </a:lnRef>
-          <a:fillRef idx="1">
-            <a:schemeClr val="accent1"/>
-          </a:fillRef>
-          <a:effectRef idx="0">
-            <a:schemeClr val="accent1"/>
-          </a:effectRef>
-          <a:fontRef idx="minor">
-            <a:schemeClr val="lt1"/>
-          </a:fontRef>
-        </p:style>
-        <p:txBody>
-          <a:bodyPr rtlCol="0" anchor="ctr"/>
-          <a:lstStyle/>
-          <a:p>
-            <a:pPr algn="ctr"/>
-            <a:endParaRPr kumimoji="1" lang="ja-JP" altLang="en-US"/>
-          </a:p>
-        </p:txBody>
-      </p:sp>
-      <p:sp>
-        <p:nvSpPr>
-          <p:cNvPr id="112" name="吹き出し: 線 111">
-            <a:extLst>
-              <a:ext uri="{FF2B5EF4-FFF2-40B4-BE49-F238E27FC236}">
-                <a16:creationId xmlns:a16="http://schemas.microsoft.com/office/drawing/2014/main" id="{58B2E15E-C820-19AF-1204-0208C5CB9614}"/>
-              </a:ext>
-            </a:extLst>
-          </p:cNvPr>
-          <p:cNvSpPr/>
-          <p:nvPr/>
-        </p:nvSpPr>
-        <p:spPr>
-          <a:xfrm>
-            <a:off x="1857503" y="1329643"/>
-            <a:ext cx="1128325" cy="362222"/>
-          </a:xfrm>
-          <a:prstGeom prst="borderCallout1">
-            <a:avLst>
-              <a:gd name="adj1" fmla="val 101580"/>
-              <a:gd name="adj2" fmla="val 54518"/>
-              <a:gd name="adj3" fmla="val 150698"/>
-              <a:gd name="adj4" fmla="val 64909"/>
-            </a:avLst>
-          </a:prstGeom>
-          <a:solidFill>
-            <a:srgbClr val="FF0000"/>
-          </a:solidFill>
-          <a:ln>
-            <a:solidFill>
-              <a:srgbClr val="FF0000"/>
-            </a:solidFill>
-          </a:ln>
-        </p:spPr>
-        <p:style>
-          <a:lnRef idx="2">
-            <a:schemeClr val="accent1">
-              <a:shade val="50000"/>
-            </a:schemeClr>
-          </a:lnRef>
-          <a:fillRef idx="1">
-            <a:schemeClr val="accent1"/>
-          </a:fillRef>
-          <a:effectRef idx="0">
-            <a:schemeClr val="accent1"/>
-          </a:effectRef>
-          <a:fontRef idx="minor">
-            <a:schemeClr val="lt1"/>
-          </a:fontRef>
-        </p:style>
-        <p:txBody>
-          <a:bodyPr rtlCol="0" anchor="ctr"/>
-          <a:lstStyle/>
-          <a:p>
-            <a:pPr algn="ctr"/>
-            <a:r>
-              <a:rPr lang="en-US" altLang="ja-JP" sz="1000" err="1"/>
-              <a:t>rpcgen</a:t>
-            </a:r>
-            <a:r>
-              <a:rPr lang="ja-JP" altLang="en-US" sz="1000"/>
-              <a:t>を使った自動生成処理</a:t>
-            </a:r>
-            <a:endParaRPr kumimoji="1" lang="ja-JP" altLang="en-US" sz="1000"/>
-          </a:p>
-        </p:txBody>
-      </p:sp>
-      <p:cxnSp>
-        <p:nvCxnSpPr>
-          <p:cNvPr id="119" name="直線コネクタ 118">
-            <a:extLst>
-              <a:ext uri="{FF2B5EF4-FFF2-40B4-BE49-F238E27FC236}">
-                <a16:creationId xmlns:a16="http://schemas.microsoft.com/office/drawing/2014/main" id="{F3444361-CCCE-88F3-01B7-D82B9EFE677F}"/>
-              </a:ext>
-            </a:extLst>
-          </p:cNvPr>
-          <p:cNvCxnSpPr>
-            <a:cxnSpLocks/>
-            <a:stCxn id="97" idx="1"/>
-          </p:cNvCxnSpPr>
-          <p:nvPr/>
-        </p:nvCxnSpPr>
-        <p:spPr>
-          <a:xfrm>
-            <a:off x="909284" y="1768362"/>
-            <a:ext cx="214471" cy="1800772"/>
-          </a:xfrm>
-          <a:prstGeom prst="line">
-            <a:avLst/>
-          </a:prstGeom>
-        </p:spPr>
-        <p:style>
-          <a:lnRef idx="1">
-            <a:schemeClr val="accent1"/>
-          </a:lnRef>
-          <a:fillRef idx="0">
-            <a:schemeClr val="accent1"/>
-          </a:fillRef>
-          <a:effectRef idx="0">
-            <a:schemeClr val="accent1"/>
-          </a:effectRef>
-          <a:fontRef idx="minor">
-            <a:schemeClr val="tx1"/>
-          </a:fontRef>
-        </p:style>
-      </p:cxnSp>
-      <p:cxnSp>
-        <p:nvCxnSpPr>
-          <p:cNvPr id="121" name="直線コネクタ 120">
-            <a:extLst>
-              <a:ext uri="{FF2B5EF4-FFF2-40B4-BE49-F238E27FC236}">
-                <a16:creationId xmlns:a16="http://schemas.microsoft.com/office/drawing/2014/main" id="{64219694-39A2-2EB1-7343-6016A015D85A}"/>
-              </a:ext>
-            </a:extLst>
-          </p:cNvPr>
-          <p:cNvCxnSpPr>
-            <a:cxnSpLocks/>
-            <a:stCxn id="97" idx="3"/>
-            <a:endCxn id="6" idx="2"/>
-          </p:cNvCxnSpPr>
-          <p:nvPr/>
-        </p:nvCxnSpPr>
-        <p:spPr>
-          <a:xfrm flipV="1">
-            <a:off x="909284" y="1141239"/>
-            <a:ext cx="603391" cy="264901"/>
-          </a:xfrm>
-          <a:prstGeom prst="line">
-            <a:avLst/>
-          </a:prstGeom>
-        </p:spPr>
-        <p:style>
-          <a:lnRef idx="1">
-            <a:schemeClr val="accent1"/>
-          </a:lnRef>
-          <a:fillRef idx="0">
-            <a:schemeClr val="accent1"/>
-          </a:fillRef>
-          <a:effectRef idx="0">
-            <a:schemeClr val="accent1"/>
-          </a:effectRef>
-          <a:fontRef idx="minor">
-            <a:schemeClr val="tx1"/>
-          </a:fontRef>
-        </p:style>
-      </p:cxnSp>
-      <p:sp>
-        <p:nvSpPr>
-          <p:cNvPr id="124" name="テキスト ボックス 123">
-            <a:extLst>
-              <a:ext uri="{FF2B5EF4-FFF2-40B4-BE49-F238E27FC236}">
-                <a16:creationId xmlns:a16="http://schemas.microsoft.com/office/drawing/2014/main" id="{5FE29894-9292-2409-353E-E66575DDCF2B}"/>
-              </a:ext>
-            </a:extLst>
-          </p:cNvPr>
-          <p:cNvSpPr txBox="1"/>
-          <p:nvPr/>
-        </p:nvSpPr>
-        <p:spPr>
-          <a:xfrm>
-            <a:off x="5298518" y="4181128"/>
-            <a:ext cx="2606804" cy="215444"/>
-          </a:xfrm>
-          <a:prstGeom prst="rect">
-            <a:avLst/>
-          </a:prstGeom>
-          <a:noFill/>
-        </p:spPr>
-        <p:txBody>
-          <a:bodyPr wrap="none" rtlCol="0">
-            <a:spAutoFit/>
-          </a:bodyPr>
-          <a:lstStyle/>
-          <a:p>
-            <a:pPr algn="ctr"/>
-            <a:r>
-              <a:rPr lang="en-US" altLang="ja-JP" sz="800" b="0" i="0" u="none" strike="noStrike">
-                <a:solidFill>
-                  <a:schemeClr val="bg1">
-                    <a:lumMod val="65000"/>
-                  </a:schemeClr>
-                </a:solidFill>
-                <a:effectLst/>
-                <a:latin typeface="游ゴシック" panose="020B0400000000000000" pitchFamily="50" charset="-128"/>
-                <a:ea typeface="游ゴシック" panose="020B0400000000000000" pitchFamily="50" charset="-128"/>
-              </a:rPr>
-              <a:t>“rpcgen" </a:t>
-            </a:r>
-            <a:r>
-              <a:rPr lang="en-US" altLang="ja-JP" sz="800" b="0" i="0" u="none" strike="noStrike" dirty="0">
-                <a:solidFill>
-                  <a:schemeClr val="bg1">
-                    <a:lumMod val="65000"/>
-                  </a:schemeClr>
-                </a:solidFill>
-                <a:effectLst/>
-                <a:latin typeface="游ゴシック" panose="020B0400000000000000" pitchFamily="50" charset="-128"/>
-                <a:ea typeface="游ゴシック" panose="020B0400000000000000" pitchFamily="50" charset="-128"/>
-              </a:rPr>
-              <a:t>by Yamaoka is licensed under CC BY 2.0</a:t>
-            </a:r>
-            <a:r>
-              <a:rPr lang="en-US" altLang="ja-JP" sz="800" b="0" i="0" u="none" strike="noStrike" dirty="0">
-                <a:solidFill>
-                  <a:schemeClr val="bg1">
-                    <a:lumMod val="65000"/>
-                  </a:schemeClr>
-                </a:solidFill>
-                <a:effectLst/>
-                <a:latin typeface="Tahoma" panose="020B0604030504040204" pitchFamily="34" charset="0"/>
-                <a:ea typeface="游ゴシック" panose="020B0400000000000000" pitchFamily="50" charset="-128"/>
-              </a:rPr>
-              <a:t>﻿</a:t>
-            </a:r>
-            <a:r>
-              <a:rPr lang="en-US" altLang="ja-JP" sz="800" dirty="0">
-                <a:solidFill>
-                  <a:schemeClr val="bg1">
-                    <a:lumMod val="65000"/>
-                  </a:schemeClr>
-                </a:solidFill>
-              </a:rPr>
-              <a:t> </a:t>
-            </a:r>
-            <a:endParaRPr kumimoji="1" lang="ja-JP" altLang="en-US" sz="800" dirty="0">
+              <a:t>ing.h</a:t>
+            </a:r>
+            <a:endParaRPr kumimoji="1" lang="ja-JP" altLang="en-US" sz="1000">
               <a:solidFill>
-                <a:schemeClr val="bg1">
-                  <a:lumMod val="65000"/>
-                </a:schemeClr>
+                <a:srgbClr val="FF0000"/>
               </a:solidFill>
             </a:endParaRPr>
           </a:p>

--- a/20230605_RPC/311.pptx
+++ b/20230605_RPC/311.pptx
@@ -3690,10 +3690,10 @@
       </p:sp>
       <p:sp>
         <p:nvSpPr>
-          <p:cNvPr id="7" name="正方形/長方形 6">
-            <a:extLst>
-              <a:ext uri="{FF2B5EF4-FFF2-40B4-BE49-F238E27FC236}">
-                <a16:creationId xmlns:a16="http://schemas.microsoft.com/office/drawing/2014/main" id="{02A56745-48A0-6281-8E9E-E93FC012182C}"/>
+          <p:cNvPr id="8" name="正方形/長方形 7">
+            <a:extLst>
+              <a:ext uri="{FF2B5EF4-FFF2-40B4-BE49-F238E27FC236}">
+                <a16:creationId xmlns:a16="http://schemas.microsoft.com/office/drawing/2014/main" id="{D0E51817-028D-5C97-8478-D7FACDCA2921}"/>
               </a:ext>
             </a:extLst>
           </p:cNvPr>
@@ -3702,7 +3702,7 @@
         </p:nvSpPr>
         <p:spPr>
           <a:xfrm>
-            <a:off x="321792" y="2166769"/>
+            <a:off x="4584508" y="3556873"/>
             <a:ext cx="1116000" cy="360000"/>
           </a:xfrm>
           <a:prstGeom prst="rect">
@@ -3744,72 +3744,6 @@
                   <a:schemeClr val="tx1"/>
                 </a:solidFill>
               </a:rPr>
-              <a:t>ping.x</a:t>
-            </a:r>
-            <a:endParaRPr kumimoji="1" lang="ja-JP" altLang="en-US" sz="1000">
-              <a:solidFill>
-                <a:schemeClr val="tx1"/>
-              </a:solidFill>
-            </a:endParaRPr>
-          </a:p>
-        </p:txBody>
-      </p:sp>
-      <p:sp>
-        <p:nvSpPr>
-          <p:cNvPr id="8" name="正方形/長方形 7">
-            <a:extLst>
-              <a:ext uri="{FF2B5EF4-FFF2-40B4-BE49-F238E27FC236}">
-                <a16:creationId xmlns:a16="http://schemas.microsoft.com/office/drawing/2014/main" id="{D0E51817-028D-5C97-8478-D7FACDCA2921}"/>
-              </a:ext>
-            </a:extLst>
-          </p:cNvPr>
-          <p:cNvSpPr/>
-          <p:nvPr/>
-        </p:nvSpPr>
-        <p:spPr>
-          <a:xfrm>
-            <a:off x="4584508" y="3556873"/>
-            <a:ext cx="1116000" cy="360000"/>
-          </a:xfrm>
-          <a:prstGeom prst="rect">
-            <a:avLst/>
-          </a:prstGeom>
-          <a:solidFill>
-            <a:schemeClr val="bg1"/>
-          </a:solidFill>
-          <a:ln>
-            <a:solidFill>
-              <a:schemeClr val="tx1"/>
-            </a:solidFill>
-          </a:ln>
-        </p:spPr>
-        <p:style>
-          <a:lnRef idx="2">
-            <a:schemeClr val="accent1">
-              <a:shade val="50000"/>
-            </a:schemeClr>
-          </a:lnRef>
-          <a:fillRef idx="1">
-            <a:schemeClr val="accent1"/>
-          </a:fillRef>
-          <a:effectRef idx="0">
-            <a:schemeClr val="accent1"/>
-          </a:effectRef>
-          <a:fontRef idx="minor">
-            <a:schemeClr val="lt1"/>
-          </a:fontRef>
-        </p:style>
-        <p:txBody>
-          <a:bodyPr rtlCol="0" anchor="ctr"/>
-          <a:lstStyle/>
-          <a:p>
-            <a:pPr algn="ctr"/>
-            <a:r>
-              <a:rPr kumimoji="1" lang="en-US" altLang="ja-JP" sz="1000" err="1">
-                <a:solidFill>
-                  <a:schemeClr val="tx1"/>
-                </a:solidFill>
-              </a:rPr>
               <a:t>ping_server.c</a:t>
             </a:r>
             <a:endParaRPr kumimoji="1" lang="ja-JP" altLang="en-US" sz="1000">
@@ -4119,19 +4053,19 @@
           </p:cNvPr>
           <p:cNvCxnSpPr>
             <a:cxnSpLocks/>
-            <a:stCxn id="7" idx="3"/>
+            <a:stCxn id="3" idx="3"/>
             <a:endCxn id="81" idx="1"/>
           </p:cNvCxnSpPr>
           <p:nvPr/>
         </p:nvCxnSpPr>
         <p:spPr>
           <a:xfrm flipV="1">
-            <a:off x="1437792" y="1403519"/>
-            <a:ext cx="1709293" cy="943250"/>
+            <a:off x="1434791" y="1403519"/>
+            <a:ext cx="1712294" cy="752986"/>
           </a:xfrm>
           <a:prstGeom prst="bentConnector3">
             <a:avLst>
-              <a:gd name="adj1" fmla="val 4489"/>
+              <a:gd name="adj1" fmla="val 5421"/>
             </a:avLst>
           </a:prstGeom>
           <a:ln>
@@ -4397,19 +4331,19 @@
           </p:cNvPr>
           <p:cNvCxnSpPr>
             <a:cxnSpLocks/>
-            <a:stCxn id="7" idx="3"/>
+            <a:stCxn id="21" idx="3"/>
             <a:endCxn id="73" idx="1"/>
           </p:cNvCxnSpPr>
           <p:nvPr/>
         </p:nvCxnSpPr>
         <p:spPr>
           <a:xfrm>
-            <a:off x="1437792" y="2346769"/>
-            <a:ext cx="1709293" cy="923718"/>
+            <a:off x="1434791" y="2441433"/>
+            <a:ext cx="1712294" cy="829054"/>
           </a:xfrm>
           <a:prstGeom prst="bentConnector3">
             <a:avLst>
-              <a:gd name="adj1" fmla="val 9080"/>
+              <a:gd name="adj1" fmla="val 7975"/>
             </a:avLst>
           </a:prstGeom>
           <a:ln>
@@ -4445,15 +4379,15 @@
           </p:cNvPr>
           <p:cNvCxnSpPr>
             <a:cxnSpLocks/>
-            <a:stCxn id="7" idx="3"/>
+            <a:stCxn id="5" idx="3"/>
             <a:endCxn id="11" idx="1"/>
           </p:cNvCxnSpPr>
           <p:nvPr/>
         </p:nvCxnSpPr>
         <p:spPr>
           <a:xfrm>
-            <a:off x="1437792" y="2346769"/>
-            <a:ext cx="1706457" cy="0"/>
+            <a:off x="1434791" y="2346457"/>
+            <a:ext cx="1709458" cy="312"/>
           </a:xfrm>
           <a:prstGeom prst="straightConnector1">
             <a:avLst/>
@@ -4491,15 +4425,15 @@
           </p:cNvPr>
           <p:cNvCxnSpPr>
             <a:cxnSpLocks/>
-            <a:stCxn id="7" idx="3"/>
+            <a:stCxn id="4" idx="3"/>
             <a:endCxn id="9" idx="1"/>
           </p:cNvCxnSpPr>
           <p:nvPr/>
         </p:nvCxnSpPr>
         <p:spPr>
           <a:xfrm flipV="1">
-            <a:off x="1437792" y="1956244"/>
-            <a:ext cx="309932" cy="390525"/>
+            <a:off x="1434791" y="1956244"/>
+            <a:ext cx="312933" cy="295237"/>
           </a:xfrm>
           <a:prstGeom prst="bentConnector3">
             <a:avLst>
@@ -5071,7 +5005,7 @@
         </p:nvSpPr>
         <p:spPr>
           <a:xfrm>
-            <a:off x="5113671" y="207751"/>
+            <a:off x="5099441" y="203018"/>
             <a:ext cx="1088866" cy="362222"/>
           </a:xfrm>
           <a:prstGeom prst="borderCallout1">
@@ -5087,7 +5021,7 @@
           </a:solidFill>
           <a:ln>
             <a:solidFill>
-              <a:srgbClr val="FFC000"/>
+              <a:schemeClr val="accent2"/>
             </a:solidFill>
           </a:ln>
         </p:spPr>
@@ -5215,7 +5149,7 @@
             </a:avLst>
           </a:prstGeom>
           <a:solidFill>
-            <a:srgbClr val="FF0000"/>
+            <a:srgbClr val="FFB3B3"/>
           </a:solidFill>
           <a:ln>
             <a:solidFill>
@@ -5245,14 +5179,26 @@
           <a:p>
             <a:pPr algn="ctr"/>
             <a:r>
-              <a:rPr lang="en-US" altLang="ja-JP" sz="1000" err="1"/>
+              <a:rPr lang="en-US" altLang="ja-JP" sz="1000" err="1">
+                <a:solidFill>
+                  <a:schemeClr val="tx1"/>
+                </a:solidFill>
+              </a:rPr>
               <a:t>rpcgen</a:t>
             </a:r>
             <a:r>
-              <a:rPr lang="ja-JP" altLang="en-US" sz="1000"/>
+              <a:rPr lang="ja-JP" altLang="en-US" sz="1000">
+                <a:solidFill>
+                  <a:schemeClr val="tx1"/>
+                </a:solidFill>
+              </a:rPr>
               <a:t>を使った自動生成処理</a:t>
             </a:r>
-            <a:endParaRPr kumimoji="1" lang="ja-JP" altLang="en-US" sz="1000"/>
+            <a:endParaRPr kumimoji="1" lang="ja-JP" altLang="en-US" sz="1000">
+              <a:solidFill>
+                <a:schemeClr val="tx1"/>
+              </a:solidFill>
+            </a:endParaRPr>
           </a:p>
         </p:txBody>
       </p:sp>
@@ -6844,6 +6790,280 @@
             <a:endParaRPr kumimoji="1" lang="ja-JP" altLang="en-US" sz="1000">
               <a:solidFill>
                 <a:srgbClr val="FF0000"/>
+              </a:solidFill>
+            </a:endParaRPr>
+          </a:p>
+        </p:txBody>
+      </p:sp>
+      <p:sp>
+        <p:nvSpPr>
+          <p:cNvPr id="3" name="正方形/長方形 2">
+            <a:extLst>
+              <a:ext uri="{FF2B5EF4-FFF2-40B4-BE49-F238E27FC236}">
+                <a16:creationId xmlns:a16="http://schemas.microsoft.com/office/drawing/2014/main" id="{F7AD4914-91C0-041F-0267-C76BE0300082}"/>
+              </a:ext>
+            </a:extLst>
+          </p:cNvPr>
+          <p:cNvSpPr/>
+          <p:nvPr/>
+        </p:nvSpPr>
+        <p:spPr>
+          <a:xfrm>
+            <a:off x="1362791" y="2120505"/>
+            <a:ext cx="72000" cy="72000"/>
+          </a:xfrm>
+          <a:prstGeom prst="rect">
+            <a:avLst/>
+          </a:prstGeom>
+          <a:noFill/>
+          <a:ln>
+            <a:solidFill>
+              <a:schemeClr val="bg2"/>
+            </a:solidFill>
+          </a:ln>
+        </p:spPr>
+        <p:style>
+          <a:lnRef idx="2">
+            <a:schemeClr val="accent1">
+              <a:shade val="15000"/>
+            </a:schemeClr>
+          </a:lnRef>
+          <a:fillRef idx="1">
+            <a:schemeClr val="accent1"/>
+          </a:fillRef>
+          <a:effectRef idx="0">
+            <a:schemeClr val="accent1"/>
+          </a:effectRef>
+          <a:fontRef idx="minor">
+            <a:schemeClr val="lt1"/>
+          </a:fontRef>
+        </p:style>
+        <p:txBody>
+          <a:bodyPr rtlCol="0" anchor="ctr"/>
+          <a:lstStyle/>
+          <a:p>
+            <a:pPr algn="ctr"/>
+            <a:endParaRPr kumimoji="1" lang="ja-JP" altLang="en-US"/>
+          </a:p>
+        </p:txBody>
+      </p:sp>
+      <p:sp>
+        <p:nvSpPr>
+          <p:cNvPr id="4" name="正方形/長方形 3">
+            <a:extLst>
+              <a:ext uri="{FF2B5EF4-FFF2-40B4-BE49-F238E27FC236}">
+                <a16:creationId xmlns:a16="http://schemas.microsoft.com/office/drawing/2014/main" id="{E9287D65-0D85-3C1E-B7D1-59274075BD0C}"/>
+              </a:ext>
+            </a:extLst>
+          </p:cNvPr>
+          <p:cNvSpPr/>
+          <p:nvPr/>
+        </p:nvSpPr>
+        <p:spPr>
+          <a:xfrm>
+            <a:off x="1362791" y="2215481"/>
+            <a:ext cx="72000" cy="72000"/>
+          </a:xfrm>
+          <a:prstGeom prst="rect">
+            <a:avLst/>
+          </a:prstGeom>
+          <a:noFill/>
+          <a:ln>
+            <a:solidFill>
+              <a:schemeClr val="bg2"/>
+            </a:solidFill>
+          </a:ln>
+        </p:spPr>
+        <p:style>
+          <a:lnRef idx="2">
+            <a:schemeClr val="accent1">
+              <a:shade val="15000"/>
+            </a:schemeClr>
+          </a:lnRef>
+          <a:fillRef idx="1">
+            <a:schemeClr val="accent1"/>
+          </a:fillRef>
+          <a:effectRef idx="0">
+            <a:schemeClr val="accent1"/>
+          </a:effectRef>
+          <a:fontRef idx="minor">
+            <a:schemeClr val="lt1"/>
+          </a:fontRef>
+        </p:style>
+        <p:txBody>
+          <a:bodyPr rtlCol="0" anchor="ctr"/>
+          <a:lstStyle/>
+          <a:p>
+            <a:pPr algn="ctr"/>
+            <a:endParaRPr kumimoji="1" lang="ja-JP" altLang="en-US"/>
+          </a:p>
+        </p:txBody>
+      </p:sp>
+      <p:sp>
+        <p:nvSpPr>
+          <p:cNvPr id="5" name="正方形/長方形 4">
+            <a:extLst>
+              <a:ext uri="{FF2B5EF4-FFF2-40B4-BE49-F238E27FC236}">
+                <a16:creationId xmlns:a16="http://schemas.microsoft.com/office/drawing/2014/main" id="{FFC8C87A-9E14-E854-0CBC-334752F42E2B}"/>
+              </a:ext>
+            </a:extLst>
+          </p:cNvPr>
+          <p:cNvSpPr/>
+          <p:nvPr/>
+        </p:nvSpPr>
+        <p:spPr>
+          <a:xfrm>
+            <a:off x="1362791" y="2310457"/>
+            <a:ext cx="72000" cy="72000"/>
+          </a:xfrm>
+          <a:prstGeom prst="rect">
+            <a:avLst/>
+          </a:prstGeom>
+          <a:noFill/>
+          <a:ln>
+            <a:solidFill>
+              <a:schemeClr val="bg2"/>
+            </a:solidFill>
+          </a:ln>
+        </p:spPr>
+        <p:style>
+          <a:lnRef idx="2">
+            <a:schemeClr val="accent1">
+              <a:shade val="15000"/>
+            </a:schemeClr>
+          </a:lnRef>
+          <a:fillRef idx="1">
+            <a:schemeClr val="accent1"/>
+          </a:fillRef>
+          <a:effectRef idx="0">
+            <a:schemeClr val="accent1"/>
+          </a:effectRef>
+          <a:fontRef idx="minor">
+            <a:schemeClr val="lt1"/>
+          </a:fontRef>
+        </p:style>
+        <p:txBody>
+          <a:bodyPr rtlCol="0" anchor="ctr"/>
+          <a:lstStyle/>
+          <a:p>
+            <a:pPr algn="ctr"/>
+            <a:endParaRPr kumimoji="1" lang="ja-JP" altLang="en-US"/>
+          </a:p>
+        </p:txBody>
+      </p:sp>
+      <p:sp>
+        <p:nvSpPr>
+          <p:cNvPr id="21" name="正方形/長方形 20">
+            <a:extLst>
+              <a:ext uri="{FF2B5EF4-FFF2-40B4-BE49-F238E27FC236}">
+                <a16:creationId xmlns:a16="http://schemas.microsoft.com/office/drawing/2014/main" id="{5AE6A284-34CE-F24E-687B-D1C717FAA3F8}"/>
+              </a:ext>
+            </a:extLst>
+          </p:cNvPr>
+          <p:cNvSpPr/>
+          <p:nvPr/>
+        </p:nvSpPr>
+        <p:spPr>
+          <a:xfrm>
+            <a:off x="1362791" y="2405433"/>
+            <a:ext cx="72000" cy="72000"/>
+          </a:xfrm>
+          <a:prstGeom prst="rect">
+            <a:avLst/>
+          </a:prstGeom>
+          <a:noFill/>
+          <a:ln>
+            <a:solidFill>
+              <a:schemeClr val="bg2"/>
+            </a:solidFill>
+          </a:ln>
+        </p:spPr>
+        <p:style>
+          <a:lnRef idx="2">
+            <a:schemeClr val="accent1">
+              <a:shade val="15000"/>
+            </a:schemeClr>
+          </a:lnRef>
+          <a:fillRef idx="1">
+            <a:schemeClr val="accent1"/>
+          </a:fillRef>
+          <a:effectRef idx="0">
+            <a:schemeClr val="accent1"/>
+          </a:effectRef>
+          <a:fontRef idx="minor">
+            <a:schemeClr val="lt1"/>
+          </a:fontRef>
+        </p:style>
+        <p:txBody>
+          <a:bodyPr rtlCol="0" anchor="ctr"/>
+          <a:lstStyle/>
+          <a:p>
+            <a:pPr algn="ctr"/>
+            <a:endParaRPr kumimoji="1" lang="ja-JP" altLang="en-US"/>
+          </a:p>
+        </p:txBody>
+      </p:sp>
+      <p:sp>
+        <p:nvSpPr>
+          <p:cNvPr id="7" name="正方形/長方形 6">
+            <a:extLst>
+              <a:ext uri="{FF2B5EF4-FFF2-40B4-BE49-F238E27FC236}">
+                <a16:creationId xmlns:a16="http://schemas.microsoft.com/office/drawing/2014/main" id="{02A56745-48A0-6281-8E9E-E93FC012182C}"/>
+              </a:ext>
+            </a:extLst>
+          </p:cNvPr>
+          <p:cNvSpPr/>
+          <p:nvPr/>
+        </p:nvSpPr>
+        <p:spPr>
+          <a:xfrm>
+            <a:off x="321792" y="2119057"/>
+            <a:ext cx="1116000" cy="360000"/>
+          </a:xfrm>
+          <a:prstGeom prst="rect">
+            <a:avLst/>
+          </a:prstGeom>
+          <a:solidFill>
+            <a:schemeClr val="bg1"/>
+          </a:solidFill>
+          <a:ln>
+            <a:solidFill>
+              <a:schemeClr val="tx1"/>
+            </a:solidFill>
+          </a:ln>
+        </p:spPr>
+        <p:style>
+          <a:lnRef idx="2">
+            <a:schemeClr val="accent1">
+              <a:shade val="50000"/>
+            </a:schemeClr>
+          </a:lnRef>
+          <a:fillRef idx="1">
+            <a:schemeClr val="accent1"/>
+          </a:fillRef>
+          <a:effectRef idx="0">
+            <a:schemeClr val="accent1"/>
+          </a:effectRef>
+          <a:fontRef idx="minor">
+            <a:schemeClr val="lt1"/>
+          </a:fontRef>
+        </p:style>
+        <p:txBody>
+          <a:bodyPr rtlCol="0" anchor="ctr"/>
+          <a:lstStyle/>
+          <a:p>
+            <a:pPr algn="ctr"/>
+            <a:r>
+              <a:rPr kumimoji="1" lang="en-US" altLang="ja-JP" sz="1000" err="1">
+                <a:solidFill>
+                  <a:schemeClr val="tx1"/>
+                </a:solidFill>
+              </a:rPr>
+              <a:t>ping.x</a:t>
+            </a:r>
+            <a:endParaRPr kumimoji="1" lang="ja-JP" altLang="en-US" sz="1000">
+              <a:solidFill>
+                <a:schemeClr val="tx1"/>
               </a:solidFill>
             </a:endParaRPr>
           </a:p>
